--- a/BigDataTalk.pptx
+++ b/BigDataTalk.pptx
@@ -1293,6 +1293,13 @@
             </a:r>
           </a:p>
           <a:p>
+            <a:endParaRPr lang="en-US" dirty="0" smtClean="0"/>
+          </a:p>
+          <a:p>
+            <a:r>
+              <a:rPr lang="en-US" dirty="0" smtClean="0"/>
+              <a:t>NEXT SLIDE</a:t>
+            </a:r>
             <a:endParaRPr lang="en-US" dirty="0"/>
           </a:p>
         </p:txBody>
@@ -1393,6 +1400,32 @@
               <a:rPr lang="en-US" baseline="0" dirty="0" err="1" smtClean="0"/>
               <a:t>CSVLineReader</a:t>
             </a:r>
+            <a:endParaRPr lang="en-US" baseline="0" dirty="0" smtClean="0"/>
+          </a:p>
+          <a:p>
+            <a:endParaRPr lang="en-US" baseline="0" dirty="0" smtClean="0"/>
+          </a:p>
+          <a:p>
+            <a:r>
+              <a:rPr lang="en-US" baseline="0" dirty="0" smtClean="0"/>
+              <a:t>Honestly, I also could have just made </a:t>
+            </a:r>
+            <a:r>
+              <a:rPr lang="en-US" baseline="0" dirty="0" err="1" smtClean="0"/>
+              <a:t>CSVLineReader</a:t>
+            </a:r>
+            <a:r>
+              <a:rPr lang="en-US" baseline="0" dirty="0" smtClean="0"/>
+              <a:t> an </a:t>
+            </a:r>
+            <a:r>
+              <a:rPr lang="en-US" baseline="0" dirty="0" err="1" smtClean="0"/>
+              <a:t>iterable</a:t>
+            </a:r>
+            <a:r>
+              <a:rPr lang="en-US" baseline="0" dirty="0" smtClean="0"/>
+              <a:t> class, but this seemed much cleaner.</a:t>
+            </a:r>
             <a:endParaRPr lang="en-US" dirty="0"/>
           </a:p>
         </p:txBody>
@@ -1752,11 +1785,7 @@
             </a:r>
             <a:r>
               <a:rPr lang="en-US" baseline="0" dirty="0" smtClean="0"/>
-              <a:t> in between </a:t>
-            </a:r>
-            <a:r>
-              <a:rPr lang="en-US" baseline="0" dirty="0" smtClean="0"/>
-              <a:t>items</a:t>
+              <a:t> in between items</a:t>
             </a:r>
           </a:p>
           <a:p>
@@ -1977,11 +2006,7 @@
           <a:p>
             <a:r>
               <a:rPr lang="en-US" baseline="0" dirty="0" smtClean="0"/>
-              <a:t>Not good, will need to write my own</a:t>
-            </a:r>
-            <a:r>
-              <a:rPr lang="en-US" baseline="0" dirty="0" smtClean="0"/>
-              <a:t>.</a:t>
+              <a:t>Not good, will need to write my own.</a:t>
             </a:r>
           </a:p>
           <a:p>
@@ -6063,7 +6088,6 @@
               <a:rPr lang="en-US" dirty="0"/>
               <a:t>Distributed CSV Consumption</a:t>
             </a:r>
-            <a:endParaRPr lang="en-US" dirty="0"/>
           </a:p>
         </p:txBody>
       </p:sp>
@@ -6140,7 +6164,6 @@
               <a:rPr lang="en-US" dirty="0"/>
               <a:t>CSV files</a:t>
             </a:r>
-            <a:endParaRPr lang="en-US" dirty="0"/>
           </a:p>
         </p:txBody>
       </p:sp>
@@ -6768,8 +6791,8 @@
           <a:lstStyle/>
           <a:p>
             <a:r>
-              <a:rPr lang="en-US" dirty="0" smtClean="0"/>
-              <a:t>Crunch.</a:t>
+              <a:rPr lang="en-US" dirty="0" err="1" smtClean="0"/>
+              <a:t>Hadoop</a:t>
             </a:r>
             <a:endParaRPr lang="en-US" dirty="0"/>
           </a:p>
@@ -6847,7 +6870,7 @@
           <a:p>
             <a:r>
               <a:rPr lang="en-US" dirty="0" smtClean="0"/>
-              <a:t>Crunch.</a:t>
+              <a:t>Crunch…</a:t>
             </a:r>
             <a:endParaRPr lang="en-US" dirty="0"/>
           </a:p>
@@ -6925,7 +6948,7 @@
           <a:p>
             <a:r>
               <a:rPr lang="en-US" dirty="0" smtClean="0"/>
-              <a:t>Crunch.</a:t>
+              <a:t>More Crunch…</a:t>
             </a:r>
             <a:endParaRPr lang="en-US" dirty="0"/>
           </a:p>
@@ -7003,7 +7026,7 @@
           <a:p>
             <a:r>
               <a:rPr lang="en-US" dirty="0" smtClean="0"/>
-              <a:t>Crunch.</a:t>
+              <a:t>Extra</a:t>
             </a:r>
             <a:endParaRPr lang="en-US" dirty="0"/>
           </a:p>
@@ -7099,7 +7122,9 @@
         </p:nvSpPr>
         <p:spPr/>
         <p:txBody>
-          <a:bodyPr/>
+          <a:bodyPr>
+            <a:normAutofit fontScale="92500"/>
+          </a:bodyPr>
           <a:lstStyle/>
           <a:p>
             <a:r>
@@ -7131,7 +7156,29 @@
           <a:p>
             <a:r>
               <a:rPr lang="en-US" dirty="0" smtClean="0"/>
-              <a:t>Knowing a source means knowing where it can be split for distribution and where it can be broken into records.</a:t>
+              <a:t>Knowing a source means knowing where it can be split for distribution and where it can be broken into records</a:t>
+            </a:r>
+            <a:r>
+              <a:rPr lang="en-US" dirty="0" smtClean="0"/>
+              <a:t>.</a:t>
+            </a:r>
+          </a:p>
+          <a:p>
+            <a:r>
+              <a:rPr lang="en-US" dirty="0"/>
+              <a:t>Slides: </a:t>
+            </a:r>
+            <a:r>
+              <a:rPr lang="en-US" dirty="0">
+                <a:hlinkClick r:id="rId3"/>
+              </a:rPr>
+              <a:t>https://github.com/champgm/Big-Data-</a:t>
+            </a:r>
+            <a:r>
+              <a:rPr lang="en-US" dirty="0" smtClean="0">
+                <a:hlinkClick r:id="rId3"/>
+              </a:rPr>
+              <a:t>Talk</a:t>
             </a:r>
             <a:endParaRPr lang="en-US" dirty="0"/>
           </a:p>

--- a/BigDataTalk.pptx
+++ b/BigDataTalk.pptx
@@ -5,7 +5,7 @@
     <p:sldMasterId id="2147483660" r:id="rId1"/>
   </p:sldMasterIdLst>
   <p:notesMasterIdLst>
-    <p:notesMasterId r:id="rId21"/>
+    <p:notesMasterId r:id="rId22"/>
   </p:notesMasterIdLst>
   <p:sldIdLst>
     <p:sldId id="271" r:id="rId2"/>
@@ -15,18 +15,19 @@
     <p:sldId id="272" r:id="rId6"/>
     <p:sldId id="261" r:id="rId7"/>
     <p:sldId id="262" r:id="rId8"/>
-    <p:sldId id="264" r:id="rId9"/>
-    <p:sldId id="263" r:id="rId10"/>
+    <p:sldId id="263" r:id="rId9"/>
+    <p:sldId id="264" r:id="rId10"/>
     <p:sldId id="265" r:id="rId11"/>
-    <p:sldId id="267" r:id="rId12"/>
-    <p:sldId id="266" r:id="rId13"/>
+    <p:sldId id="266" r:id="rId12"/>
+    <p:sldId id="267" r:id="rId13"/>
     <p:sldId id="276" r:id="rId14"/>
     <p:sldId id="274" r:id="rId15"/>
     <p:sldId id="275" r:id="rId16"/>
     <p:sldId id="277" r:id="rId17"/>
     <p:sldId id="278" r:id="rId18"/>
     <p:sldId id="279" r:id="rId19"/>
-    <p:sldId id="280" r:id="rId20"/>
+    <p:sldId id="282" r:id="rId20"/>
+    <p:sldId id="280" r:id="rId21"/>
   </p:sldIdLst>
   <p:sldSz cx="9144000" cy="6858000" type="screen4x3"/>
   <p:notesSz cx="6858000" cy="9144000"/>
@@ -210,7 +211,7 @@
           <a:p>
             <a:fld id="{D653CF49-F1B1-C947-BEBB-96A7760294D2}" type="datetimeFigureOut">
               <a:rPr lang="en-US" smtClean="0"/>
-              <a:t>8/1/14</a:t>
+              <a:t>8/2/14</a:t>
             </a:fld>
             <a:endParaRPr lang="en-US"/>
           </a:p>
@@ -691,19 +692,70 @@
           <a:bodyPr/>
           <a:lstStyle/>
           <a:p>
-            <a:endParaRPr lang="en-US"/>
-          </a:p>
-          <a:p>
-            <a:r>
-              <a:rPr lang="en-US"/>
+            <a:endParaRPr lang="en-US" dirty="0"/>
+          </a:p>
+          <a:p>
+            <a:r>
+              <a:rPr lang="en-US" dirty="0"/>
               <a:t>----- Meeting Notes (6/11/14 09:22) -----</a:t>
             </a:r>
           </a:p>
           <a:p>
             <a:r>
-              <a:rPr lang="en-US"/>
-              <a:t>CSV Record Reader uses similar logic to the Input Format, except that it reads each CSV entry instead of skipping around.</a:t>
-            </a:r>
+              <a:rPr lang="en-US" dirty="0"/>
+              <a:t>Example records parsed and sent back by the Record </a:t>
+            </a:r>
+            <a:r>
+              <a:rPr lang="en-US" dirty="0" smtClean="0"/>
+              <a:t>Reader</a:t>
+            </a:r>
+          </a:p>
+          <a:p>
+            <a:endParaRPr lang="en-US" dirty="0" smtClean="0"/>
+          </a:p>
+          <a:p>
+            <a:r>
+              <a:rPr lang="en-US" dirty="0" smtClean="0"/>
+              <a:t>Say</a:t>
+            </a:r>
+            <a:r>
+              <a:rPr lang="en-US" baseline="0" dirty="0" smtClean="0"/>
+              <a:t> stuff: that’s great, we now have a configurable </a:t>
+            </a:r>
+            <a:r>
+              <a:rPr lang="en-US" baseline="0" dirty="0" err="1" smtClean="0"/>
+              <a:t>hadoop</a:t>
+            </a:r>
+            <a:r>
+              <a:rPr lang="en-US" baseline="0" dirty="0" smtClean="0"/>
+              <a:t> </a:t>
+            </a:r>
+            <a:r>
+              <a:rPr lang="en-US" baseline="0" dirty="0" err="1" smtClean="0"/>
+              <a:t>InputFormat</a:t>
+            </a:r>
+            <a:r>
+              <a:rPr lang="en-US" baseline="0" dirty="0" smtClean="0"/>
+              <a:t> that can, at the very least, handle CSV files with records that contain </a:t>
+            </a:r>
+            <a:r>
+              <a:rPr lang="en-US" baseline="0" dirty="0" err="1" smtClean="0"/>
+              <a:t>linebreaks</a:t>
+            </a:r>
+            <a:endParaRPr lang="en-US" baseline="0" dirty="0" smtClean="0"/>
+          </a:p>
+          <a:p>
+            <a:r>
+              <a:rPr lang="en-US" baseline="0" dirty="0" smtClean="0"/>
+              <a:t>This was probably the hardest part. </a:t>
+            </a:r>
+          </a:p>
+          <a:p>
+            <a:r>
+              <a:rPr lang="en-US" baseline="0" dirty="0" smtClean="0"/>
+              <a:t>But, what about crunch?</a:t>
+            </a:r>
+            <a:endParaRPr lang="en-US" dirty="0"/>
           </a:p>
         </p:txBody>
       </p:sp>
@@ -733,7 +785,7 @@
     </p:spTree>
     <p:extLst>
       <p:ext uri="{BB962C8B-B14F-4D97-AF65-F5344CB8AC3E}">
-        <p14:creationId xmlns:p14="http://schemas.microsoft.com/office/powerpoint/2010/main" val="2388768391"/>
+        <p14:creationId xmlns:p14="http://schemas.microsoft.com/office/powerpoint/2010/main" val="2431220996"/>
       </p:ext>
     </p:extLst>
   </p:cSld>
@@ -1526,6 +1578,32 @@
               <a:rPr lang="en-US" baseline="0" dirty="0" err="1" smtClean="0"/>
               <a:t>CSVLineReader</a:t>
             </a:r>
+            <a:endParaRPr lang="en-US" baseline="0" dirty="0" smtClean="0"/>
+          </a:p>
+          <a:p>
+            <a:endParaRPr lang="en-US" baseline="0" dirty="0" smtClean="0"/>
+          </a:p>
+          <a:p>
+            <a:r>
+              <a:rPr lang="en-US" baseline="0" dirty="0" smtClean="0"/>
+              <a:t>Honestly, I also could have just made </a:t>
+            </a:r>
+            <a:r>
+              <a:rPr lang="en-US" baseline="0" dirty="0" err="1" smtClean="0"/>
+              <a:t>CSVLineReader</a:t>
+            </a:r>
+            <a:r>
+              <a:rPr lang="en-US" baseline="0" dirty="0" smtClean="0"/>
+              <a:t> an </a:t>
+            </a:r>
+            <a:r>
+              <a:rPr lang="en-US" baseline="0" dirty="0" err="1" smtClean="0"/>
+              <a:t>iterable</a:t>
+            </a:r>
+            <a:r>
+              <a:rPr lang="en-US" baseline="0" dirty="0" smtClean="0"/>
+              <a:t> class, but this seemed much cleaner.</a:t>
+            </a:r>
             <a:endParaRPr lang="en-US" dirty="0"/>
           </a:p>
         </p:txBody>
@@ -1548,6 +1626,106 @@
             <a:fld id="{FEB6B4B8-4677-024A-8A3A-899E841B8C05}" type="slidenum">
               <a:rPr lang="en-US" smtClean="0"/>
               <a:t>19</a:t>
+            </a:fld>
+            <a:endParaRPr lang="en-US"/>
+          </a:p>
+        </p:txBody>
+      </p:sp>
+    </p:spTree>
+    <p:extLst>
+      <p:ext uri="{BB962C8B-B14F-4D97-AF65-F5344CB8AC3E}">
+        <p14:creationId xmlns:p14="http://schemas.microsoft.com/office/powerpoint/2010/main" val="2162426175"/>
+      </p:ext>
+    </p:extLst>
+  </p:cSld>
+  <p:clrMapOvr>
+    <a:masterClrMapping/>
+  </p:clrMapOvr>
+</p:notes>
+</file>
+
+<file path=ppt/notesSlides/notesSlide18.xml><?xml version="1.0" encoding="utf-8"?>
+<p:notes xmlns:a="http://schemas.openxmlformats.org/drawingml/2006/main" xmlns:r="http://schemas.openxmlformats.org/officeDocument/2006/relationships" xmlns:p="http://schemas.openxmlformats.org/presentationml/2006/main">
+  <p:cSld>
+    <p:spTree>
+      <p:nvGrpSpPr>
+        <p:cNvPr id="1" name=""/>
+        <p:cNvGrpSpPr/>
+        <p:nvPr/>
+      </p:nvGrpSpPr>
+      <p:grpSpPr>
+        <a:xfrm>
+          <a:off x="0" y="0"/>
+          <a:ext cx="0" cy="0"/>
+          <a:chOff x="0" y="0"/>
+          <a:chExt cx="0" cy="0"/>
+        </a:xfrm>
+      </p:grpSpPr>
+      <p:sp>
+        <p:nvSpPr>
+          <p:cNvPr id="2" name="Slide Image Placeholder 1"/>
+          <p:cNvSpPr>
+            <a:spLocks noGrp="1" noRot="1" noChangeAspect="1"/>
+          </p:cNvSpPr>
+          <p:nvPr>
+            <p:ph type="sldImg"/>
+          </p:nvPr>
+        </p:nvSpPr>
+        <p:spPr/>
+      </p:sp>
+      <p:sp>
+        <p:nvSpPr>
+          <p:cNvPr id="3" name="Notes Placeholder 2"/>
+          <p:cNvSpPr>
+            <a:spLocks noGrp="1"/>
+          </p:cNvSpPr>
+          <p:nvPr>
+            <p:ph type="body" idx="1"/>
+          </p:nvPr>
+        </p:nvSpPr>
+        <p:spPr/>
+        <p:txBody>
+          <a:bodyPr/>
+          <a:lstStyle/>
+          <a:p>
+            <a:r>
+              <a:rPr lang="en-US" dirty="0" smtClean="0"/>
+              <a:t>Both of which are really just a wrapper for a simple </a:t>
+            </a:r>
+            <a:r>
+              <a:rPr lang="en-US" dirty="0" err="1" smtClean="0"/>
+              <a:t>iterable</a:t>
+            </a:r>
+            <a:r>
+              <a:rPr lang="en-US" baseline="0" dirty="0" smtClean="0"/>
+              <a:t> file reader, which is really just another wrapper, for the </a:t>
+            </a:r>
+            <a:r>
+              <a:rPr lang="en-US" baseline="0" dirty="0" err="1" smtClean="0"/>
+              <a:t>CSVLineReader</a:t>
+            </a:r>
+            <a:endParaRPr lang="en-US" dirty="0"/>
+          </a:p>
+        </p:txBody>
+      </p:sp>
+      <p:sp>
+        <p:nvSpPr>
+          <p:cNvPr id="4" name="Slide Number Placeholder 3"/>
+          <p:cNvSpPr>
+            <a:spLocks noGrp="1"/>
+          </p:cNvSpPr>
+          <p:nvPr>
+            <p:ph type="sldNum" sz="quarter" idx="10"/>
+          </p:nvPr>
+        </p:nvSpPr>
+        <p:spPr/>
+        <p:txBody>
+          <a:bodyPr/>
+          <a:lstStyle/>
+          <a:p>
+            <a:fld id="{FEB6B4B8-4677-024A-8A3A-899E841B8C05}" type="slidenum">
+              <a:rPr lang="en-US" smtClean="0"/>
+              <a:t>20</a:t>
             </a:fld>
             <a:endParaRPr lang="en-US"/>
           </a:p>
@@ -2247,7 +2425,7 @@
           <a:p>
             <a:fld id="{FEB6B4B8-4677-024A-8A3A-899E841B8C05}" type="slidenum">
               <a:rPr lang="en-US" smtClean="0"/>
-              <a:t>9</a:t>
+              <a:t>8</a:t>
             </a:fld>
             <a:endParaRPr lang="en-US"/>
           </a:p>
@@ -2415,70 +2593,19 @@
           <a:bodyPr/>
           <a:lstStyle/>
           <a:p>
-            <a:endParaRPr lang="en-US" dirty="0"/>
-          </a:p>
-          <a:p>
-            <a:r>
-              <a:rPr lang="en-US" dirty="0"/>
+            <a:endParaRPr lang="en-US"/>
+          </a:p>
+          <a:p>
+            <a:r>
+              <a:rPr lang="en-US"/>
               <a:t>----- Meeting Notes (6/11/14 09:22) -----</a:t>
             </a:r>
           </a:p>
           <a:p>
             <a:r>
-              <a:rPr lang="en-US" dirty="0"/>
-              <a:t>Example records parsed and sent back by the Record </a:t>
-            </a:r>
-            <a:r>
-              <a:rPr lang="en-US" dirty="0" smtClean="0"/>
-              <a:t>Reader</a:t>
-            </a:r>
-          </a:p>
-          <a:p>
-            <a:endParaRPr lang="en-US" dirty="0" smtClean="0"/>
-          </a:p>
-          <a:p>
-            <a:r>
-              <a:rPr lang="en-US" dirty="0" smtClean="0"/>
-              <a:t>Say</a:t>
-            </a:r>
-            <a:r>
-              <a:rPr lang="en-US" baseline="0" dirty="0" smtClean="0"/>
-              <a:t> stuff: that’s great, we now have a configurable </a:t>
-            </a:r>
-            <a:r>
-              <a:rPr lang="en-US" baseline="0" dirty="0" err="1" smtClean="0"/>
-              <a:t>hadoop</a:t>
-            </a:r>
-            <a:r>
-              <a:rPr lang="en-US" baseline="0" dirty="0" smtClean="0"/>
-              <a:t> </a:t>
-            </a:r>
-            <a:r>
-              <a:rPr lang="en-US" baseline="0" dirty="0" err="1" smtClean="0"/>
-              <a:t>InputFormat</a:t>
-            </a:r>
-            <a:r>
-              <a:rPr lang="en-US" baseline="0" dirty="0" smtClean="0"/>
-              <a:t> that can, at the very least, handle CSV files with records that contain </a:t>
-            </a:r>
-            <a:r>
-              <a:rPr lang="en-US" baseline="0" dirty="0" err="1" smtClean="0"/>
-              <a:t>linebreaks</a:t>
-            </a:r>
-            <a:endParaRPr lang="en-US" baseline="0" dirty="0" smtClean="0"/>
-          </a:p>
-          <a:p>
-            <a:r>
-              <a:rPr lang="en-US" baseline="0" dirty="0" smtClean="0"/>
-              <a:t>This was probably the hardest part. </a:t>
-            </a:r>
-          </a:p>
-          <a:p>
-            <a:r>
-              <a:rPr lang="en-US" baseline="0" dirty="0" smtClean="0"/>
-              <a:t>But, what about crunch?</a:t>
-            </a:r>
-            <a:endParaRPr lang="en-US" dirty="0"/>
+              <a:rPr lang="en-US"/>
+              <a:t>CSV Record Reader uses similar logic to the Input Format, except that it reads each CSV entry instead of skipping around.</a:t>
+            </a:r>
           </a:p>
         </p:txBody>
       </p:sp>
@@ -2508,7 +2635,7 @@
     </p:spTree>
     <p:extLst>
       <p:ext uri="{BB962C8B-B14F-4D97-AF65-F5344CB8AC3E}">
-        <p14:creationId xmlns:p14="http://schemas.microsoft.com/office/powerpoint/2010/main" val="2431220996"/>
+        <p14:creationId xmlns:p14="http://schemas.microsoft.com/office/powerpoint/2010/main" val="2388768391"/>
       </p:ext>
     </p:extLst>
   </p:cSld>
@@ -2801,7 +2928,7 @@
           <a:p>
             <a:fld id="{B01F9CA3-105E-4857-9057-6DB6197DA786}" type="datetimeFigureOut">
               <a:rPr lang="en-US" smtClean="0"/>
-              <a:t>8/1/14</a:t>
+              <a:t>8/2/14</a:t>
             </a:fld>
             <a:endParaRPr lang="en-US"/>
           </a:p>
@@ -2993,7 +3120,7 @@
           <a:p>
             <a:fld id="{B01F9CA3-105E-4857-9057-6DB6197DA786}" type="datetimeFigureOut">
               <a:rPr lang="en-US" smtClean="0"/>
-              <a:t>8/1/14</a:t>
+              <a:t>8/2/14</a:t>
             </a:fld>
             <a:endParaRPr lang="en-US"/>
           </a:p>
@@ -3262,7 +3389,7 @@
           <a:p>
             <a:fld id="{B01F9CA3-105E-4857-9057-6DB6197DA786}" type="datetimeFigureOut">
               <a:rPr lang="en-US" smtClean="0"/>
-              <a:t>8/1/14</a:t>
+              <a:t>8/2/14</a:t>
             </a:fld>
             <a:endParaRPr lang="en-US"/>
           </a:p>
@@ -3441,7 +3568,7 @@
           <a:p>
             <a:fld id="{B01F9CA3-105E-4857-9057-6DB6197DA786}" type="datetimeFigureOut">
               <a:rPr lang="en-US" smtClean="0"/>
-              <a:t>8/1/14</a:t>
+              <a:t>8/2/14</a:t>
             </a:fld>
             <a:endParaRPr lang="en-US"/>
           </a:p>
@@ -3610,7 +3737,7 @@
           <a:p>
             <a:fld id="{B01F9CA3-105E-4857-9057-6DB6197DA786}" type="datetimeFigureOut">
               <a:rPr lang="en-US" smtClean="0"/>
-              <a:t>8/1/14</a:t>
+              <a:t>8/2/14</a:t>
             </a:fld>
             <a:endParaRPr lang="en-US"/>
           </a:p>
@@ -3852,7 +3979,7 @@
           <a:p>
             <a:fld id="{B01F9CA3-105E-4857-9057-6DB6197DA786}" type="datetimeFigureOut">
               <a:rPr lang="en-US" smtClean="0"/>
-              <a:t>8/1/14</a:t>
+              <a:t>8/2/14</a:t>
             </a:fld>
             <a:endParaRPr lang="en-US"/>
           </a:p>
@@ -4175,7 +4302,7 @@
           <a:p>
             <a:fld id="{B01F9CA3-105E-4857-9057-6DB6197DA786}" type="datetimeFigureOut">
               <a:rPr lang="en-US" smtClean="0"/>
-              <a:t>8/1/14</a:t>
+              <a:t>8/2/14</a:t>
             </a:fld>
             <a:endParaRPr lang="en-US"/>
           </a:p>
@@ -4473,7 +4600,7 @@
           <a:p>
             <a:fld id="{B01F9CA3-105E-4857-9057-6DB6197DA786}" type="datetimeFigureOut">
               <a:rPr lang="en-US" smtClean="0"/>
-              <a:t>8/1/14</a:t>
+              <a:t>8/2/14</a:t>
             </a:fld>
             <a:endParaRPr lang="en-US"/>
           </a:p>
@@ -4929,7 +5056,7 @@
           <a:p>
             <a:fld id="{B01F9CA3-105E-4857-9057-6DB6197DA786}" type="datetimeFigureOut">
               <a:rPr lang="en-US" smtClean="0"/>
-              <a:t>8/1/14</a:t>
+              <a:t>8/2/14</a:t>
             </a:fld>
             <a:endParaRPr lang="en-US"/>
           </a:p>
@@ -5042,7 +5169,7 @@
           <a:p>
             <a:fld id="{B01F9CA3-105E-4857-9057-6DB6197DA786}" type="datetimeFigureOut">
               <a:rPr lang="en-US" smtClean="0"/>
-              <a:t>8/1/14</a:t>
+              <a:t>8/2/14</a:t>
             </a:fld>
             <a:endParaRPr lang="en-US"/>
           </a:p>
@@ -5132,7 +5259,7 @@
           <a:p>
             <a:fld id="{B01F9CA3-105E-4857-9057-6DB6197DA786}" type="datetimeFigureOut">
               <a:rPr lang="en-US" smtClean="0"/>
-              <a:t>8/1/14</a:t>
+              <a:t>8/2/14</a:t>
             </a:fld>
             <a:endParaRPr lang="en-US"/>
           </a:p>
@@ -5414,7 +5541,7 @@
           <a:p>
             <a:fld id="{B01F9CA3-105E-4857-9057-6DB6197DA786}" type="datetimeFigureOut">
               <a:rPr lang="en-US" smtClean="0"/>
-              <a:t>8/1/14</a:t>
+              <a:t>8/2/14</a:t>
             </a:fld>
             <a:endParaRPr lang="en-US"/>
           </a:p>
@@ -5620,7 +5747,7 @@
           <a:p>
             <a:fld id="{B01F9CA3-105E-4857-9057-6DB6197DA786}" type="datetimeFigureOut">
               <a:rPr lang="en-US" smtClean="0"/>
-              <a:t>8/1/14</a:t>
+              <a:t>8/2/14</a:t>
             </a:fld>
             <a:endParaRPr lang="en-US"/>
           </a:p>
@@ -6177,6 +6304,13 @@
   <p:clrMapOvr>
     <a:masterClrMapping/>
   </p:clrMapOvr>
+  <p:timing>
+    <p:tnLst>
+      <p:par>
+        <p:cTn xmlns:p14="http://schemas.microsoft.com/office/powerpoint/2010/main" id="1" dur="indefinite" restart="never" nodeType="tmRoot"/>
+      </p:par>
+    </p:tnLst>
+  </p:timing>
 </p:sld>
 </file>
 
@@ -6374,35 +6508,51 @@
           <a:p>
             <a:r>
               <a:rPr lang="en-US" dirty="0" smtClean="0"/>
-              <a:t>Results of Record Reading</a:t>
+              <a:t>CSV Record Reader</a:t>
             </a:r>
             <a:endParaRPr lang="en-US" dirty="0"/>
           </a:p>
         </p:txBody>
       </p:sp>
-      <p:pic>
-        <p:nvPicPr>
-          <p:cNvPr id="4" name="Content Placeholder 3"/>
-          <p:cNvPicPr>
-            <a:picLocks noGrp="1" noChangeAspect="1"/>
-          </p:cNvPicPr>
+      <p:sp>
+        <p:nvSpPr>
+          <p:cNvPr id="3" name="Content Placeholder 2"/>
+          <p:cNvSpPr>
+            <a:spLocks noGrp="1"/>
+          </p:cNvSpPr>
           <p:nvPr>
             <p:ph idx="1"/>
           </p:nvPr>
-        </p:nvPicPr>
-        <p:blipFill>
-          <a:blip r:embed="rId3"/>
-          <a:srcRect t="598" b="598"/>
-          <a:stretch>
-            <a:fillRect/>
-          </a:stretch>
-        </p:blipFill>
-        <p:spPr/>
-      </p:pic>
+        </p:nvSpPr>
+        <p:spPr/>
+        <p:txBody>
+          <a:bodyPr/>
+          <a:lstStyle/>
+          <a:p>
+            <a:r>
+              <a:rPr lang="en-US" dirty="0" smtClean="0"/>
+              <a:t>This class is essentially an iterator over the portion of CSV file which it is assigned to</a:t>
+            </a:r>
+          </a:p>
+          <a:p>
+            <a:r>
+              <a:rPr lang="en-US" dirty="0" smtClean="0"/>
+              <a:t>It opens an input stream to the file, seeks to its assigned split position</a:t>
+            </a:r>
+          </a:p>
+          <a:p>
+            <a:r>
+              <a:rPr lang="en-US" dirty="0" smtClean="0"/>
+              <a:t>And, as required, provides successive key (position) and value (record) pairs until the end of the split or of the file is reached</a:t>
+            </a:r>
+            <a:endParaRPr lang="en-US" dirty="0"/>
+          </a:p>
+        </p:txBody>
+      </p:sp>
     </p:spTree>
     <p:extLst>
       <p:ext uri="{BB962C8B-B14F-4D97-AF65-F5344CB8AC3E}">
-        <p14:creationId xmlns:p14="http://schemas.microsoft.com/office/powerpoint/2010/main" val="2835411807"/>
+        <p14:creationId xmlns:p14="http://schemas.microsoft.com/office/powerpoint/2010/main" val="3917898086"/>
       </p:ext>
     </p:extLst>
   </p:cSld>
@@ -6453,51 +6603,35 @@
           <a:p>
             <a:r>
               <a:rPr lang="en-US" dirty="0" smtClean="0"/>
-              <a:t>CSV Record Reader</a:t>
+              <a:t>Results of Record Reading</a:t>
             </a:r>
             <a:endParaRPr lang="en-US" dirty="0"/>
           </a:p>
         </p:txBody>
       </p:sp>
-      <p:sp>
-        <p:nvSpPr>
-          <p:cNvPr id="3" name="Content Placeholder 2"/>
-          <p:cNvSpPr>
-            <a:spLocks noGrp="1"/>
-          </p:cNvSpPr>
+      <p:pic>
+        <p:nvPicPr>
+          <p:cNvPr id="4" name="Content Placeholder 3"/>
+          <p:cNvPicPr>
+            <a:picLocks noGrp="1" noChangeAspect="1"/>
+          </p:cNvPicPr>
           <p:nvPr>
             <p:ph idx="1"/>
           </p:nvPr>
-        </p:nvSpPr>
-        <p:spPr/>
-        <p:txBody>
-          <a:bodyPr/>
-          <a:lstStyle/>
-          <a:p>
-            <a:r>
-              <a:rPr lang="en-US" dirty="0" smtClean="0"/>
-              <a:t>This class is essentially an iterator over the portion of CSV file which it is assigned to</a:t>
-            </a:r>
-          </a:p>
-          <a:p>
-            <a:r>
-              <a:rPr lang="en-US" dirty="0" smtClean="0"/>
-              <a:t>It opens an input stream to the file, seeks to its assigned split position</a:t>
-            </a:r>
-          </a:p>
-          <a:p>
-            <a:r>
-              <a:rPr lang="en-US" dirty="0" smtClean="0"/>
-              <a:t>And, as required, provides successive key (position) and value (record) pairs until the end of the split or of the file is reached</a:t>
-            </a:r>
-            <a:endParaRPr lang="en-US" dirty="0"/>
-          </a:p>
-        </p:txBody>
-      </p:sp>
+        </p:nvPicPr>
+        <p:blipFill>
+          <a:blip r:embed="rId3"/>
+          <a:srcRect t="598" b="598"/>
+          <a:stretch>
+            <a:fillRect/>
+          </a:stretch>
+        </p:blipFill>
+        <p:spPr/>
+      </p:pic>
     </p:spTree>
     <p:extLst>
       <p:ext uri="{BB962C8B-B14F-4D97-AF65-F5344CB8AC3E}">
-        <p14:creationId xmlns:p14="http://schemas.microsoft.com/office/powerpoint/2010/main" val="3917898086"/>
+        <p14:creationId xmlns:p14="http://schemas.microsoft.com/office/powerpoint/2010/main" val="2835411807"/>
       </p:ext>
     </p:extLst>
   </p:cSld>
@@ -6589,6 +6723,13 @@
   <p:clrMapOvr>
     <a:masterClrMapping/>
   </p:clrMapOvr>
+  <p:timing>
+    <p:tnLst>
+      <p:par>
+        <p:cTn xmlns:p14="http://schemas.microsoft.com/office/powerpoint/2010/main" id="1" dur="indefinite" restart="never" nodeType="tmRoot"/>
+      </p:par>
+    </p:tnLst>
+  </p:timing>
 </p:sld>
 </file>
 
@@ -6755,6 +6896,13 @@
   <p:clrMapOvr>
     <a:masterClrMapping/>
   </p:clrMapOvr>
+  <p:timing>
+    <p:tnLst>
+      <p:par>
+        <p:cTn xmlns:p14="http://schemas.microsoft.com/office/powerpoint/2010/main" id="1" dur="indefinite" restart="never" nodeType="tmRoot"/>
+      </p:par>
+    </p:tnLst>
+  </p:timing>
 </p:sld>
 </file>
 
@@ -6833,6 +6981,13 @@
   <p:clrMapOvr>
     <a:masterClrMapping/>
   </p:clrMapOvr>
+  <p:timing>
+    <p:tnLst>
+      <p:par>
+        <p:cTn xmlns:p14="http://schemas.microsoft.com/office/powerpoint/2010/main" id="1" dur="indefinite" restart="never" nodeType="tmRoot"/>
+      </p:par>
+    </p:tnLst>
+  </p:timing>
 </p:sld>
 </file>
 
@@ -6911,6 +7066,13 @@
   <p:clrMapOvr>
     <a:masterClrMapping/>
   </p:clrMapOvr>
+  <p:timing>
+    <p:tnLst>
+      <p:par>
+        <p:cTn xmlns:p14="http://schemas.microsoft.com/office/powerpoint/2010/main" id="1" dur="indefinite" restart="never" nodeType="tmRoot"/>
+      </p:par>
+    </p:tnLst>
+  </p:timing>
 </p:sld>
 </file>
 
@@ -6989,6 +7151,13 @@
   <p:clrMapOvr>
     <a:masterClrMapping/>
   </p:clrMapOvr>
+  <p:timing>
+    <p:tnLst>
+      <p:par>
+        <p:cTn xmlns:p14="http://schemas.microsoft.com/office/powerpoint/2010/main" id="1" dur="indefinite" restart="never" nodeType="tmRoot"/>
+      </p:par>
+    </p:tnLst>
+  </p:timing>
 </p:sld>
 </file>
 
@@ -7067,6 +7236,13 @@
   <p:clrMapOvr>
     <a:masterClrMapping/>
   </p:clrMapOvr>
+  <p:timing>
+    <p:tnLst>
+      <p:par>
+        <p:cTn xmlns:p14="http://schemas.microsoft.com/office/powerpoint/2010/main" id="1" dur="indefinite" restart="never" nodeType="tmRoot"/>
+      </p:par>
+    </p:tnLst>
+  </p:timing>
 </p:sld>
 </file>
 
@@ -7104,7 +7280,7 @@
           <a:p>
             <a:r>
               <a:rPr lang="en-US" dirty="0" smtClean="0"/>
-              <a:t>What did we learn?</a:t>
+              <a:t>Summary</a:t>
             </a:r>
             <a:endParaRPr lang="en-US" dirty="0"/>
           </a:p>
@@ -7122,41 +7298,24 @@
         </p:nvSpPr>
         <p:spPr/>
         <p:txBody>
-          <a:bodyPr>
-            <a:normAutofit fontScale="92500"/>
-          </a:bodyPr>
+          <a:bodyPr/>
           <a:lstStyle/>
           <a:p>
             <a:r>
               <a:rPr lang="en-US" dirty="0" smtClean="0"/>
-              <a:t>CSV Files are weird</a:t>
-            </a:r>
-          </a:p>
-          <a:p>
+              <a:t>A File Source </a:t>
+            </a:r>
+            <a:r>
+              <a:rPr lang="en-US" b="1" dirty="0" smtClean="0"/>
+              <a:t>marks an Input Format for use </a:t>
+            </a:r>
             <a:r>
               <a:rPr lang="en-US" dirty="0" smtClean="0"/>
-              <a:t>Inside every Crunch File Source is a good Input Format. </a:t>
-            </a:r>
-          </a:p>
-          <a:p>
-            <a:r>
-              <a:rPr lang="en-US" dirty="0"/>
-              <a:t>Creating an </a:t>
-            </a:r>
-            <a:r>
-              <a:rPr lang="en-US" dirty="0" err="1"/>
-              <a:t>InputFormat</a:t>
-            </a:r>
-            <a:r>
-              <a:rPr lang="en-US" dirty="0"/>
-              <a:t> around a file source isn’t incredibly hard, if you know your source and its quirks well. </a:t>
-            </a:r>
-            <a:endParaRPr lang="en-US" dirty="0" smtClean="0"/>
-          </a:p>
-          <a:p>
-            <a:r>
-              <a:rPr lang="en-US" dirty="0" smtClean="0"/>
-              <a:t>Knowing a source means knowing where it can be split for distribution and where it can be broken into records</a:t>
+              <a:t>in a job and </a:t>
+            </a:r>
+            <a:r>
+              <a:rPr lang="en-US" b="1" dirty="0" smtClean="0"/>
+              <a:t>takes care of configuration</a:t>
             </a:r>
             <a:r>
               <a:rPr lang="en-US" dirty="0" smtClean="0"/>
@@ -7164,28 +7323,54 @@
             </a:r>
           </a:p>
           <a:p>
-            <a:r>
-              <a:rPr lang="en-US" dirty="0"/>
-              <a:t>Slides: </a:t>
-            </a:r>
-            <a:r>
-              <a:rPr lang="en-US" dirty="0">
-                <a:hlinkClick r:id="rId3"/>
-              </a:rPr>
-              <a:t>https://github.com/champgm/Big-Data-</a:t>
-            </a:r>
-            <a:r>
-              <a:rPr lang="en-US" dirty="0" smtClean="0">
-                <a:hlinkClick r:id="rId3"/>
-              </a:rPr>
-              <a:t>Talk</a:t>
-            </a:r>
             <a:endParaRPr lang="en-US" dirty="0"/>
           </a:p>
           <a:p>
-            <a:endParaRPr lang="en-US" dirty="0" smtClean="0"/>
-          </a:p>
-          <a:p>
+            <a:r>
+              <a:rPr lang="en-US" dirty="0" smtClean="0"/>
+              <a:t>An Input Format </a:t>
+            </a:r>
+            <a:r>
+              <a:rPr lang="en-US" b="1" dirty="0" smtClean="0"/>
+              <a:t>splits an input file </a:t>
+            </a:r>
+            <a:r>
+              <a:rPr lang="en-US" dirty="0" smtClean="0"/>
+              <a:t>and also creates and </a:t>
+            </a:r>
+            <a:r>
+              <a:rPr lang="en-US" b="1" dirty="0" smtClean="0"/>
+              <a:t>configures a </a:t>
+            </a:r>
+            <a:r>
+              <a:rPr lang="en-US" b="1" dirty="0"/>
+              <a:t>R</a:t>
+            </a:r>
+            <a:r>
+              <a:rPr lang="en-US" b="1" dirty="0" smtClean="0"/>
+              <a:t>ecord Reader</a:t>
+            </a:r>
+            <a:r>
+              <a:rPr lang="en-US" dirty="0" smtClean="0"/>
+              <a:t>.</a:t>
+            </a:r>
+          </a:p>
+          <a:p>
+            <a:endParaRPr lang="en-US" b="1" dirty="0" smtClean="0"/>
+          </a:p>
+          <a:p>
+            <a:r>
+              <a:rPr lang="en-US" dirty="0" smtClean="0"/>
+              <a:t>A Record Reader </a:t>
+            </a:r>
+            <a:r>
+              <a:rPr lang="en-US" b="1" dirty="0" smtClean="0"/>
+              <a:t>iterates through a file’s records </a:t>
+            </a:r>
+            <a:r>
+              <a:rPr lang="en-US" dirty="0" smtClean="0"/>
+              <a:t>and returns them.</a:t>
+            </a:r>
             <a:endParaRPr lang="en-US" dirty="0"/>
           </a:p>
         </p:txBody>
@@ -7193,13 +7378,20 @@
     </p:spTree>
     <p:extLst>
       <p:ext uri="{BB962C8B-B14F-4D97-AF65-F5344CB8AC3E}">
-        <p14:creationId xmlns:p14="http://schemas.microsoft.com/office/powerpoint/2010/main" val="2386879755"/>
+        <p14:creationId xmlns:p14="http://schemas.microsoft.com/office/powerpoint/2010/main" val="3790336936"/>
       </p:ext>
     </p:extLst>
   </p:cSld>
   <p:clrMapOvr>
     <a:masterClrMapping/>
   </p:clrMapOvr>
+  <p:timing>
+    <p:tnLst>
+      <p:par>
+        <p:cTn xmlns:p14="http://schemas.microsoft.com/office/powerpoint/2010/main" id="1" dur="indefinite" restart="never" nodeType="tmRoot"/>
+      </p:par>
+    </p:tnLst>
+  </p:timing>
 </p:sld>
 </file>
 
@@ -7303,6 +7495,189 @@
   <p:clrMapOvr>
     <a:masterClrMapping/>
   </p:clrMapOvr>
+  <p:timing>
+    <p:tnLst>
+      <p:par>
+        <p:cTn xmlns:p14="http://schemas.microsoft.com/office/powerpoint/2010/main" id="1" dur="indefinite" restart="never" nodeType="tmRoot"/>
+      </p:par>
+    </p:tnLst>
+  </p:timing>
+</p:sld>
+</file>
+
+<file path=ppt/slides/slide20.xml><?xml version="1.0" encoding="utf-8"?>
+<p:sld xmlns:a="http://schemas.openxmlformats.org/drawingml/2006/main" xmlns:r="http://schemas.openxmlformats.org/officeDocument/2006/relationships" xmlns:p="http://schemas.openxmlformats.org/presentationml/2006/main">
+  <p:cSld>
+    <p:spTree>
+      <p:nvGrpSpPr>
+        <p:cNvPr id="1" name=""/>
+        <p:cNvGrpSpPr/>
+        <p:nvPr/>
+      </p:nvGrpSpPr>
+      <p:grpSpPr>
+        <a:xfrm>
+          <a:off x="0" y="0"/>
+          <a:ext cx="0" cy="0"/>
+          <a:chOff x="0" y="0"/>
+          <a:chExt cx="0" cy="0"/>
+        </a:xfrm>
+      </p:grpSpPr>
+      <p:sp>
+        <p:nvSpPr>
+          <p:cNvPr id="2" name="Title 1"/>
+          <p:cNvSpPr>
+            <a:spLocks noGrp="1"/>
+          </p:cNvSpPr>
+          <p:nvPr>
+            <p:ph type="title"/>
+          </p:nvPr>
+        </p:nvSpPr>
+        <p:spPr/>
+        <p:txBody>
+          <a:bodyPr/>
+          <a:lstStyle/>
+          <a:p>
+            <a:r>
+              <a:rPr lang="en-US" dirty="0" smtClean="0"/>
+              <a:t>What did we learn?</a:t>
+            </a:r>
+            <a:endParaRPr lang="en-US" dirty="0"/>
+          </a:p>
+        </p:txBody>
+      </p:sp>
+      <p:sp>
+        <p:nvSpPr>
+          <p:cNvPr id="3" name="Content Placeholder 2"/>
+          <p:cNvSpPr>
+            <a:spLocks noGrp="1"/>
+          </p:cNvSpPr>
+          <p:nvPr>
+            <p:ph idx="1"/>
+          </p:nvPr>
+        </p:nvSpPr>
+        <p:spPr/>
+        <p:txBody>
+          <a:bodyPr>
+            <a:normAutofit fontScale="92500"/>
+          </a:bodyPr>
+          <a:lstStyle/>
+          <a:p>
+            <a:r>
+              <a:rPr lang="en-US" dirty="0" smtClean="0"/>
+              <a:t>CSV Files are weird</a:t>
+            </a:r>
+          </a:p>
+          <a:p>
+            <a:r>
+              <a:rPr lang="en-US" dirty="0" smtClean="0"/>
+              <a:t>Inside every Crunch File Source is a good </a:t>
+            </a:r>
+            <a:r>
+              <a:rPr lang="en-US" dirty="0" err="1" smtClean="0"/>
+              <a:t>Hadoop</a:t>
+            </a:r>
+            <a:r>
+              <a:rPr lang="en-US" dirty="0" smtClean="0"/>
+              <a:t> Input </a:t>
+            </a:r>
+            <a:r>
+              <a:rPr lang="en-US" dirty="0" smtClean="0"/>
+              <a:t>Format. </a:t>
+            </a:r>
+          </a:p>
+          <a:p>
+            <a:r>
+              <a:rPr lang="en-US" dirty="0"/>
+              <a:t>Creating an </a:t>
+            </a:r>
+            <a:r>
+              <a:rPr lang="en-US" dirty="0" smtClean="0"/>
+              <a:t>Input Format </a:t>
+            </a:r>
+            <a:r>
+              <a:rPr lang="en-US" dirty="0"/>
+              <a:t>around a file source isn’t incredibly hard, if you know your source </a:t>
+            </a:r>
+            <a:r>
+              <a:rPr lang="en-US" dirty="0" smtClean="0"/>
+              <a:t>well</a:t>
+            </a:r>
+            <a:r>
+              <a:rPr lang="en-US" dirty="0"/>
+              <a:t>. </a:t>
+            </a:r>
+            <a:endParaRPr lang="en-US" dirty="0" smtClean="0"/>
+          </a:p>
+          <a:p>
+            <a:r>
+              <a:rPr lang="en-US" dirty="0" smtClean="0"/>
+              <a:t>Knowing a source </a:t>
+            </a:r>
+            <a:r>
+              <a:rPr lang="en-US" dirty="0" smtClean="0"/>
+              <a:t>well means </a:t>
+            </a:r>
+            <a:r>
+              <a:rPr lang="en-US" dirty="0" smtClean="0"/>
+              <a:t>knowing where it can be split for distribution </a:t>
+            </a:r>
+            <a:r>
+              <a:rPr lang="en-US" smtClean="0"/>
+              <a:t>and </a:t>
+            </a:r>
+            <a:r>
+              <a:rPr lang="en-US" smtClean="0"/>
+              <a:t>how it </a:t>
+            </a:r>
+            <a:r>
+              <a:rPr lang="en-US" dirty="0" smtClean="0"/>
+              <a:t>can be broken into records.</a:t>
+            </a:r>
+          </a:p>
+          <a:p>
+            <a:r>
+              <a:rPr lang="en-US" dirty="0"/>
+              <a:t>Slides: </a:t>
+            </a:r>
+            <a:r>
+              <a:rPr lang="en-US" dirty="0">
+                <a:hlinkClick r:id="rId3"/>
+              </a:rPr>
+              <a:t>https://github.com/champgm/Big-Data-</a:t>
+            </a:r>
+            <a:r>
+              <a:rPr lang="en-US" dirty="0" smtClean="0">
+                <a:hlinkClick r:id="rId3"/>
+              </a:rPr>
+              <a:t>Talk</a:t>
+            </a:r>
+            <a:endParaRPr lang="en-US" dirty="0"/>
+          </a:p>
+          <a:p>
+            <a:endParaRPr lang="en-US" dirty="0" smtClean="0"/>
+          </a:p>
+          <a:p>
+            <a:endParaRPr lang="en-US" dirty="0"/>
+          </a:p>
+        </p:txBody>
+      </p:sp>
+    </p:spTree>
+    <p:extLst>
+      <p:ext uri="{BB962C8B-B14F-4D97-AF65-F5344CB8AC3E}">
+        <p14:creationId xmlns:p14="http://schemas.microsoft.com/office/powerpoint/2010/main" val="2386879755"/>
+      </p:ext>
+    </p:extLst>
+  </p:cSld>
+  <p:clrMapOvr>
+    <a:masterClrMapping/>
+  </p:clrMapOvr>
+  <p:timing>
+    <p:tnLst>
+      <p:par>
+        <p:cTn xmlns:p14="http://schemas.microsoft.com/office/powerpoint/2010/main" id="1" dur="indefinite" restart="never" nodeType="tmRoot"/>
+      </p:par>
+    </p:tnLst>
+  </p:timing>
 </p:sld>
 </file>
 
@@ -7379,6 +7754,13 @@
   <p:clrMapOvr>
     <a:masterClrMapping/>
   </p:clrMapOvr>
+  <p:timing>
+    <p:tnLst>
+      <p:par>
+        <p:cTn xmlns:p14="http://schemas.microsoft.com/office/powerpoint/2010/main" id="1" dur="indefinite" restart="never" nodeType="tmRoot"/>
+      </p:par>
+    </p:tnLst>
+  </p:timing>
 </p:sld>
 </file>
 
@@ -7579,6 +7961,13 @@
   <p:clrMapOvr>
     <a:masterClrMapping/>
   </p:clrMapOvr>
+  <p:timing>
+    <p:tnLst>
+      <p:par>
+        <p:cTn xmlns:p14="http://schemas.microsoft.com/office/powerpoint/2010/main" id="1" dur="indefinite" restart="never" nodeType="tmRoot"/>
+      </p:par>
+    </p:tnLst>
+  </p:timing>
 </p:sld>
 </file>
 
@@ -7884,7 +8273,7 @@
           <a:p>
             <a:r>
               <a:rPr lang="en-US" dirty="0" smtClean="0"/>
-              <a:t>Where can we split this?</a:t>
+              <a:t>CSV Input Format</a:t>
             </a:r>
             <a:endParaRPr lang="en-US" dirty="0"/>
           </a:p>
@@ -7905,47 +8294,36 @@
           <a:bodyPr/>
           <a:lstStyle/>
           <a:p>
-            <a:pPr marL="0" indent="0">
-              <a:buNone/>
-            </a:pPr>
-            <a:endParaRPr lang="en-US" dirty="0" smtClean="0"/>
-          </a:p>
-          <a:p>
-            <a:pPr marL="0" indent="0">
-              <a:buNone/>
-            </a:pPr>
+            <a:r>
+              <a:rPr lang="en-US" dirty="0" smtClean="0"/>
+              <a:t>This class splits up input CSV files</a:t>
+            </a:r>
+          </a:p>
+          <a:p>
+            <a:r>
+              <a:rPr lang="en-US" dirty="0" smtClean="0"/>
+              <a:t>Start at the beginning of the file and seek ahead an amount determined by a desired “split size”</a:t>
+            </a:r>
+          </a:p>
+          <a:p>
+            <a:r>
+              <a:rPr lang="en-US" dirty="0" smtClean="0"/>
+              <a:t>Seek to the end of that line</a:t>
+            </a:r>
+          </a:p>
+          <a:p>
+            <a:r>
+              <a:rPr lang="en-US" dirty="0" smtClean="0"/>
+              <a:t>Use a CSV utility class to determine if it is inside a CSV record (seek to the end if so) and mark the file for splitting</a:t>
+            </a:r>
             <a:endParaRPr lang="en-US" dirty="0"/>
           </a:p>
         </p:txBody>
       </p:sp>
-      <p:pic>
-        <p:nvPicPr>
-          <p:cNvPr id="4" name="Picture 3"/>
-          <p:cNvPicPr>
-            <a:picLocks noChangeAspect="1"/>
-          </p:cNvPicPr>
-          <p:nvPr/>
-        </p:nvPicPr>
-        <p:blipFill>
-          <a:blip r:embed="rId2"/>
-          <a:stretch>
-            <a:fillRect/>
-          </a:stretch>
-        </p:blipFill>
-        <p:spPr>
-          <a:xfrm>
-            <a:off x="549275" y="1993153"/>
-            <a:ext cx="16639477" cy="2749235"/>
-          </a:xfrm>
-          <a:prstGeom prst="rect">
-            <a:avLst/>
-          </a:prstGeom>
-        </p:spPr>
-      </p:pic>
     </p:spTree>
     <p:extLst>
       <p:ext uri="{BB962C8B-B14F-4D97-AF65-F5344CB8AC3E}">
-        <p14:creationId xmlns:p14="http://schemas.microsoft.com/office/powerpoint/2010/main" val="1710177070"/>
+        <p14:creationId xmlns:p14="http://schemas.microsoft.com/office/powerpoint/2010/main" val="3475192536"/>
       </p:ext>
     </p:extLst>
   </p:cSld>
@@ -7996,7 +8374,7 @@
           <a:p>
             <a:r>
               <a:rPr lang="en-US" dirty="0" smtClean="0"/>
-              <a:t>CSV Input Format</a:t>
+              <a:t>Where can we split this?</a:t>
             </a:r>
             <a:endParaRPr lang="en-US" dirty="0"/>
           </a:p>
@@ -8017,36 +8395,47 @@
           <a:bodyPr/>
           <a:lstStyle/>
           <a:p>
-            <a:r>
-              <a:rPr lang="en-US" dirty="0" smtClean="0"/>
-              <a:t>This class splits up input CSV files</a:t>
-            </a:r>
-          </a:p>
-          <a:p>
-            <a:r>
-              <a:rPr lang="en-US" dirty="0" smtClean="0"/>
-              <a:t>Start at the beginning of the file and seek ahead an amount determined by a desired “split size”</a:t>
-            </a:r>
-          </a:p>
-          <a:p>
-            <a:r>
-              <a:rPr lang="en-US" dirty="0" smtClean="0"/>
-              <a:t>Seek to the end of that line</a:t>
-            </a:r>
-          </a:p>
-          <a:p>
-            <a:r>
-              <a:rPr lang="en-US" dirty="0" smtClean="0"/>
-              <a:t>Use a CSV utility class to determine if it is inside a CSV record (seek to the end if so) and mark the file for splitting</a:t>
-            </a:r>
+            <a:pPr marL="0" indent="0">
+              <a:buNone/>
+            </a:pPr>
+            <a:endParaRPr lang="en-US" dirty="0" smtClean="0"/>
+          </a:p>
+          <a:p>
+            <a:pPr marL="0" indent="0">
+              <a:buNone/>
+            </a:pPr>
             <a:endParaRPr lang="en-US" dirty="0"/>
           </a:p>
         </p:txBody>
       </p:sp>
+      <p:pic>
+        <p:nvPicPr>
+          <p:cNvPr id="4" name="Picture 3"/>
+          <p:cNvPicPr>
+            <a:picLocks noChangeAspect="1"/>
+          </p:cNvPicPr>
+          <p:nvPr/>
+        </p:nvPicPr>
+        <p:blipFill>
+          <a:blip r:embed="rId2"/>
+          <a:stretch>
+            <a:fillRect/>
+          </a:stretch>
+        </p:blipFill>
+        <p:spPr>
+          <a:xfrm>
+            <a:off x="549275" y="1993153"/>
+            <a:ext cx="16639477" cy="2749235"/>
+          </a:xfrm>
+          <a:prstGeom prst="rect">
+            <a:avLst/>
+          </a:prstGeom>
+        </p:spPr>
+      </p:pic>
     </p:spTree>
     <p:extLst>
       <p:ext uri="{BB962C8B-B14F-4D97-AF65-F5344CB8AC3E}">
-        <p14:creationId xmlns:p14="http://schemas.microsoft.com/office/powerpoint/2010/main" val="3475192536"/>
+        <p14:creationId xmlns:p14="http://schemas.microsoft.com/office/powerpoint/2010/main" val="1710177070"/>
       </p:ext>
     </p:extLst>
   </p:cSld>

--- a/BigDataTalk.pptx
+++ b/BigDataTalk.pptx
@@ -1562,48 +1562,6 @@
           <a:bodyPr/>
           <a:lstStyle/>
           <a:p>
-            <a:r>
-              <a:rPr lang="en-US" dirty="0" smtClean="0"/>
-              <a:t>Both of which are really just a wrapper for a simple </a:t>
-            </a:r>
-            <a:r>
-              <a:rPr lang="en-US" dirty="0" err="1" smtClean="0"/>
-              <a:t>iterable</a:t>
-            </a:r>
-            <a:r>
-              <a:rPr lang="en-US" baseline="0" dirty="0" smtClean="0"/>
-              <a:t> file reader, which is really just another wrapper, for the </a:t>
-            </a:r>
-            <a:r>
-              <a:rPr lang="en-US" baseline="0" dirty="0" err="1" smtClean="0"/>
-              <a:t>CSVLineReader</a:t>
-            </a:r>
-            <a:endParaRPr lang="en-US" baseline="0" dirty="0" smtClean="0"/>
-          </a:p>
-          <a:p>
-            <a:endParaRPr lang="en-US" baseline="0" dirty="0" smtClean="0"/>
-          </a:p>
-          <a:p>
-            <a:r>
-              <a:rPr lang="en-US" baseline="0" dirty="0" smtClean="0"/>
-              <a:t>Honestly, I also could have just made </a:t>
-            </a:r>
-            <a:r>
-              <a:rPr lang="en-US" baseline="0" dirty="0" err="1" smtClean="0"/>
-              <a:t>CSVLineReader</a:t>
-            </a:r>
-            <a:r>
-              <a:rPr lang="en-US" baseline="0" dirty="0" smtClean="0"/>
-              <a:t> an </a:t>
-            </a:r>
-            <a:r>
-              <a:rPr lang="en-US" baseline="0" dirty="0" err="1" smtClean="0"/>
-              <a:t>iterable</a:t>
-            </a:r>
-            <a:r>
-              <a:rPr lang="en-US" baseline="0" dirty="0" smtClean="0"/>
-              <a:t> class, but this seemed much cleaner.</a:t>
-            </a:r>
             <a:endParaRPr lang="en-US" dirty="0"/>
           </a:p>
         </p:txBody>
@@ -7619,14 +7577,10 @@
             </a:r>
             <a:r>
               <a:rPr lang="en-US" dirty="0" smtClean="0"/>
-              <a:t>knowing where it can be split for distribution </a:t>
-            </a:r>
-            <a:r>
-              <a:rPr lang="en-US" smtClean="0"/>
-              <a:t>and </a:t>
-            </a:r>
-            <a:r>
-              <a:rPr lang="en-US" smtClean="0"/>
+              <a:t>knowing where it can be split for distribution and </a:t>
+            </a:r>
+            <a:r>
+              <a:rPr lang="en-US" dirty="0" smtClean="0"/>
               <a:t>how it </a:t>
             </a:r>
             <a:r>

--- a/BigDataTalk.pptx
+++ b/BigDataTalk.pptx
@@ -211,7 +211,7 @@
           <a:p>
             <a:fld id="{D653CF49-F1B1-C947-BEBB-96A7760294D2}" type="datetimeFigureOut">
               <a:rPr lang="en-US" smtClean="0"/>
-              <a:t>8/2/14</a:t>
+              <a:t>8/6/14</a:t>
             </a:fld>
             <a:endParaRPr lang="en-US"/>
           </a:p>
@@ -553,63 +553,6 @@
             </a:r>
             <a:endParaRPr lang="en-US" dirty="0" smtClean="0"/>
           </a:p>
-          <a:p>
-            <a:endParaRPr lang="en-US" dirty="0" smtClean="0"/>
-          </a:p>
-          <a:p>
-            <a:r>
-              <a:rPr lang="en-US" dirty="0" smtClean="0"/>
-              <a:t>End</a:t>
-            </a:r>
-            <a:r>
-              <a:rPr lang="en-US" baseline="0" dirty="0" smtClean="0"/>
-              <a:t> of iteration, time to pick a </a:t>
-            </a:r>
-            <a:r>
-              <a:rPr lang="en-US" baseline="0" dirty="0" err="1" smtClean="0"/>
-              <a:t>jira</a:t>
-            </a:r>
-            <a:endParaRPr lang="en-US" baseline="0" dirty="0" smtClean="0"/>
-          </a:p>
-          <a:p>
-            <a:r>
-              <a:rPr lang="en-US" baseline="0" dirty="0" smtClean="0"/>
-              <a:t>Working on Content-Processing project (store nomenclatures in </a:t>
-            </a:r>
-            <a:r>
-              <a:rPr lang="en-US" baseline="0" dirty="0" err="1" smtClean="0"/>
-              <a:t>Hbase</a:t>
-            </a:r>
-            <a:r>
-              <a:rPr lang="en-US" baseline="0" dirty="0" smtClean="0"/>
-              <a:t>)</a:t>
-            </a:r>
-          </a:p>
-          <a:p>
-            <a:r>
-              <a:rPr lang="en-US" baseline="0" dirty="0" smtClean="0"/>
-              <a:t>Nathan (content-processing guy) was out of town</a:t>
-            </a:r>
-          </a:p>
-          <a:p>
-            <a:r>
-              <a:rPr lang="en-US" baseline="0" dirty="0" smtClean="0"/>
-              <a:t>Cache CSV files in HDFS and process them with crunch instead of doing it on the utility node and then bulk uploading them</a:t>
-            </a:r>
-          </a:p>
-          <a:p>
-            <a:r>
-              <a:rPr lang="en-US" baseline="0" dirty="0" smtClean="0"/>
-              <a:t>Everything was going great until CVX…</a:t>
-            </a:r>
-          </a:p>
-          <a:p>
-            <a:r>
-              <a:rPr lang="en-US" baseline="0" dirty="0" smtClean="0"/>
-              <a:t>Oops…</a:t>
-            </a:r>
-            <a:endParaRPr lang="en-US" dirty="0"/>
-          </a:p>
         </p:txBody>
       </p:sp>
       <p:sp>
@@ -692,71 +635,30 @@
           <a:bodyPr/>
           <a:lstStyle/>
           <a:p>
+            <a:r>
+              <a:rPr lang="en-US" dirty="0" smtClean="0"/>
+              <a:t>Record readers</a:t>
+            </a:r>
+          </a:p>
+          <a:p>
+            <a:endParaRPr lang="en-US" dirty="0" smtClean="0"/>
+          </a:p>
+          <a:p>
+            <a:r>
+              <a:rPr lang="en-US" dirty="0" smtClean="0"/>
+              <a:t>Read their split</a:t>
+            </a:r>
+          </a:p>
+          <a:p>
+            <a:endParaRPr lang="en-US" dirty="0" smtClean="0"/>
+          </a:p>
+          <a:p>
+            <a:r>
+              <a:rPr lang="en-US" dirty="0" smtClean="0"/>
+              <a:t>Parse raw data into “Records”</a:t>
+            </a:r>
             <a:endParaRPr lang="en-US" dirty="0"/>
           </a:p>
-          <a:p>
-            <a:r>
-              <a:rPr lang="en-US" dirty="0"/>
-              <a:t>----- Meeting Notes (6/11/14 09:22) -----</a:t>
-            </a:r>
-          </a:p>
-          <a:p>
-            <a:r>
-              <a:rPr lang="en-US" dirty="0"/>
-              <a:t>Example records parsed and sent back by the Record </a:t>
-            </a:r>
-            <a:r>
-              <a:rPr lang="en-US" dirty="0" smtClean="0"/>
-              <a:t>Reader</a:t>
-            </a:r>
-          </a:p>
-          <a:p>
-            <a:endParaRPr lang="en-US" dirty="0" smtClean="0"/>
-          </a:p>
-          <a:p>
-            <a:r>
-              <a:rPr lang="en-US" dirty="0" smtClean="0"/>
-              <a:t>Say</a:t>
-            </a:r>
-            <a:r>
-              <a:rPr lang="en-US" baseline="0" dirty="0" smtClean="0"/>
-              <a:t> stuff: that’s great, we now have a configurable </a:t>
-            </a:r>
-            <a:r>
-              <a:rPr lang="en-US" baseline="0" dirty="0" err="1" smtClean="0"/>
-              <a:t>hadoop</a:t>
-            </a:r>
-            <a:r>
-              <a:rPr lang="en-US" baseline="0" dirty="0" smtClean="0"/>
-              <a:t> </a:t>
-            </a:r>
-            <a:r>
-              <a:rPr lang="en-US" baseline="0" dirty="0" err="1" smtClean="0"/>
-              <a:t>InputFormat</a:t>
-            </a:r>
-            <a:r>
-              <a:rPr lang="en-US" baseline="0" dirty="0" smtClean="0"/>
-              <a:t> that can, at the very least, handle CSV files with records that contain </a:t>
-            </a:r>
-            <a:r>
-              <a:rPr lang="en-US" baseline="0" dirty="0" err="1" smtClean="0"/>
-              <a:t>linebreaks</a:t>
-            </a:r>
-            <a:endParaRPr lang="en-US" baseline="0" dirty="0" smtClean="0"/>
-          </a:p>
-          <a:p>
-            <a:r>
-              <a:rPr lang="en-US" baseline="0" dirty="0" smtClean="0"/>
-              <a:t>This was probably the hardest part. </a:t>
-            </a:r>
-          </a:p>
-          <a:p>
-            <a:r>
-              <a:rPr lang="en-US" baseline="0" dirty="0" smtClean="0"/>
-              <a:t>But, what about crunch?</a:t>
-            </a:r>
-            <a:endParaRPr lang="en-US" dirty="0"/>
-          </a:p>
         </p:txBody>
       </p:sp>
       <p:sp>
@@ -776,7 +678,7 @@
           <a:p>
             <a:fld id="{FEB6B4B8-4677-024A-8A3A-899E841B8C05}" type="slidenum">
               <a:rPr lang="en-US" smtClean="0"/>
-              <a:t>12</a:t>
+              <a:t>10</a:t>
             </a:fld>
             <a:endParaRPr lang="en-US"/>
           </a:p>
@@ -785,7 +687,7 @@
     </p:spTree>
     <p:extLst>
       <p:ext uri="{BB962C8B-B14F-4D97-AF65-F5344CB8AC3E}">
-        <p14:creationId xmlns:p14="http://schemas.microsoft.com/office/powerpoint/2010/main" val="2431220996"/>
+        <p14:creationId xmlns:p14="http://schemas.microsoft.com/office/powerpoint/2010/main" val="1944978979"/>
       </p:ext>
     </p:extLst>
   </p:cSld>
@@ -841,95 +743,16 @@
           <a:p>
             <a:r>
               <a:rPr lang="en-US" dirty="0" smtClean="0"/>
-              <a:t>Our simple </a:t>
-            </a:r>
-            <a:r>
-              <a:rPr lang="en-US" dirty="0" err="1" smtClean="0"/>
-              <a:t>InputFormat</a:t>
-            </a:r>
-            <a:r>
-              <a:rPr lang="en-US" dirty="0" smtClean="0"/>
-              <a:t> solution</a:t>
-            </a:r>
-          </a:p>
-          <a:p>
-            <a:r>
-              <a:rPr lang="en-US" dirty="0" err="1" smtClean="0"/>
-              <a:t>CSVInputFormat</a:t>
-            </a:r>
-            <a:r>
-              <a:rPr lang="en-US" baseline="0" dirty="0" smtClean="0"/>
-              <a:t> and </a:t>
-            </a:r>
-            <a:r>
-              <a:rPr lang="en-US" baseline="0" dirty="0" err="1" smtClean="0"/>
-              <a:t>CSVRecordReader</a:t>
-            </a:r>
-            <a:r>
-              <a:rPr lang="en-US" baseline="0" dirty="0" smtClean="0"/>
-              <a:t> use a utility class</a:t>
-            </a:r>
-          </a:p>
-          <a:p>
-            <a:r>
-              <a:rPr lang="en-US" baseline="0" dirty="0" err="1" smtClean="0"/>
-              <a:t>CSVLineReader</a:t>
-            </a:r>
-            <a:r>
-              <a:rPr lang="en-US" baseline="0" dirty="0" smtClean="0"/>
-              <a:t> which handles the parsing</a:t>
-            </a:r>
-          </a:p>
-          <a:p>
-            <a:endParaRPr lang="en-US" baseline="0" dirty="0" smtClean="0"/>
-          </a:p>
-          <a:p>
-            <a:r>
-              <a:rPr lang="en-US" baseline="0" dirty="0" smtClean="0"/>
-              <a:t>So, this is cool, but not very configurable. </a:t>
-            </a:r>
-          </a:p>
-          <a:p>
-            <a:r>
-              <a:rPr lang="en-US" baseline="0" dirty="0" smtClean="0"/>
-              <a:t>In order to have some interesting functionality</a:t>
-            </a:r>
-          </a:p>
-          <a:p>
-            <a:r>
-              <a:rPr lang="en-US" baseline="0" dirty="0" smtClean="0"/>
-              <a:t>(tab separated values, file encoding, custom control characters, </a:t>
-            </a:r>
-            <a:r>
-              <a:rPr lang="en-US" baseline="0" dirty="0" err="1" smtClean="0"/>
-              <a:t>etc</a:t>
-            </a:r>
-            <a:r>
-              <a:rPr lang="en-US" baseline="0" dirty="0" smtClean="0"/>
-              <a:t>)</a:t>
-            </a:r>
-          </a:p>
-          <a:p>
-            <a:r>
-              <a:rPr lang="en-US" baseline="0" dirty="0" smtClean="0"/>
-              <a:t>We either need to subclass </a:t>
-            </a:r>
-            <a:r>
-              <a:rPr lang="en-US" baseline="0" dirty="0" err="1" smtClean="0"/>
-              <a:t>InputFormat</a:t>
-            </a:r>
-            <a:r>
-              <a:rPr lang="en-US" baseline="0" dirty="0" smtClean="0"/>
-              <a:t> or change it so that its </a:t>
-            </a:r>
-          </a:p>
-          <a:p>
-            <a:endParaRPr lang="en-US" baseline="0" dirty="0" smtClean="0"/>
-          </a:p>
-          <a:p>
-            <a:r>
-              <a:rPr lang="en-US" baseline="0" dirty="0" smtClean="0"/>
-              <a:t>But what about crunch?</a:t>
+              <a:t>Input Format is smart enough to know where a record ends</a:t>
+            </a:r>
+          </a:p>
+          <a:p>
+            <a:endParaRPr lang="en-US" dirty="0" smtClean="0"/>
+          </a:p>
+          <a:p>
+            <a:r>
+              <a:rPr lang="en-US" dirty="0" smtClean="0"/>
+              <a:t>Record Reader can start reading immediately</a:t>
             </a:r>
             <a:endParaRPr lang="en-US" dirty="0"/>
           </a:p>
@@ -952,7 +775,7 @@
           <a:p>
             <a:fld id="{FEB6B4B8-4677-024A-8A3A-899E841B8C05}" type="slidenum">
               <a:rPr lang="en-US" smtClean="0"/>
-              <a:t>13</a:t>
+              <a:t>11</a:t>
             </a:fld>
             <a:endParaRPr lang="en-US"/>
           </a:p>
@@ -961,7 +784,7 @@
     </p:spTree>
     <p:extLst>
       <p:ext uri="{BB962C8B-B14F-4D97-AF65-F5344CB8AC3E}">
-        <p14:creationId xmlns:p14="http://schemas.microsoft.com/office/powerpoint/2010/main" val="1124803109"/>
+        <p14:creationId xmlns:p14="http://schemas.microsoft.com/office/powerpoint/2010/main" val="2388768391"/>
       </p:ext>
     </p:extLst>
   </p:cSld>
@@ -1017,29 +840,52 @@
           <a:p>
             <a:r>
               <a:rPr lang="en-US" dirty="0" smtClean="0"/>
-              <a:t>Now… </a:t>
-            </a:r>
-            <a:r>
-              <a:rPr lang="en-US" dirty="0" err="1" smtClean="0"/>
-              <a:t>inputformat</a:t>
-            </a:r>
-            <a:endParaRPr lang="en-US" dirty="0" smtClean="0"/>
-          </a:p>
-          <a:p>
-            <a:endParaRPr lang="en-US" dirty="0" smtClean="0"/>
-          </a:p>
-          <a:p>
-            <a:r>
-              <a:rPr lang="en-US" dirty="0" smtClean="0"/>
-              <a:t>Most teams use crunch to process input</a:t>
+              <a:t>That’s </a:t>
             </a:r>
             <a:r>
               <a:rPr lang="en-US" baseline="0" dirty="0" smtClean="0"/>
-              <a:t> and produce output</a:t>
-            </a:r>
-          </a:p>
-          <a:p>
-            <a:endParaRPr lang="en-US" dirty="0"/>
+              <a:t>great, we now have a </a:t>
+            </a:r>
+            <a:r>
+              <a:rPr lang="en-US" baseline="0" dirty="0" err="1" smtClean="0"/>
+              <a:t>hadoop</a:t>
+            </a:r>
+            <a:r>
+              <a:rPr lang="en-US" baseline="0" dirty="0" smtClean="0"/>
+              <a:t> </a:t>
+            </a:r>
+            <a:r>
+              <a:rPr lang="en-US" baseline="0" dirty="0" err="1" smtClean="0"/>
+              <a:t>InputFormat</a:t>
+            </a:r>
+            <a:r>
+              <a:rPr lang="en-US" baseline="0" dirty="0" smtClean="0"/>
+              <a:t> </a:t>
+            </a:r>
+          </a:p>
+          <a:p>
+            <a:r>
+              <a:rPr lang="en-US" baseline="0" dirty="0" smtClean="0"/>
+              <a:t>Can split</a:t>
+            </a:r>
+          </a:p>
+          <a:p>
+            <a:r>
+              <a:rPr lang="en-US" baseline="0" dirty="0" smtClean="0"/>
+              <a:t>Can distribute</a:t>
+            </a:r>
+          </a:p>
+          <a:p>
+            <a:r>
+              <a:rPr lang="en-US" baseline="0" dirty="0" smtClean="0"/>
+              <a:t>Can parse </a:t>
+            </a:r>
+          </a:p>
+          <a:p>
+            <a:r>
+              <a:rPr lang="en-US" baseline="0" smtClean="0"/>
+              <a:t>CSV</a:t>
+            </a:r>
           </a:p>
         </p:txBody>
       </p:sp>
@@ -1060,7 +906,7 @@
           <a:p>
             <a:fld id="{FEB6B4B8-4677-024A-8A3A-899E841B8C05}" type="slidenum">
               <a:rPr lang="en-US" smtClean="0"/>
-              <a:t>14</a:t>
+              <a:t>12</a:t>
             </a:fld>
             <a:endParaRPr lang="en-US"/>
           </a:p>
@@ -1069,7 +915,7 @@
     </p:spTree>
     <p:extLst>
       <p:ext uri="{BB962C8B-B14F-4D97-AF65-F5344CB8AC3E}">
-        <p14:creationId xmlns:p14="http://schemas.microsoft.com/office/powerpoint/2010/main" val="3650223693"/>
+        <p14:creationId xmlns:p14="http://schemas.microsoft.com/office/powerpoint/2010/main" val="2431220996"/>
       </p:ext>
     </p:extLst>
   </p:cSld>
@@ -1124,20 +970,72 @@
           <a:lstStyle/>
           <a:p>
             <a:r>
-              <a:rPr lang="en-US" dirty="0" smtClean="0"/>
-              <a:t>So,</a:t>
-            </a:r>
-            <a:r>
               <a:rPr lang="en-US" baseline="0" dirty="0" smtClean="0"/>
-              <a:t> we start with the three classes required for the </a:t>
+              <a:t>Mention utility class</a:t>
+            </a:r>
+            <a:endParaRPr lang="en-US" baseline="0" dirty="0" smtClean="0"/>
+          </a:p>
+          <a:p>
+            <a:r>
+              <a:rPr lang="en-US" baseline="0" dirty="0" smtClean="0"/>
+              <a:t>This works, currently in content-processing</a:t>
+            </a:r>
+          </a:p>
+          <a:p>
+            <a:r>
+              <a:rPr lang="en-US" baseline="0" dirty="0" smtClean="0"/>
+              <a:t>NOT </a:t>
+            </a:r>
+            <a:r>
+              <a:rPr lang="en-US" baseline="0" dirty="0" smtClean="0"/>
+              <a:t>easily configurable. </a:t>
+            </a:r>
+          </a:p>
+          <a:p>
+            <a:endParaRPr lang="en-US" baseline="0" dirty="0" smtClean="0"/>
+          </a:p>
+          <a:p>
+            <a:r>
+              <a:rPr lang="en-US" baseline="0" dirty="0" smtClean="0"/>
+              <a:t>(</a:t>
+            </a:r>
+            <a:r>
+              <a:rPr lang="en-US" baseline="0" dirty="0" smtClean="0"/>
+              <a:t>tab separated values, file encoding, custom control characters, </a:t>
             </a:r>
             <a:r>
               <a:rPr lang="en-US" baseline="0" dirty="0" err="1" smtClean="0"/>
-              <a:t>hadoop</a:t>
+              <a:t>etc</a:t>
             </a:r>
             <a:r>
               <a:rPr lang="en-US" baseline="0" dirty="0" smtClean="0"/>
-              <a:t> Input Format</a:t>
+              <a:t>)</a:t>
+            </a:r>
+          </a:p>
+          <a:p>
+            <a:r>
+              <a:rPr lang="en-US" baseline="0" dirty="0" smtClean="0"/>
+              <a:t>Users must manually set options</a:t>
+            </a:r>
+          </a:p>
+          <a:p>
+            <a:r>
+              <a:rPr lang="en-US" baseline="0" dirty="0" smtClean="0"/>
+              <a:t>In </a:t>
+            </a:r>
+            <a:r>
+              <a:rPr lang="en-US" baseline="0" dirty="0" err="1" smtClean="0"/>
+              <a:t>hadop</a:t>
+            </a:r>
+            <a:r>
+              <a:rPr lang="en-US" baseline="0" dirty="0" smtClean="0"/>
+              <a:t> job configuration</a:t>
+            </a:r>
+          </a:p>
+          <a:p>
+            <a:r>
+              <a:rPr lang="en-US" baseline="0" dirty="0" smtClean="0"/>
+              <a:t>Right now, options hard coded into input format</a:t>
             </a:r>
             <a:endParaRPr lang="en-US" dirty="0"/>
           </a:p>
@@ -1160,7 +1058,7 @@
           <a:p>
             <a:fld id="{FEB6B4B8-4677-024A-8A3A-899E841B8C05}" type="slidenum">
               <a:rPr lang="en-US" smtClean="0"/>
-              <a:t>15</a:t>
+              <a:t>13</a:t>
             </a:fld>
             <a:endParaRPr lang="en-US"/>
           </a:p>
@@ -1169,7 +1067,7 @@
     </p:spTree>
     <p:extLst>
       <p:ext uri="{BB962C8B-B14F-4D97-AF65-F5344CB8AC3E}">
-        <p14:creationId xmlns:p14="http://schemas.microsoft.com/office/powerpoint/2010/main" val="2162426175"/>
+        <p14:creationId xmlns:p14="http://schemas.microsoft.com/office/powerpoint/2010/main" val="1124803109"/>
       </p:ext>
     </p:extLst>
   </p:cSld>
@@ -1225,32 +1123,42 @@
           <a:p>
             <a:r>
               <a:rPr lang="en-US" dirty="0" smtClean="0"/>
-              <a:t>What’s needed is a </a:t>
-            </a:r>
-            <a:r>
-              <a:rPr lang="en-US" dirty="0" err="1" smtClean="0"/>
-              <a:t>CSVFileSource</a:t>
-            </a:r>
-            <a:r>
-              <a:rPr lang="en-US" dirty="0" smtClean="0"/>
-              <a:t>, right?</a:t>
-            </a:r>
-          </a:p>
-          <a:p>
-            <a:r>
-              <a:rPr lang="en-US" dirty="0" smtClean="0"/>
-              <a:t>This class</a:t>
+              <a:t>Now… Crunch</a:t>
+            </a:r>
+          </a:p>
+          <a:p>
+            <a:endParaRPr lang="en-US" dirty="0" smtClean="0"/>
+          </a:p>
+          <a:p>
+            <a:r>
+              <a:rPr lang="en-US" dirty="0" smtClean="0"/>
+              <a:t>Crunch takes</a:t>
             </a:r>
             <a:r>
               <a:rPr lang="en-US" baseline="0" dirty="0" smtClean="0"/>
-              <a:t> takes in all sorts of configuration options </a:t>
-            </a:r>
-          </a:p>
-          <a:p>
-            <a:r>
+              <a:t> care of configuration in a sane way. </a:t>
+            </a:r>
+            <a:br>
               <a:rPr lang="en-US" baseline="0" dirty="0" smtClean="0"/>
-              <a:t>It sets all of these options in the job configuration</a:t>
-            </a:r>
+            </a:br>
+            <a:r>
+              <a:rPr lang="en-US" baseline="0" dirty="0" smtClean="0"/>
+              <a:t>Crunch </a:t>
+            </a:r>
+            <a:r>
+              <a:rPr lang="en-US" baseline="0" dirty="0" smtClean="0"/>
+              <a:t>takes </a:t>
+            </a:r>
+            <a:r>
+              <a:rPr lang="en-US" baseline="0" dirty="0" smtClean="0"/>
+              <a:t>configuration </a:t>
+            </a:r>
+            <a:r>
+              <a:rPr lang="en-US" baseline="0" dirty="0" smtClean="0"/>
+              <a:t>for you and uses input format</a:t>
+            </a:r>
+          </a:p>
+          <a:p>
             <a:endParaRPr lang="en-US" dirty="0"/>
           </a:p>
         </p:txBody>
@@ -1272,7 +1180,7 @@
           <a:p>
             <a:fld id="{FEB6B4B8-4677-024A-8A3A-899E841B8C05}" type="slidenum">
               <a:rPr lang="en-US" smtClean="0"/>
-              <a:t>16</a:t>
+              <a:t>14</a:t>
             </a:fld>
             <a:endParaRPr lang="en-US"/>
           </a:p>
@@ -1281,7 +1189,7 @@
     </p:spTree>
     <p:extLst>
       <p:ext uri="{BB962C8B-B14F-4D97-AF65-F5344CB8AC3E}">
-        <p14:creationId xmlns:p14="http://schemas.microsoft.com/office/powerpoint/2010/main" val="2162426175"/>
+        <p14:creationId xmlns:p14="http://schemas.microsoft.com/office/powerpoint/2010/main" val="3650223693"/>
       </p:ext>
     </p:extLst>
   </p:cSld>
@@ -1337,20 +1245,28 @@
           <a:p>
             <a:r>
               <a:rPr lang="en-US" dirty="0" smtClean="0"/>
-              <a:t>It needs to be able to create these</a:t>
+              <a:t>So,</a:t>
             </a:r>
             <a:r>
               <a:rPr lang="en-US" baseline="0" dirty="0" smtClean="0"/>
-              <a:t> other two classes, a “Readable data” and a “file reader factory” class, </a:t>
-            </a:r>
-          </a:p>
-          <a:p>
-            <a:endParaRPr lang="en-US" dirty="0" smtClean="0"/>
-          </a:p>
-          <a:p>
-            <a:r>
-              <a:rPr lang="en-US" dirty="0" smtClean="0"/>
-              <a:t>NEXT SLIDE</a:t>
+              <a:t> What do we need?</a:t>
+            </a:r>
+          </a:p>
+          <a:p>
+            <a:endParaRPr lang="en-US" baseline="0" dirty="0" smtClean="0"/>
+          </a:p>
+          <a:p>
+            <a:r>
+              <a:rPr lang="en-US" baseline="0" dirty="0" smtClean="0"/>
+              <a:t>we start with the three classes required for the </a:t>
+            </a:r>
+            <a:r>
+              <a:rPr lang="en-US" baseline="0" dirty="0" err="1" smtClean="0"/>
+              <a:t>hadoop</a:t>
+            </a:r>
+            <a:r>
+              <a:rPr lang="en-US" baseline="0" dirty="0" smtClean="0"/>
+              <a:t> Input Format</a:t>
             </a:r>
             <a:endParaRPr lang="en-US" dirty="0"/>
           </a:p>
@@ -1373,7 +1289,7 @@
           <a:p>
             <a:fld id="{FEB6B4B8-4677-024A-8A3A-899E841B8C05}" type="slidenum">
               <a:rPr lang="en-US" smtClean="0"/>
-              <a:t>17</a:t>
+              <a:t>15</a:t>
             </a:fld>
             <a:endParaRPr lang="en-US"/>
           </a:p>
@@ -1438,45 +1354,31 @@
           <a:p>
             <a:r>
               <a:rPr lang="en-US" dirty="0" smtClean="0"/>
-              <a:t>Both of which are really just a wrapper for a simple </a:t>
+              <a:t>What’s needed is a </a:t>
             </a:r>
             <a:r>
               <a:rPr lang="en-US" dirty="0" err="1" smtClean="0"/>
-              <a:t>iterable</a:t>
+              <a:t>CSVFileSource</a:t>
+            </a:r>
+            <a:r>
+              <a:rPr lang="en-US" dirty="0" smtClean="0"/>
+              <a:t>, right?</a:t>
+            </a:r>
+          </a:p>
+          <a:p>
+            <a:r>
+              <a:rPr lang="en-US" dirty="0" smtClean="0"/>
+              <a:t>This class</a:t>
             </a:r>
             <a:r>
               <a:rPr lang="en-US" baseline="0" dirty="0" smtClean="0"/>
-              <a:t> file reader, which is really just another wrapper, for the </a:t>
-            </a:r>
-            <a:r>
-              <a:rPr lang="en-US" baseline="0" dirty="0" err="1" smtClean="0"/>
-              <a:t>CSVLineReader</a:t>
-            </a:r>
-            <a:endParaRPr lang="en-US" baseline="0" dirty="0" smtClean="0"/>
-          </a:p>
-          <a:p>
-            <a:endParaRPr lang="en-US" baseline="0" dirty="0" smtClean="0"/>
+              <a:t> takes in all sorts of configuration options </a:t>
+            </a:r>
           </a:p>
           <a:p>
             <a:r>
               <a:rPr lang="en-US" baseline="0" dirty="0" smtClean="0"/>
-              <a:t>Honestly, I also could have just made </a:t>
-            </a:r>
-            <a:r>
-              <a:rPr lang="en-US" baseline="0" dirty="0" err="1" smtClean="0"/>
-              <a:t>CSVLineReader</a:t>
-            </a:r>
-            <a:r>
-              <a:rPr lang="en-US" baseline="0" dirty="0" smtClean="0"/>
-              <a:t> an </a:t>
-            </a:r>
-            <a:r>
-              <a:rPr lang="en-US" baseline="0" dirty="0" err="1" smtClean="0"/>
-              <a:t>iterable</a:t>
-            </a:r>
-            <a:r>
-              <a:rPr lang="en-US" baseline="0" dirty="0" smtClean="0"/>
-              <a:t> class, but this seemed much cleaner.</a:t>
+              <a:t>It sets all of these options in the job configuration</a:t>
             </a:r>
             <a:endParaRPr lang="en-US" dirty="0"/>
           </a:p>
@@ -1499,7 +1401,7 @@
           <a:p>
             <a:fld id="{FEB6B4B8-4677-024A-8A3A-899E841B8C05}" type="slidenum">
               <a:rPr lang="en-US" smtClean="0"/>
-              <a:t>18</a:t>
+              <a:t>16</a:t>
             </a:fld>
             <a:endParaRPr lang="en-US"/>
           </a:p>
@@ -1562,6 +1464,23 @@
           <a:bodyPr/>
           <a:lstStyle/>
           <a:p>
+            <a:r>
+              <a:rPr lang="en-US" dirty="0" smtClean="0"/>
+              <a:t>It needs to be able to create these</a:t>
+            </a:r>
+            <a:r>
+              <a:rPr lang="en-US" baseline="0" dirty="0" smtClean="0"/>
+              <a:t> other two classes, a “Readable data” and a “file reader factory” class, </a:t>
+            </a:r>
+          </a:p>
+          <a:p>
+            <a:endParaRPr lang="en-US" dirty="0" smtClean="0"/>
+          </a:p>
+          <a:p>
+            <a:r>
+              <a:rPr lang="en-US" dirty="0" smtClean="0"/>
+              <a:t>NEXT SLIDE</a:t>
+            </a:r>
             <a:endParaRPr lang="en-US" dirty="0"/>
           </a:p>
         </p:txBody>
@@ -1583,7 +1502,7 @@
           <a:p>
             <a:fld id="{FEB6B4B8-4677-024A-8A3A-899E841B8C05}" type="slidenum">
               <a:rPr lang="en-US" smtClean="0"/>
-              <a:t>19</a:t>
+              <a:t>17</a:t>
             </a:fld>
             <a:endParaRPr lang="en-US"/>
           </a:p>
@@ -1662,6 +1581,32 @@
               <a:rPr lang="en-US" baseline="0" dirty="0" err="1" smtClean="0"/>
               <a:t>CSVLineReader</a:t>
             </a:r>
+            <a:endParaRPr lang="en-US" baseline="0" dirty="0" smtClean="0"/>
+          </a:p>
+          <a:p>
+            <a:endParaRPr lang="en-US" baseline="0" dirty="0" smtClean="0"/>
+          </a:p>
+          <a:p>
+            <a:r>
+              <a:rPr lang="en-US" baseline="0" dirty="0" smtClean="0"/>
+              <a:t>Honestly, I also could have just made </a:t>
+            </a:r>
+            <a:r>
+              <a:rPr lang="en-US" baseline="0" dirty="0" err="1" smtClean="0"/>
+              <a:t>CSVLineReader</a:t>
+            </a:r>
+            <a:r>
+              <a:rPr lang="en-US" baseline="0" dirty="0" smtClean="0"/>
+              <a:t> an </a:t>
+            </a:r>
+            <a:r>
+              <a:rPr lang="en-US" baseline="0" dirty="0" err="1" smtClean="0"/>
+              <a:t>iterable</a:t>
+            </a:r>
+            <a:r>
+              <a:rPr lang="en-US" baseline="0" dirty="0" smtClean="0"/>
+              <a:t> class, but this seemed much cleaner.</a:t>
+            </a:r>
             <a:endParaRPr lang="en-US" dirty="0"/>
           </a:p>
         </p:txBody>
@@ -1683,7 +1628,91 @@
           <a:p>
             <a:fld id="{FEB6B4B8-4677-024A-8A3A-899E841B8C05}" type="slidenum">
               <a:rPr lang="en-US" smtClean="0"/>
-              <a:t>20</a:t>
+              <a:t>18</a:t>
+            </a:fld>
+            <a:endParaRPr lang="en-US"/>
+          </a:p>
+        </p:txBody>
+      </p:sp>
+    </p:spTree>
+    <p:extLst>
+      <p:ext uri="{BB962C8B-B14F-4D97-AF65-F5344CB8AC3E}">
+        <p14:creationId xmlns:p14="http://schemas.microsoft.com/office/powerpoint/2010/main" val="2162426175"/>
+      </p:ext>
+    </p:extLst>
+  </p:cSld>
+  <p:clrMapOvr>
+    <a:masterClrMapping/>
+  </p:clrMapOvr>
+</p:notes>
+</file>
+
+<file path=ppt/notesSlides/notesSlide19.xml><?xml version="1.0" encoding="utf-8"?>
+<p:notes xmlns:a="http://schemas.openxmlformats.org/drawingml/2006/main" xmlns:r="http://schemas.openxmlformats.org/officeDocument/2006/relationships" xmlns:p="http://schemas.openxmlformats.org/presentationml/2006/main">
+  <p:cSld>
+    <p:spTree>
+      <p:nvGrpSpPr>
+        <p:cNvPr id="1" name=""/>
+        <p:cNvGrpSpPr/>
+        <p:nvPr/>
+      </p:nvGrpSpPr>
+      <p:grpSpPr>
+        <a:xfrm>
+          <a:off x="0" y="0"/>
+          <a:ext cx="0" cy="0"/>
+          <a:chOff x="0" y="0"/>
+          <a:chExt cx="0" cy="0"/>
+        </a:xfrm>
+      </p:grpSpPr>
+      <p:sp>
+        <p:nvSpPr>
+          <p:cNvPr id="2" name="Slide Image Placeholder 1"/>
+          <p:cNvSpPr>
+            <a:spLocks noGrp="1" noRot="1" noChangeAspect="1"/>
+          </p:cNvSpPr>
+          <p:nvPr>
+            <p:ph type="sldImg"/>
+          </p:nvPr>
+        </p:nvSpPr>
+        <p:spPr/>
+      </p:sp>
+      <p:sp>
+        <p:nvSpPr>
+          <p:cNvPr id="3" name="Notes Placeholder 2"/>
+          <p:cNvSpPr>
+            <a:spLocks noGrp="1"/>
+          </p:cNvSpPr>
+          <p:nvPr>
+            <p:ph type="body" idx="1"/>
+          </p:nvPr>
+        </p:nvSpPr>
+        <p:spPr/>
+        <p:txBody>
+          <a:bodyPr/>
+          <a:lstStyle/>
+          <a:p>
+            <a:endParaRPr lang="en-US" dirty="0"/>
+          </a:p>
+        </p:txBody>
+      </p:sp>
+      <p:sp>
+        <p:nvSpPr>
+          <p:cNvPr id="4" name="Slide Number Placeholder 3"/>
+          <p:cNvSpPr>
+            <a:spLocks noGrp="1"/>
+          </p:cNvSpPr>
+          <p:nvPr>
+            <p:ph type="sldNum" sz="quarter" idx="10"/>
+          </p:nvPr>
+        </p:nvSpPr>
+        <p:spPr/>
+        <p:txBody>
+          <a:bodyPr/>
+          <a:lstStyle/>
+          <a:p>
+            <a:fld id="{FEB6B4B8-4677-024A-8A3A-899E841B8C05}" type="slidenum">
+              <a:rPr lang="en-US" smtClean="0"/>
+              <a:t>19</a:t>
             </a:fld>
             <a:endParaRPr lang="en-US"/>
           </a:p>
@@ -1748,82 +1777,41 @@
           <a:p>
             <a:r>
               <a:rPr lang="en-US" dirty="0" smtClean="0"/>
-              <a:t>==Creating a </a:t>
-            </a:r>
-            <a:r>
-              <a:rPr lang="en-US" dirty="0" err="1" smtClean="0"/>
-              <a:t>Hadoop</a:t>
+              <a:t>End</a:t>
             </a:r>
             <a:r>
               <a:rPr lang="en-US" baseline="0" dirty="0" smtClean="0"/>
-              <a:t> </a:t>
-            </a:r>
-            <a:r>
-              <a:rPr lang="en-US" baseline="0" dirty="0" err="1" smtClean="0"/>
-              <a:t>InputFormat</a:t>
-            </a:r>
+              <a:t> of iteration, pick JIRA</a:t>
+            </a:r>
+          </a:p>
+          <a:p>
             <a:r>
               <a:rPr lang="en-US" baseline="0" dirty="0" smtClean="0"/>
-              <a:t> and Crunch </a:t>
-            </a:r>
-            <a:r>
-              <a:rPr lang="en-US" baseline="0" dirty="0" err="1" smtClean="0"/>
-              <a:t>FileSource</a:t>
-            </a:r>
+              <a:t>Nathan (manager) was out of town</a:t>
+            </a:r>
+          </a:p>
+          <a:p>
             <a:r>
               <a:rPr lang="en-US" baseline="0" dirty="0" smtClean="0"/>
-              <a:t> implementation for CSV files==</a:t>
-            </a:r>
-            <a:endParaRPr lang="en-US" dirty="0" smtClean="0"/>
-          </a:p>
-          <a:p>
-            <a:endParaRPr lang="en-US" dirty="0" smtClean="0"/>
-          </a:p>
-          <a:p>
-            <a:r>
-              <a:rPr lang="en-US" dirty="0" smtClean="0"/>
-              <a:t>End</a:t>
-            </a:r>
+              <a:t>Cache CSV files in HDFS </a:t>
+            </a:r>
+          </a:p>
+          <a:p>
             <a:r>
               <a:rPr lang="en-US" baseline="0" dirty="0" smtClean="0"/>
-              <a:t> of iteration, time to pick a </a:t>
-            </a:r>
-            <a:r>
-              <a:rPr lang="en-US" baseline="0" dirty="0" err="1" smtClean="0"/>
-              <a:t>jira</a:t>
-            </a:r>
-            <a:endParaRPr lang="en-US" baseline="0" dirty="0" smtClean="0"/>
+              <a:t>process them with crunch instead of utility node</a:t>
+            </a:r>
           </a:p>
           <a:p>
             <a:r>
               <a:rPr lang="en-US" baseline="0" dirty="0" smtClean="0"/>
-              <a:t>Working on Content-Processing project (store nomenclatures in </a:t>
-            </a:r>
-            <a:r>
-              <a:rPr lang="en-US" baseline="0" dirty="0" err="1" smtClean="0"/>
-              <a:t>Hbase</a:t>
-            </a:r>
+              <a:t>Everything was going great, several sources</a:t>
+            </a:r>
+          </a:p>
+          <a:p>
             <a:r>
               <a:rPr lang="en-US" baseline="0" dirty="0" smtClean="0"/>
-              <a:t>)</a:t>
-            </a:r>
-          </a:p>
-          <a:p>
-            <a:r>
-              <a:rPr lang="en-US" baseline="0" dirty="0" smtClean="0"/>
-              <a:t>Nathan (content-processing guy) was out of town</a:t>
-            </a:r>
-          </a:p>
-          <a:p>
-            <a:r>
-              <a:rPr lang="en-US" baseline="0" dirty="0" smtClean="0"/>
-              <a:t>Cache CSV files in HDFS and process them with crunch instead of doing it on the utility node and then bulk uploading them</a:t>
-            </a:r>
-          </a:p>
-          <a:p>
-            <a:r>
-              <a:rPr lang="en-US" baseline="0" dirty="0" smtClean="0"/>
-              <a:t>Everything was going great until CVX…</a:t>
+              <a:t>Until full load encountered CVX</a:t>
             </a:r>
           </a:p>
           <a:p>
@@ -1862,6 +1850,90 @@
     <p:extLst>
       <p:ext uri="{BB962C8B-B14F-4D97-AF65-F5344CB8AC3E}">
         <p14:creationId xmlns:p14="http://schemas.microsoft.com/office/powerpoint/2010/main" val="3185164289"/>
+      </p:ext>
+    </p:extLst>
+  </p:cSld>
+  <p:clrMapOvr>
+    <a:masterClrMapping/>
+  </p:clrMapOvr>
+</p:notes>
+</file>
+
+<file path=ppt/notesSlides/notesSlide20.xml><?xml version="1.0" encoding="utf-8"?>
+<p:notes xmlns:a="http://schemas.openxmlformats.org/drawingml/2006/main" xmlns:r="http://schemas.openxmlformats.org/officeDocument/2006/relationships" xmlns:p="http://schemas.openxmlformats.org/presentationml/2006/main">
+  <p:cSld>
+    <p:spTree>
+      <p:nvGrpSpPr>
+        <p:cNvPr id="1" name=""/>
+        <p:cNvGrpSpPr/>
+        <p:nvPr/>
+      </p:nvGrpSpPr>
+      <p:grpSpPr>
+        <a:xfrm>
+          <a:off x="0" y="0"/>
+          <a:ext cx="0" cy="0"/>
+          <a:chOff x="0" y="0"/>
+          <a:chExt cx="0" cy="0"/>
+        </a:xfrm>
+      </p:grpSpPr>
+      <p:sp>
+        <p:nvSpPr>
+          <p:cNvPr id="2" name="Slide Image Placeholder 1"/>
+          <p:cNvSpPr>
+            <a:spLocks noGrp="1" noRot="1" noChangeAspect="1"/>
+          </p:cNvSpPr>
+          <p:nvPr>
+            <p:ph type="sldImg"/>
+          </p:nvPr>
+        </p:nvSpPr>
+        <p:spPr/>
+      </p:sp>
+      <p:sp>
+        <p:nvSpPr>
+          <p:cNvPr id="3" name="Notes Placeholder 2"/>
+          <p:cNvSpPr>
+            <a:spLocks noGrp="1"/>
+          </p:cNvSpPr>
+          <p:nvPr>
+            <p:ph type="body" idx="1"/>
+          </p:nvPr>
+        </p:nvSpPr>
+        <p:spPr/>
+        <p:txBody>
+          <a:bodyPr/>
+          <a:lstStyle/>
+          <a:p>
+            <a:endParaRPr lang="en-US" dirty="0"/>
+          </a:p>
+        </p:txBody>
+      </p:sp>
+      <p:sp>
+        <p:nvSpPr>
+          <p:cNvPr id="4" name="Slide Number Placeholder 3"/>
+          <p:cNvSpPr>
+            <a:spLocks noGrp="1"/>
+          </p:cNvSpPr>
+          <p:nvPr>
+            <p:ph type="sldNum" sz="quarter" idx="10"/>
+          </p:nvPr>
+        </p:nvSpPr>
+        <p:spPr/>
+        <p:txBody>
+          <a:bodyPr/>
+          <a:lstStyle/>
+          <a:p>
+            <a:fld id="{FEB6B4B8-4677-024A-8A3A-899E841B8C05}" type="slidenum">
+              <a:rPr lang="en-US" smtClean="0"/>
+              <a:t>20</a:t>
+            </a:fld>
+            <a:endParaRPr lang="en-US"/>
+          </a:p>
+        </p:txBody>
+      </p:sp>
+    </p:spTree>
+    <p:extLst>
+      <p:ext uri="{BB962C8B-B14F-4D97-AF65-F5344CB8AC3E}">
+        <p14:creationId xmlns:p14="http://schemas.microsoft.com/office/powerpoint/2010/main" val="2162426175"/>
       </p:ext>
     </p:extLst>
   </p:cSld>
@@ -1917,20 +1989,39 @@
           <a:p>
             <a:r>
               <a:rPr lang="en-US" dirty="0" smtClean="0"/>
-              <a:t>Bulleted list with newlines</a:t>
+              <a:t>4 records</a:t>
             </a:r>
             <a:r>
               <a:rPr lang="en-US" baseline="0" dirty="0" smtClean="0"/>
-              <a:t> in between items</a:t>
-            </a:r>
-          </a:p>
-          <a:p>
+              <a:t> here</a:t>
+            </a:r>
+          </a:p>
+          <a:p>
+            <a:r>
+              <a:rPr lang="en-US" baseline="0" dirty="0" smtClean="0"/>
+              <a:t>First 2 = 1 line</a:t>
+            </a:r>
+          </a:p>
+          <a:p>
+            <a:r>
+              <a:rPr lang="en-US" baseline="0" dirty="0" smtClean="0"/>
+              <a:t>Third record has quoted field</a:t>
+            </a:r>
+          </a:p>
+          <a:p>
+            <a:r>
+              <a:rPr lang="en-US" baseline="0" dirty="0" smtClean="0"/>
+              <a:t>Inside, bulleted list separated by newline characters</a:t>
+            </a:r>
             <a:endParaRPr lang="en-US" baseline="0" dirty="0" smtClean="0"/>
           </a:p>
           <a:p>
+            <a:endParaRPr lang="en-US" baseline="0" dirty="0" smtClean="0"/>
+          </a:p>
+          <a:p>
             <a:r>
               <a:rPr lang="en-US" baseline="0" dirty="0" smtClean="0"/>
-              <a:t>We have a problem…</a:t>
+              <a:t>My code blew up</a:t>
             </a:r>
             <a:endParaRPr lang="en-US" dirty="0"/>
           </a:p>
@@ -2016,6 +2107,18 @@
           <a:bodyPr/>
           <a:lstStyle/>
           <a:p>
+            <a:r>
+              <a:rPr lang="en-US" dirty="0" smtClean="0"/>
+              <a:t>I had</a:t>
+            </a:r>
+            <a:r>
+              <a:rPr lang="en-US" baseline="0" dirty="0" smtClean="0"/>
+              <a:t> a </a:t>
+            </a:r>
+            <a:r>
+              <a:rPr lang="en-US" dirty="0" smtClean="0"/>
+              <a:t>problem.</a:t>
+            </a:r>
             <a:endParaRPr lang="en-US" dirty="0"/>
           </a:p>
         </p:txBody>
@@ -2101,48 +2204,56 @@
           <a:lstStyle/>
           <a:p>
             <a:r>
-              <a:rPr lang="en-US" dirty="0" smtClean="0"/>
-              <a:t>So, why does this matter?</a:t>
-            </a:r>
+              <a:rPr lang="en-US" baseline="0" dirty="0" smtClean="0"/>
+              <a:t>Any field in any file can be </a:t>
+            </a:r>
+            <a:r>
+              <a:rPr lang="en-US" baseline="0" dirty="0" smtClean="0"/>
+              <a:t>surrounded </a:t>
+            </a:r>
+            <a:r>
+              <a:rPr lang="en-US" baseline="0" dirty="0" smtClean="0"/>
+              <a:t>by quote, weird stuff, such as NEWLINES</a:t>
+            </a:r>
+            <a:endParaRPr lang="en-US" dirty="0" smtClean="0"/>
           </a:p>
           <a:p>
             <a:r>
               <a:rPr lang="en-US" dirty="0" err="1" smtClean="0"/>
-              <a:t>Hadoop’s</a:t>
-            </a:r>
-            <a:r>
-              <a:rPr lang="en-US" dirty="0" smtClean="0"/>
+              <a:t>Hadoop-TextInputFormats</a:t>
+            </a:r>
+            <a:r>
+              <a:rPr lang="en-US" baseline="0" dirty="0" smtClean="0"/>
+              <a:t> and Crunch-</a:t>
+            </a:r>
+            <a:r>
+              <a:rPr lang="en-US" baseline="0" dirty="0" err="1" smtClean="0"/>
+              <a:t>TextFileSource</a:t>
+            </a:r>
+            <a:r>
+              <a:rPr lang="en-US" baseline="0" dirty="0" smtClean="0"/>
               <a:t> </a:t>
             </a:r>
             <a:r>
-              <a:rPr lang="en-US" dirty="0" err="1" smtClean="0"/>
-              <a:t>InputFormats</a:t>
-            </a:r>
-            <a:r>
               <a:rPr lang="en-US" baseline="0" dirty="0" smtClean="0"/>
-              <a:t> are simple (</a:t>
-            </a:r>
-            <a:r>
-              <a:rPr lang="en-US" baseline="0" dirty="0" err="1" smtClean="0"/>
-              <a:t>textinputformat</a:t>
-            </a:r>
+              <a:t>not VERSATILE</a:t>
+            </a:r>
+            <a:endParaRPr lang="en-US" baseline="0" dirty="0" smtClean="0"/>
+          </a:p>
+          <a:p>
             <a:r>
               <a:rPr lang="en-US" baseline="0" dirty="0" smtClean="0"/>
-              <a:t> and </a:t>
-            </a:r>
-            <a:r>
-              <a:rPr lang="en-US" baseline="0" dirty="0" err="1" smtClean="0"/>
-              <a:t>nlineinputformat</a:t>
+              <a:t>They read line-by-</a:t>
             </a:r>
             <a:r>
               <a:rPr lang="en-US" baseline="0" dirty="0" smtClean="0"/>
-              <a:t>)</a:t>
+              <a:t>line</a:t>
             </a:r>
           </a:p>
           <a:p>
             <a:r>
               <a:rPr lang="en-US" baseline="0" dirty="0" smtClean="0"/>
-              <a:t>Not good, will need to write my own.</a:t>
+              <a:t>CSV = too much complexity</a:t>
             </a:r>
           </a:p>
           <a:p>
@@ -2151,9 +2262,16 @@
           <a:p>
             <a:r>
               <a:rPr lang="en-US" baseline="0" dirty="0" smtClean="0"/>
-              <a:t>Lot of research, lot of trial and error, lot of sanity checks</a:t>
-            </a:r>
-            <a:endParaRPr lang="en-US" dirty="0"/>
+              <a:t>Not good</a:t>
+            </a:r>
+            <a:r>
+              <a:rPr lang="en-US" baseline="0" dirty="0" smtClean="0"/>
+              <a:t>, eventually realized: </a:t>
+            </a:r>
+            <a:r>
+              <a:rPr lang="en-US" baseline="0" dirty="0" smtClean="0"/>
+              <a:t>will need to write my own.</a:t>
+            </a:r>
           </a:p>
         </p:txBody>
       </p:sp>
@@ -2237,18 +2355,57 @@
           <a:bodyPr/>
           <a:lstStyle/>
           <a:p>
-            <a:endParaRPr lang="en-US"/>
-          </a:p>
-          <a:p>
-            <a:r>
-              <a:rPr lang="en-US"/>
-              <a:t>----- Meeting Notes (6/11/14 09:00) -----</a:t>
-            </a:r>
-          </a:p>
-          <a:p>
-            <a:r>
-              <a:rPr lang="en-US"/>
-              <a:t>TextInputFormat is a good example of a simple input format. It basically splits wherever it finds a convenient newline character. Not all data fits this scenario. </a:t>
+            <a:r>
+              <a:rPr lang="en-US" dirty="0" smtClean="0"/>
+              <a:t>If</a:t>
+            </a:r>
+            <a:r>
+              <a:rPr lang="en-US" baseline="0" dirty="0" smtClean="0"/>
+              <a:t> you have had any </a:t>
+            </a:r>
+            <a:r>
+              <a:rPr lang="en-US" baseline="0" dirty="0" err="1" smtClean="0"/>
+              <a:t>hadoop</a:t>
+            </a:r>
+            <a:r>
+              <a:rPr lang="en-US" baseline="0" dirty="0" smtClean="0"/>
+              <a:t> training, you’ve probably seen this picture</a:t>
+            </a:r>
+          </a:p>
+          <a:p>
+            <a:endParaRPr lang="en-US" baseline="0" dirty="0" smtClean="0"/>
+          </a:p>
+          <a:p>
+            <a:r>
+              <a:rPr lang="en-US" baseline="0" dirty="0" smtClean="0"/>
+              <a:t>Map-reduce flow from input file to processed output file</a:t>
+            </a:r>
+          </a:p>
+          <a:p>
+            <a:endParaRPr lang="en-US" baseline="0" dirty="0" smtClean="0"/>
+          </a:p>
+          <a:p>
+            <a:r>
+              <a:rPr lang="en-US" baseline="0" dirty="0" smtClean="0"/>
+              <a:t>I was interested in the first three rows</a:t>
+            </a:r>
+          </a:p>
+          <a:p>
+            <a:r>
+              <a:rPr lang="en-US" baseline="0" dirty="0" smtClean="0"/>
+              <a:t>Input format</a:t>
+            </a:r>
+          </a:p>
+          <a:p>
+            <a:r>
+              <a:rPr lang="en-US" baseline="0" dirty="0" smtClean="0"/>
+              <a:t>Split files</a:t>
+            </a:r>
+          </a:p>
+          <a:p>
+            <a:r>
+              <a:rPr lang="en-US" baseline="0" dirty="0" smtClean="0"/>
+              <a:t>Record readers</a:t>
             </a:r>
           </a:p>
         </p:txBody>
@@ -2270,7 +2427,7 @@
           <a:p>
             <a:fld id="{FEB6B4B8-4677-024A-8A3A-899E841B8C05}" type="slidenum">
               <a:rPr lang="en-US" smtClean="0"/>
-              <a:t>7</a:t>
+              <a:t>6</a:t>
             </a:fld>
             <a:endParaRPr lang="en-US"/>
           </a:p>
@@ -2279,7 +2436,7 @@
     </p:spTree>
     <p:extLst>
       <p:ext uri="{BB962C8B-B14F-4D97-AF65-F5344CB8AC3E}">
-        <p14:creationId xmlns:p14="http://schemas.microsoft.com/office/powerpoint/2010/main" val="975263106"/>
+        <p14:creationId xmlns:p14="http://schemas.microsoft.com/office/powerpoint/2010/main" val="3810325905"/>
       </p:ext>
     </p:extLst>
   </p:cSld>
@@ -2333,36 +2490,7 @@
           <a:bodyPr/>
           <a:lstStyle/>
           <a:p>
-            <a:r>
-              <a:rPr lang="en-US" dirty="0" smtClean="0"/>
-              <a:t>Calculates </a:t>
-            </a:r>
-            <a:r>
-              <a:rPr lang="en-US" dirty="0"/>
-              <a:t>split points for each file </a:t>
-            </a:r>
-            <a:endParaRPr lang="en-US" dirty="0" smtClean="0"/>
-          </a:p>
-          <a:p>
-            <a:r>
-              <a:rPr lang="en-US" dirty="0" smtClean="0"/>
-              <a:t>by </a:t>
-            </a:r>
-            <a:r>
-              <a:rPr lang="en-US" dirty="0"/>
-              <a:t>jumping over split-size-number-of-bytes and </a:t>
-            </a:r>
-            <a:endParaRPr lang="en-US" dirty="0" smtClean="0"/>
-          </a:p>
-          <a:p>
-            <a:r>
-              <a:rPr lang="en-US" dirty="0" smtClean="0"/>
-              <a:t>then </a:t>
-            </a:r>
-            <a:r>
-              <a:rPr lang="en-US" dirty="0"/>
-              <a:t>searching for the end of a CSV record</a:t>
-            </a:r>
+            <a:endParaRPr lang="en-US" dirty="0"/>
           </a:p>
         </p:txBody>
       </p:sp>
@@ -2383,7 +2511,7 @@
           <a:p>
             <a:fld id="{FEB6B4B8-4677-024A-8A3A-899E841B8C05}" type="slidenum">
               <a:rPr lang="en-US" smtClean="0"/>
-              <a:t>8</a:t>
+              <a:t>7</a:t>
             </a:fld>
             <a:endParaRPr lang="en-US"/>
           </a:p>
@@ -2392,7 +2520,7 @@
     </p:spTree>
     <p:extLst>
       <p:ext uri="{BB962C8B-B14F-4D97-AF65-F5344CB8AC3E}">
-        <p14:creationId xmlns:p14="http://schemas.microsoft.com/office/powerpoint/2010/main" val="3209472612"/>
+        <p14:creationId xmlns:p14="http://schemas.microsoft.com/office/powerpoint/2010/main" val="975263106"/>
       </p:ext>
     </p:extLst>
   </p:cSld>
@@ -2446,27 +2574,35 @@
           <a:bodyPr/>
           <a:lstStyle/>
           <a:p>
-            <a:endParaRPr lang="en-US"/>
-          </a:p>
-          <a:p>
-            <a:r>
-              <a:rPr lang="en-US"/>
-              <a:t>----- Meeting Notes (6/11/14 09:22) -----</a:t>
-            </a:r>
-          </a:p>
-          <a:p>
-            <a:r>
-              <a:rPr lang="en-US"/>
-              <a:t>"Split" in this case is basically file location and a byte location where the split should start and end</a:t>
-            </a:r>
-          </a:p>
-          <a:p>
-            <a:endParaRPr lang="en-US"/>
-          </a:p>
-          <a:p>
-            <a:r>
-              <a:rPr lang="en-US"/>
-              <a:t>Similarly, a record is, conceptually, a byte loaction where the record will start and the contents of that record.</a:t>
+            <a:r>
+              <a:rPr lang="en-US" dirty="0" smtClean="0"/>
+              <a:t>Calculates </a:t>
+            </a:r>
+            <a:r>
+              <a:rPr lang="en-US" dirty="0"/>
+              <a:t>split points for each file </a:t>
+            </a:r>
+            <a:endParaRPr lang="en-US" dirty="0" smtClean="0"/>
+          </a:p>
+          <a:p>
+            <a:r>
+              <a:rPr lang="en-US" dirty="0" smtClean="0"/>
+              <a:t>by </a:t>
+            </a:r>
+            <a:r>
+              <a:rPr lang="en-US" dirty="0"/>
+              <a:t>jumping over split-size-number-of-bytes and </a:t>
+            </a:r>
+            <a:endParaRPr lang="en-US" dirty="0" smtClean="0"/>
+          </a:p>
+          <a:p>
+            <a:r>
+              <a:rPr lang="en-US" dirty="0" smtClean="0"/>
+              <a:t>then </a:t>
+            </a:r>
+            <a:r>
+              <a:rPr lang="en-US" dirty="0"/>
+              <a:t>searching for the end of a CSV record</a:t>
             </a:r>
           </a:p>
         </p:txBody>
@@ -2488,7 +2624,7 @@
           <a:p>
             <a:fld id="{FEB6B4B8-4677-024A-8A3A-899E841B8C05}" type="slidenum">
               <a:rPr lang="en-US" smtClean="0"/>
-              <a:t>10</a:t>
+              <a:t>8</a:t>
             </a:fld>
             <a:endParaRPr lang="en-US"/>
           </a:p>
@@ -2497,7 +2633,7 @@
     </p:spTree>
     <p:extLst>
       <p:ext uri="{BB962C8B-B14F-4D97-AF65-F5344CB8AC3E}">
-        <p14:creationId xmlns:p14="http://schemas.microsoft.com/office/powerpoint/2010/main" val="1944978979"/>
+        <p14:creationId xmlns:p14="http://schemas.microsoft.com/office/powerpoint/2010/main" val="3209472612"/>
       </p:ext>
     </p:extLst>
   </p:cSld>
@@ -2551,18 +2687,39 @@
           <a:bodyPr/>
           <a:lstStyle/>
           <a:p>
-            <a:endParaRPr lang="en-US"/>
-          </a:p>
-          <a:p>
-            <a:r>
-              <a:rPr lang="en-US"/>
-              <a:t>----- Meeting Notes (6/11/14 09:22) -----</a:t>
-            </a:r>
-          </a:p>
-          <a:p>
-            <a:r>
-              <a:rPr lang="en-US"/>
-              <a:t>CSV Record Reader uses similar logic to the Input Format, except that it reads each CSV entry instead of skipping around.</a:t>
+            <a:r>
+              <a:rPr lang="en-US" dirty="0" smtClean="0"/>
+              <a:t>Example from before</a:t>
+            </a:r>
+          </a:p>
+          <a:p>
+            <a:r>
+              <a:rPr lang="en-US" dirty="0" smtClean="0"/>
+              <a:t>Line-by-line processing marks</a:t>
+            </a:r>
+            <a:r>
+              <a:rPr lang="en-US" baseline="0" dirty="0" smtClean="0"/>
+              <a:t> first two split places</a:t>
+            </a:r>
+          </a:p>
+          <a:p>
+            <a:r>
+              <a:rPr lang="en-US" baseline="0" dirty="0" smtClean="0"/>
+              <a:t>Third place is bad</a:t>
+            </a:r>
+          </a:p>
+          <a:p>
+            <a:r>
+              <a:rPr lang="en-US" baseline="0" dirty="0" smtClean="0"/>
+              <a:t>CSV </a:t>
+            </a:r>
+            <a:r>
+              <a:rPr lang="en-US" baseline="0" dirty="0" err="1" smtClean="0"/>
+              <a:t>InputFormat</a:t>
+            </a:r>
+            <a:r>
+              <a:rPr lang="en-US" baseline="0" dirty="0" smtClean="0"/>
+              <a:t> is able to skip to end and mark</a:t>
             </a:r>
           </a:p>
         </p:txBody>
@@ -2584,7 +2741,7 @@
           <a:p>
             <a:fld id="{FEB6B4B8-4677-024A-8A3A-899E841B8C05}" type="slidenum">
               <a:rPr lang="en-US" smtClean="0"/>
-              <a:t>11</a:t>
+              <a:t>9</a:t>
             </a:fld>
             <a:endParaRPr lang="en-US"/>
           </a:p>
@@ -2593,7 +2750,7 @@
     </p:spTree>
     <p:extLst>
       <p:ext uri="{BB962C8B-B14F-4D97-AF65-F5344CB8AC3E}">
-        <p14:creationId xmlns:p14="http://schemas.microsoft.com/office/powerpoint/2010/main" val="2388768391"/>
+        <p14:creationId xmlns:p14="http://schemas.microsoft.com/office/powerpoint/2010/main" val="2946084152"/>
       </p:ext>
     </p:extLst>
   </p:cSld>
@@ -2886,7 +3043,7 @@
           <a:p>
             <a:fld id="{B01F9CA3-105E-4857-9057-6DB6197DA786}" type="datetimeFigureOut">
               <a:rPr lang="en-US" smtClean="0"/>
-              <a:t>8/2/14</a:t>
+              <a:t>8/6/14</a:t>
             </a:fld>
             <a:endParaRPr lang="en-US"/>
           </a:p>
@@ -3078,7 +3235,7 @@
           <a:p>
             <a:fld id="{B01F9CA3-105E-4857-9057-6DB6197DA786}" type="datetimeFigureOut">
               <a:rPr lang="en-US" smtClean="0"/>
-              <a:t>8/2/14</a:t>
+              <a:t>8/6/14</a:t>
             </a:fld>
             <a:endParaRPr lang="en-US"/>
           </a:p>
@@ -3347,7 +3504,7 @@
           <a:p>
             <a:fld id="{B01F9CA3-105E-4857-9057-6DB6197DA786}" type="datetimeFigureOut">
               <a:rPr lang="en-US" smtClean="0"/>
-              <a:t>8/2/14</a:t>
+              <a:t>8/6/14</a:t>
             </a:fld>
             <a:endParaRPr lang="en-US"/>
           </a:p>
@@ -3526,7 +3683,7 @@
           <a:p>
             <a:fld id="{B01F9CA3-105E-4857-9057-6DB6197DA786}" type="datetimeFigureOut">
               <a:rPr lang="en-US" smtClean="0"/>
-              <a:t>8/2/14</a:t>
+              <a:t>8/6/14</a:t>
             </a:fld>
             <a:endParaRPr lang="en-US"/>
           </a:p>
@@ -3695,7 +3852,7 @@
           <a:p>
             <a:fld id="{B01F9CA3-105E-4857-9057-6DB6197DA786}" type="datetimeFigureOut">
               <a:rPr lang="en-US" smtClean="0"/>
-              <a:t>8/2/14</a:t>
+              <a:t>8/6/14</a:t>
             </a:fld>
             <a:endParaRPr lang="en-US"/>
           </a:p>
@@ -3937,7 +4094,7 @@
           <a:p>
             <a:fld id="{B01F9CA3-105E-4857-9057-6DB6197DA786}" type="datetimeFigureOut">
               <a:rPr lang="en-US" smtClean="0"/>
-              <a:t>8/2/14</a:t>
+              <a:t>8/6/14</a:t>
             </a:fld>
             <a:endParaRPr lang="en-US"/>
           </a:p>
@@ -4260,7 +4417,7 @@
           <a:p>
             <a:fld id="{B01F9CA3-105E-4857-9057-6DB6197DA786}" type="datetimeFigureOut">
               <a:rPr lang="en-US" smtClean="0"/>
-              <a:t>8/2/14</a:t>
+              <a:t>8/6/14</a:t>
             </a:fld>
             <a:endParaRPr lang="en-US"/>
           </a:p>
@@ -4558,7 +4715,7 @@
           <a:p>
             <a:fld id="{B01F9CA3-105E-4857-9057-6DB6197DA786}" type="datetimeFigureOut">
               <a:rPr lang="en-US" smtClean="0"/>
-              <a:t>8/2/14</a:t>
+              <a:t>8/6/14</a:t>
             </a:fld>
             <a:endParaRPr lang="en-US"/>
           </a:p>
@@ -5014,7 +5171,7 @@
           <a:p>
             <a:fld id="{B01F9CA3-105E-4857-9057-6DB6197DA786}" type="datetimeFigureOut">
               <a:rPr lang="en-US" smtClean="0"/>
-              <a:t>8/2/14</a:t>
+              <a:t>8/6/14</a:t>
             </a:fld>
             <a:endParaRPr lang="en-US"/>
           </a:p>
@@ -5127,7 +5284,7 @@
           <a:p>
             <a:fld id="{B01F9CA3-105E-4857-9057-6DB6197DA786}" type="datetimeFigureOut">
               <a:rPr lang="en-US" smtClean="0"/>
-              <a:t>8/2/14</a:t>
+              <a:t>8/6/14</a:t>
             </a:fld>
             <a:endParaRPr lang="en-US"/>
           </a:p>
@@ -5217,7 +5374,7 @@
           <a:p>
             <a:fld id="{B01F9CA3-105E-4857-9057-6DB6197DA786}" type="datetimeFigureOut">
               <a:rPr lang="en-US" smtClean="0"/>
-              <a:t>8/2/14</a:t>
+              <a:t>8/6/14</a:t>
             </a:fld>
             <a:endParaRPr lang="en-US"/>
           </a:p>
@@ -5499,7 +5656,7 @@
           <a:p>
             <a:fld id="{B01F9CA3-105E-4857-9057-6DB6197DA786}" type="datetimeFigureOut">
               <a:rPr lang="en-US" smtClean="0"/>
-              <a:t>8/2/14</a:t>
+              <a:t>8/6/14</a:t>
             </a:fld>
             <a:endParaRPr lang="en-US"/>
           </a:p>
@@ -5705,7 +5862,7 @@
           <a:p>
             <a:fld id="{B01F9CA3-105E-4857-9057-6DB6197DA786}" type="datetimeFigureOut">
               <a:rPr lang="en-US" smtClean="0"/>
-              <a:t>8/2/14</a:t>
+              <a:t>8/6/14</a:t>
             </a:fld>
             <a:endParaRPr lang="en-US"/>
           </a:p>
@@ -6343,7 +6500,7 @@
         <p:spPr>
           <a:xfrm>
             <a:off x="675824" y="1600201"/>
-            <a:ext cx="4054936" cy="3416320"/>
+            <a:ext cx="4054936" cy="2862323"/>
           </a:xfrm>
           <a:prstGeom prst="rect">
             <a:avLst/>
@@ -6356,13 +6513,37 @@
           </a:bodyPr>
           <a:lstStyle/>
           <a:p>
-            <a:r>
-              <a:rPr lang="en-US" dirty="0" smtClean="0"/>
-              <a:t>Each record reader is tasked with reading </a:t>
-            </a:r>
+            <a:pPr algn="ctr"/>
             <a:r>
               <a:rPr lang="en-US" b="1" dirty="0" smtClean="0"/>
-              <a:t>one split </a:t>
+              <a:t>Record Readers have </a:t>
+            </a:r>
+            <a:r>
+              <a:rPr lang="en-US" b="1" dirty="0"/>
+              <a:t>two main responsibilities</a:t>
+            </a:r>
+          </a:p>
+          <a:p>
+            <a:pPr algn="ctr"/>
+            <a:endParaRPr lang="en-US" dirty="0" smtClean="0"/>
+          </a:p>
+          <a:p>
+            <a:pPr algn="ctr"/>
+            <a:endParaRPr lang="en-US" dirty="0"/>
+          </a:p>
+          <a:p>
+            <a:pPr algn="ctr"/>
+            <a:r>
+              <a:rPr lang="en-US" dirty="0" smtClean="0"/>
+              <a:t>1. Read </a:t>
+            </a:r>
+            <a:r>
+              <a:rPr lang="en-US" b="1" dirty="0" smtClean="0"/>
+              <a:t>one </a:t>
+            </a:r>
+            <a:r>
+              <a:rPr lang="en-US" b="1" dirty="0" smtClean="0"/>
+              <a:t>split </a:t>
             </a:r>
             <a:r>
               <a:rPr lang="en-US" dirty="0" smtClean="0"/>
@@ -6370,12 +6551,30 @@
             </a:r>
           </a:p>
           <a:p>
+            <a:pPr algn="ctr"/>
+            <a:endParaRPr lang="en-US" dirty="0" smtClean="0"/>
+          </a:p>
+          <a:p>
+            <a:pPr algn="ctr"/>
             <a:endParaRPr lang="en-US" dirty="0"/>
           </a:p>
           <a:p>
-            <a:r>
-              <a:rPr lang="en-US" dirty="0" smtClean="0"/>
-              <a:t>The record reader must parse the raw data in the split into “</a:t>
+            <a:pPr algn="ctr"/>
+            <a:r>
+              <a:rPr lang="en-US" dirty="0" smtClean="0"/>
+              <a:t>2. Parse the </a:t>
+            </a:r>
+            <a:r>
+              <a:rPr lang="en-US" dirty="0" smtClean="0"/>
+              <a:t>raw data </a:t>
+            </a:r>
+            <a:r>
+              <a:rPr lang="en-US" dirty="0" smtClean="0"/>
+              <a:t>into </a:t>
+            </a:r>
+            <a:r>
+              <a:rPr lang="en-US" dirty="0" smtClean="0"/>
+              <a:t>“</a:t>
             </a:r>
             <a:r>
               <a:rPr lang="en-US" b="1" dirty="0" smtClean="0"/>
@@ -6383,30 +6582,7 @@
             </a:r>
             <a:r>
               <a:rPr lang="en-US" dirty="0" smtClean="0"/>
-              <a:t>”, which are key-value pairs. </a:t>
-            </a:r>
-          </a:p>
-          <a:p>
-            <a:endParaRPr lang="en-US" dirty="0"/>
-          </a:p>
-          <a:p>
-            <a:r>
-              <a:rPr lang="en-US" b="1" dirty="0" smtClean="0"/>
-              <a:t>Key: </a:t>
-            </a:r>
-            <a:r>
-              <a:rPr lang="en-US" dirty="0" smtClean="0"/>
-              <a:t>Byte location in the file where this record starts</a:t>
-            </a:r>
-          </a:p>
-          <a:p>
-            <a:r>
-              <a:rPr lang="en-US" b="1" dirty="0" smtClean="0"/>
-              <a:t>Value: </a:t>
-            </a:r>
-            <a:r>
-              <a:rPr lang="en-US" dirty="0" smtClean="0"/>
-              <a:t>The content starting at that byte until the next record. </a:t>
+              <a:t>”</a:t>
             </a:r>
             <a:endParaRPr lang="en-US" dirty="0"/>
           </a:p>
@@ -6484,13 +6660,22 @@
         </p:nvSpPr>
         <p:spPr/>
         <p:txBody>
-          <a:bodyPr/>
-          <a:lstStyle/>
-          <a:p>
-            <a:r>
-              <a:rPr lang="en-US" dirty="0" smtClean="0"/>
-              <a:t>This class is essentially an iterator over the portion of CSV file which it is assigned to</a:t>
-            </a:r>
+          <a:bodyPr>
+            <a:normAutofit/>
+          </a:bodyPr>
+          <a:lstStyle/>
+          <a:p>
+            <a:r>
+              <a:rPr lang="en-US" dirty="0" smtClean="0"/>
+              <a:t>This class is essentially an iterator over the portion of CSV file which it is assigned </a:t>
+            </a:r>
+            <a:r>
+              <a:rPr lang="en-US" dirty="0" smtClean="0"/>
+              <a:t>to</a:t>
+            </a:r>
+          </a:p>
+          <a:p>
+            <a:endParaRPr lang="en-US" dirty="0" smtClean="0"/>
           </a:p>
           <a:p>
             <a:r>
@@ -6499,9 +6684,24 @@
             </a:r>
           </a:p>
           <a:p>
-            <a:r>
-              <a:rPr lang="en-US" dirty="0" smtClean="0"/>
-              <a:t>And, as required, provides successive key (position) and value (record) pairs until the end of the split or of the file is reached</a:t>
+            <a:endParaRPr lang="en-US" dirty="0" smtClean="0"/>
+          </a:p>
+          <a:p>
+            <a:r>
+              <a:rPr lang="en-US" dirty="0" smtClean="0"/>
+              <a:t>Immediately begins parsing records until </a:t>
+            </a:r>
+            <a:r>
+              <a:rPr lang="en-US" dirty="0" smtClean="0"/>
+              <a:t>the end of the split </a:t>
+            </a:r>
+            <a:r>
+              <a:rPr lang="en-US" dirty="0" smtClean="0"/>
+              <a:t>or file </a:t>
+            </a:r>
+            <a:r>
+              <a:rPr lang="en-US" dirty="0" smtClean="0"/>
+              <a:t>is reached</a:t>
             </a:r>
             <a:endParaRPr lang="en-US" dirty="0"/>
           </a:p>
@@ -7153,7 +7353,7 @@
           <a:p>
             <a:r>
               <a:rPr lang="en-US" dirty="0" smtClean="0"/>
-              <a:t>Extra</a:t>
+              <a:t>Crunch File Source</a:t>
             </a:r>
             <a:endParaRPr lang="en-US" dirty="0"/>
           </a:p>
@@ -7256,24 +7456,26 @@
         </p:nvSpPr>
         <p:spPr/>
         <p:txBody>
-          <a:bodyPr/>
-          <a:lstStyle/>
-          <a:p>
-            <a:r>
-              <a:rPr lang="en-US" dirty="0" smtClean="0"/>
-              <a:t>A File Source </a:t>
-            </a:r>
-            <a:r>
-              <a:rPr lang="en-US" b="1" dirty="0" smtClean="0"/>
-              <a:t>marks an Input Format for use </a:t>
-            </a:r>
-            <a:r>
-              <a:rPr lang="en-US" dirty="0" smtClean="0"/>
-              <a:t>in a job and </a:t>
-            </a:r>
-            <a:r>
-              <a:rPr lang="en-US" b="1" dirty="0" smtClean="0"/>
-              <a:t>takes care of configuration</a:t>
+          <a:bodyPr>
+            <a:normAutofit/>
+          </a:bodyPr>
+          <a:lstStyle/>
+          <a:p>
+            <a:r>
+              <a:rPr lang="en-US" dirty="0"/>
+              <a:t>An Input Format </a:t>
+            </a:r>
+            <a:r>
+              <a:rPr lang="en-US" b="1" dirty="0"/>
+              <a:t>splits an input file </a:t>
+            </a:r>
+            <a:r>
+              <a:rPr lang="en-US" dirty="0"/>
+              <a:t>and also creates and </a:t>
+            </a:r>
+            <a:r>
+              <a:rPr lang="en-US" b="1" dirty="0"/>
+              <a:t>configures a Record Reader</a:t>
             </a:r>
             <a:r>
               <a:rPr lang="en-US" dirty="0" smtClean="0"/>
@@ -7281,39 +7483,9 @@
             </a:r>
           </a:p>
           <a:p>
-            <a:endParaRPr lang="en-US" dirty="0"/>
-          </a:p>
-          <a:p>
-            <a:r>
-              <a:rPr lang="en-US" dirty="0" smtClean="0"/>
-              <a:t>An Input Format </a:t>
-            </a:r>
-            <a:r>
-              <a:rPr lang="en-US" b="1" dirty="0" smtClean="0"/>
-              <a:t>splits an input file </a:t>
-            </a:r>
-            <a:r>
-              <a:rPr lang="en-US" dirty="0" smtClean="0"/>
-              <a:t>and also creates and </a:t>
-            </a:r>
-            <a:r>
-              <a:rPr lang="en-US" b="1" dirty="0" smtClean="0"/>
-              <a:t>configures a </a:t>
-            </a:r>
-            <a:r>
-              <a:rPr lang="en-US" b="1" dirty="0"/>
-              <a:t>R</a:t>
-            </a:r>
-            <a:r>
-              <a:rPr lang="en-US" b="1" dirty="0" smtClean="0"/>
-              <a:t>ecord Reader</a:t>
-            </a:r>
-            <a:r>
-              <a:rPr lang="en-US" dirty="0" smtClean="0"/>
-              <a:t>.</a:t>
-            </a:r>
-          </a:p>
-          <a:p>
+            <a:pPr marL="0" indent="0">
+              <a:buNone/>
+            </a:pPr>
             <a:endParaRPr lang="en-US" b="1" dirty="0" smtClean="0"/>
           </a:p>
           <a:p>
@@ -7327,8 +7499,43 @@
             </a:r>
             <a:r>
               <a:rPr lang="en-US" dirty="0" smtClean="0"/>
-              <a:t>and returns them.</a:t>
-            </a:r>
+              <a:t>and returns them</a:t>
+            </a:r>
+            <a:r>
+              <a:rPr lang="en-US" dirty="0" smtClean="0"/>
+              <a:t>.</a:t>
+            </a:r>
+          </a:p>
+          <a:p>
+            <a:endParaRPr lang="en-US" dirty="0" smtClean="0"/>
+          </a:p>
+          <a:p>
+            <a:r>
+              <a:rPr lang="en-US" dirty="0" smtClean="0"/>
+              <a:t>A </a:t>
+            </a:r>
+            <a:r>
+              <a:rPr lang="en-US" dirty="0"/>
+              <a:t>File Source </a:t>
+            </a:r>
+            <a:r>
+              <a:rPr lang="en-US" b="1" dirty="0"/>
+              <a:t>marks an Input Format for use </a:t>
+            </a:r>
+            <a:r>
+              <a:rPr lang="en-US" dirty="0"/>
+              <a:t>in a job and </a:t>
+            </a:r>
+            <a:r>
+              <a:rPr lang="en-US" b="1" dirty="0"/>
+              <a:t>takes care of configuration</a:t>
+            </a:r>
+            <a:r>
+              <a:rPr lang="en-US" dirty="0"/>
+              <a:t>.</a:t>
+            </a:r>
+          </a:p>
+          <a:p>
             <a:endParaRPr lang="en-US" dirty="0"/>
           </a:p>
         </p:txBody>
@@ -7497,7 +7704,7 @@
           <a:p>
             <a:r>
               <a:rPr lang="en-US" dirty="0" smtClean="0"/>
-              <a:t>What did we learn?</a:t>
+              <a:t>What I learned</a:t>
             </a:r>
             <a:endParaRPr lang="en-US" dirty="0"/>
           </a:p>
@@ -7536,11 +7743,7 @@
             </a:r>
             <a:r>
               <a:rPr lang="en-US" dirty="0" smtClean="0"/>
-              <a:t> Input </a:t>
-            </a:r>
-            <a:r>
-              <a:rPr lang="en-US" dirty="0" smtClean="0"/>
-              <a:t>Format. </a:t>
+              <a:t> Input Format. </a:t>
             </a:r>
           </a:p>
           <a:p>
@@ -7569,23 +7772,7 @@
           <a:p>
             <a:r>
               <a:rPr lang="en-US" dirty="0" smtClean="0"/>
-              <a:t>Knowing a source </a:t>
-            </a:r>
-            <a:r>
-              <a:rPr lang="en-US" dirty="0" smtClean="0"/>
-              <a:t>well means </a:t>
-            </a:r>
-            <a:r>
-              <a:rPr lang="en-US" dirty="0" smtClean="0"/>
-              <a:t>knowing where it can be split for distribution and </a:t>
-            </a:r>
-            <a:r>
-              <a:rPr lang="en-US" dirty="0" smtClean="0"/>
-              <a:t>how it </a:t>
-            </a:r>
-            <a:r>
-              <a:rPr lang="en-US" dirty="0" smtClean="0"/>
-              <a:t>can be broken into records.</a:t>
+              <a:t>Knowing a source well means knowing where it can be split for distribution and how it can be broken into records.</a:t>
             </a:r>
           </a:p>
           <a:p>
@@ -7873,17 +8060,29 @@
           <a:p>
             <a:r>
               <a:rPr lang="en-US" dirty="0" smtClean="0"/>
-              <a:t>They don’t have to be “comma separated values”</a:t>
-            </a:r>
-          </a:p>
-          <a:p>
+              <a:t>They don’t have to be “Comma </a:t>
+            </a:r>
+            <a:r>
+              <a:rPr lang="en-US" dirty="0"/>
+              <a:t>S</a:t>
+            </a:r>
+            <a:r>
+              <a:rPr lang="en-US" dirty="0" smtClean="0"/>
+              <a:t>eparated </a:t>
+            </a:r>
+            <a:r>
+              <a:rPr lang="en-US" dirty="0"/>
+              <a:t>V</a:t>
+            </a:r>
+            <a:r>
+              <a:rPr lang="en-US" dirty="0" smtClean="0"/>
+              <a:t>alues</a:t>
+            </a:r>
+            <a:r>
+              <a:rPr lang="en-US" dirty="0" smtClean="0"/>
+              <a:t>”</a:t>
+            </a:r>
             <a:endParaRPr lang="en-US" dirty="0" smtClean="0"/>
-          </a:p>
-          <a:p>
-            <a:r>
-              <a:rPr lang="en-US" dirty="0" smtClean="0"/>
-              <a:t>They have optional header rows</a:t>
-            </a:r>
           </a:p>
           <a:p>
             <a:endParaRPr lang="en-US" dirty="0" smtClean="0"/>
@@ -7900,6 +8099,39 @@
             <a:r>
               <a:rPr lang="en-US" dirty="0" smtClean="0"/>
               <a:t>…</a:t>
+            </a:r>
+          </a:p>
+          <a:p>
+            <a:endParaRPr lang="en-US" dirty="0" smtClean="0"/>
+          </a:p>
+          <a:p>
+            <a:r>
+              <a:rPr lang="en-US" dirty="0" smtClean="0"/>
+              <a:t>Crunch’s </a:t>
+            </a:r>
+            <a:r>
+              <a:rPr lang="en-US" dirty="0" err="1" smtClean="0"/>
+              <a:t>TextFileSource</a:t>
+            </a:r>
+            <a:r>
+              <a:rPr lang="en-US" dirty="0" smtClean="0"/>
+              <a:t> and </a:t>
+            </a:r>
+            <a:r>
+              <a:rPr lang="en-US" dirty="0" err="1" smtClean="0"/>
+              <a:t>Hadoop’s</a:t>
+            </a:r>
+            <a:r>
+              <a:rPr lang="en-US" dirty="0" smtClean="0"/>
+              <a:t> </a:t>
+            </a:r>
+            <a:r>
+              <a:rPr lang="en-US" dirty="0" err="1" smtClean="0"/>
+              <a:t>TextInputFormat</a:t>
+            </a:r>
+            <a:r>
+              <a:rPr lang="en-US" dirty="0" smtClean="0"/>
+              <a:t> cannot handle this.</a:t>
             </a:r>
             <a:endParaRPr lang="en-US" dirty="0"/>
           </a:p>
@@ -7981,8 +8213,12 @@
           </a:lstStyle>
           <a:p>
             <a:r>
-              <a:rPr lang="en-US" dirty="0" smtClean="0"/>
-              <a:t>Input</a:t>
+              <a:rPr lang="en-US" dirty="0" err="1" smtClean="0"/>
+              <a:t>MapReduce</a:t>
+            </a:r>
+            <a:r>
+              <a:rPr lang="en-US" dirty="0" smtClean="0"/>
+              <a:t> Flow</a:t>
             </a:r>
             <a:endParaRPr lang="en-US" dirty="0"/>
           </a:p>
@@ -7997,7 +8233,7 @@
           <p:nvPr/>
         </p:nvPicPr>
         <p:blipFill>
-          <a:blip r:embed="rId2"/>
+          <a:blip r:embed="rId3"/>
           <a:stretch>
             <a:fillRect/>
           </a:stretch>
@@ -8119,12 +8355,12 @@
           <a:p>
             <a:pPr algn="ctr"/>
             <a:r>
-              <a:rPr lang="en-US" b="1" dirty="0" err="1" smtClean="0"/>
-              <a:t>InputFormats</a:t>
-            </a:r>
-            <a:r>
               <a:rPr lang="en-US" b="1" dirty="0" smtClean="0"/>
-              <a:t> have two main responsibilities</a:t>
+              <a:t>Input Formats </a:t>
+            </a:r>
+            <a:r>
+              <a:rPr lang="en-US" b="1" dirty="0" smtClean="0"/>
+              <a:t>have two main responsibilities</a:t>
             </a:r>
           </a:p>
           <a:p>
@@ -8250,25 +8486,24 @@
           <a:p>
             <a:r>
               <a:rPr lang="en-US" dirty="0" smtClean="0"/>
-              <a:t>This class splits up input CSV files</a:t>
-            </a:r>
-          </a:p>
-          <a:p>
-            <a:r>
-              <a:rPr lang="en-US" dirty="0" smtClean="0"/>
-              <a:t>Start at the beginning of the file and seek ahead an amount determined by a desired “split size”</a:t>
-            </a:r>
-          </a:p>
-          <a:p>
-            <a:r>
-              <a:rPr lang="en-US" dirty="0" smtClean="0"/>
-              <a:t>Seek to the end of that line</a:t>
-            </a:r>
-          </a:p>
-          <a:p>
-            <a:r>
-              <a:rPr lang="en-US" dirty="0" smtClean="0"/>
-              <a:t>Use a CSV utility class to determine if it is inside a CSV record (seek to the end if so) and mark the file for splitting</a:t>
+              <a:t>Start </a:t>
+            </a:r>
+            <a:r>
+              <a:rPr lang="en-US" dirty="0" smtClean="0"/>
+              <a:t>at the beginning of the file and seek ahead an amount determined by a desired “split size”</a:t>
+            </a:r>
+          </a:p>
+          <a:p>
+            <a:endParaRPr lang="en-US" dirty="0" smtClean="0"/>
+          </a:p>
+          <a:p>
+            <a:r>
+              <a:rPr lang="en-US" dirty="0" smtClean="0"/>
+              <a:t>Use </a:t>
+            </a:r>
+            <a:r>
+              <a:rPr lang="en-US" dirty="0" smtClean="0"/>
+              <a:t>a CSV utility class to determine if it is inside a CSV record (seek to the end if so) and mark the file for splitting</a:t>
             </a:r>
             <a:endParaRPr lang="en-US" dirty="0"/>
           </a:p>
@@ -8371,7 +8606,7 @@
           <p:nvPr/>
         </p:nvPicPr>
         <p:blipFill>
-          <a:blip r:embed="rId2"/>
+          <a:blip r:embed="rId3"/>
           <a:stretch>
             <a:fillRect/>
           </a:stretch>

--- a/BigDataTalk.pptx
+++ b/BigDataTalk.pptx
@@ -5,29 +5,28 @@
     <p:sldMasterId id="2147483660" r:id="rId1"/>
   </p:sldMasterIdLst>
   <p:notesMasterIdLst>
-    <p:notesMasterId r:id="rId22"/>
+    <p:notesMasterId r:id="rId21"/>
   </p:notesMasterIdLst>
   <p:sldIdLst>
     <p:sldId id="271" r:id="rId2"/>
     <p:sldId id="281" r:id="rId3"/>
     <p:sldId id="273" r:id="rId4"/>
-    <p:sldId id="260" r:id="rId5"/>
-    <p:sldId id="272" r:id="rId6"/>
-    <p:sldId id="261" r:id="rId7"/>
-    <p:sldId id="262" r:id="rId8"/>
-    <p:sldId id="263" r:id="rId9"/>
-    <p:sldId id="264" r:id="rId10"/>
-    <p:sldId id="265" r:id="rId11"/>
-    <p:sldId id="266" r:id="rId12"/>
-    <p:sldId id="267" r:id="rId13"/>
-    <p:sldId id="276" r:id="rId14"/>
-    <p:sldId id="274" r:id="rId15"/>
-    <p:sldId id="275" r:id="rId16"/>
-    <p:sldId id="277" r:id="rId17"/>
-    <p:sldId id="278" r:id="rId18"/>
-    <p:sldId id="279" r:id="rId19"/>
-    <p:sldId id="282" r:id="rId20"/>
-    <p:sldId id="280" r:id="rId21"/>
+    <p:sldId id="272" r:id="rId5"/>
+    <p:sldId id="261" r:id="rId6"/>
+    <p:sldId id="262" r:id="rId7"/>
+    <p:sldId id="263" r:id="rId8"/>
+    <p:sldId id="264" r:id="rId9"/>
+    <p:sldId id="265" r:id="rId10"/>
+    <p:sldId id="266" r:id="rId11"/>
+    <p:sldId id="267" r:id="rId12"/>
+    <p:sldId id="276" r:id="rId13"/>
+    <p:sldId id="274" r:id="rId14"/>
+    <p:sldId id="275" r:id="rId15"/>
+    <p:sldId id="277" r:id="rId16"/>
+    <p:sldId id="278" r:id="rId17"/>
+    <p:sldId id="279" r:id="rId18"/>
+    <p:sldId id="282" r:id="rId19"/>
+    <p:sldId id="280" r:id="rId20"/>
   </p:sldIdLst>
   <p:sldSz cx="9144000" cy="6858000" type="screen4x3"/>
   <p:notesSz cx="6858000" cy="9144000"/>
@@ -637,7 +636,7 @@
           <a:p>
             <a:r>
               <a:rPr lang="en-US" dirty="0" smtClean="0"/>
-              <a:t>Record readers</a:t>
+              <a:t>Input Format is smart enough to know where a record ends</a:t>
             </a:r>
           </a:p>
           <a:p>
@@ -646,16 +645,7 @@
           <a:p>
             <a:r>
               <a:rPr lang="en-US" dirty="0" smtClean="0"/>
-              <a:t>Read their split</a:t>
-            </a:r>
-          </a:p>
-          <a:p>
-            <a:endParaRPr lang="en-US" dirty="0" smtClean="0"/>
-          </a:p>
-          <a:p>
-            <a:r>
-              <a:rPr lang="en-US" dirty="0" smtClean="0"/>
-              <a:t>Parse raw data into “Records”</a:t>
+              <a:t>Record Reader can start reading immediately</a:t>
             </a:r>
             <a:endParaRPr lang="en-US" dirty="0"/>
           </a:p>
@@ -687,7 +677,7 @@
     </p:spTree>
     <p:extLst>
       <p:ext uri="{BB962C8B-B14F-4D97-AF65-F5344CB8AC3E}">
-        <p14:creationId xmlns:p14="http://schemas.microsoft.com/office/powerpoint/2010/main" val="1944978979"/>
+        <p14:creationId xmlns:p14="http://schemas.microsoft.com/office/powerpoint/2010/main" val="2388768391"/>
       </p:ext>
     </p:extLst>
   </p:cSld>
@@ -743,18 +733,52 @@
           <a:p>
             <a:r>
               <a:rPr lang="en-US" dirty="0" smtClean="0"/>
-              <a:t>Input Format is smart enough to know where a record ends</a:t>
-            </a:r>
-          </a:p>
-          <a:p>
-            <a:endParaRPr lang="en-US" dirty="0" smtClean="0"/>
-          </a:p>
-          <a:p>
-            <a:r>
-              <a:rPr lang="en-US" dirty="0" smtClean="0"/>
-              <a:t>Record Reader can start reading immediately</a:t>
-            </a:r>
-            <a:endParaRPr lang="en-US" dirty="0"/>
+              <a:t>That’s </a:t>
+            </a:r>
+            <a:r>
+              <a:rPr lang="en-US" baseline="0" dirty="0" smtClean="0"/>
+              <a:t>great, we now have a </a:t>
+            </a:r>
+            <a:r>
+              <a:rPr lang="en-US" baseline="0" dirty="0" err="1" smtClean="0"/>
+              <a:t>hadoop</a:t>
+            </a:r>
+            <a:r>
+              <a:rPr lang="en-US" baseline="0" dirty="0" smtClean="0"/>
+              <a:t> </a:t>
+            </a:r>
+            <a:r>
+              <a:rPr lang="en-US" baseline="0" dirty="0" err="1" smtClean="0"/>
+              <a:t>InputFormat</a:t>
+            </a:r>
+            <a:r>
+              <a:rPr lang="en-US" baseline="0" dirty="0" smtClean="0"/>
+              <a:t> </a:t>
+            </a:r>
+          </a:p>
+          <a:p>
+            <a:r>
+              <a:rPr lang="en-US" baseline="0" dirty="0" smtClean="0"/>
+              <a:t>Can split</a:t>
+            </a:r>
+          </a:p>
+          <a:p>
+            <a:r>
+              <a:rPr lang="en-US" baseline="0" dirty="0" smtClean="0"/>
+              <a:t>Can distribute</a:t>
+            </a:r>
+          </a:p>
+          <a:p>
+            <a:r>
+              <a:rPr lang="en-US" baseline="0" dirty="0" smtClean="0"/>
+              <a:t>Can parse </a:t>
+            </a:r>
+          </a:p>
+          <a:p>
+            <a:r>
+              <a:rPr lang="en-US" baseline="0" smtClean="0"/>
+              <a:t>CSV</a:t>
+            </a:r>
           </a:p>
         </p:txBody>
       </p:sp>
@@ -784,7 +808,7 @@
     </p:spTree>
     <p:extLst>
       <p:ext uri="{BB962C8B-B14F-4D97-AF65-F5344CB8AC3E}">
-        <p14:creationId xmlns:p14="http://schemas.microsoft.com/office/powerpoint/2010/main" val="2388768391"/>
+        <p14:creationId xmlns:p14="http://schemas.microsoft.com/office/powerpoint/2010/main" val="2431220996"/>
       </p:ext>
     </p:extLst>
   </p:cSld>
@@ -839,53 +863,74 @@
           <a:lstStyle/>
           <a:p>
             <a:r>
-              <a:rPr lang="en-US" dirty="0" smtClean="0"/>
-              <a:t>That’s </a:t>
-            </a:r>
-            <a:r>
               <a:rPr lang="en-US" baseline="0" dirty="0" smtClean="0"/>
-              <a:t>great, we now have a </a:t>
+              <a:t>Mention utility class</a:t>
+            </a:r>
+            <a:endParaRPr lang="en-US" baseline="0" dirty="0" smtClean="0"/>
+          </a:p>
+          <a:p>
+            <a:r>
+              <a:rPr lang="en-US" baseline="0" dirty="0" smtClean="0"/>
+              <a:t>This works, currently in content-processing</a:t>
+            </a:r>
+          </a:p>
+          <a:p>
+            <a:r>
+              <a:rPr lang="en-US" baseline="0" dirty="0" smtClean="0"/>
+              <a:t>NOT </a:t>
+            </a:r>
+            <a:r>
+              <a:rPr lang="en-US" baseline="0" dirty="0" smtClean="0"/>
+              <a:t>easily configurable. </a:t>
+            </a:r>
+          </a:p>
+          <a:p>
+            <a:endParaRPr lang="en-US" baseline="0" dirty="0" smtClean="0"/>
+          </a:p>
+          <a:p>
+            <a:r>
+              <a:rPr lang="en-US" baseline="0" dirty="0" smtClean="0"/>
+              <a:t>(</a:t>
+            </a:r>
+            <a:r>
+              <a:rPr lang="en-US" baseline="0" dirty="0" smtClean="0"/>
+              <a:t>tab separated values, file encoding, custom control characters, </a:t>
             </a:r>
             <a:r>
               <a:rPr lang="en-US" baseline="0" dirty="0" err="1" smtClean="0"/>
-              <a:t>hadoop</a:t>
+              <a:t>etc</a:t>
             </a:r>
             <a:r>
               <a:rPr lang="en-US" baseline="0" dirty="0" smtClean="0"/>
-              <a:t> </a:t>
+              <a:t>)</a:t>
+            </a:r>
+          </a:p>
+          <a:p>
+            <a:r>
+              <a:rPr lang="en-US" baseline="0" dirty="0" smtClean="0"/>
+              <a:t>Users must manually set options</a:t>
+            </a:r>
+          </a:p>
+          <a:p>
+            <a:r>
+              <a:rPr lang="en-US" baseline="0" dirty="0" smtClean="0"/>
+              <a:t>In </a:t>
             </a:r>
             <a:r>
               <a:rPr lang="en-US" baseline="0" dirty="0" err="1" smtClean="0"/>
-              <a:t>InputFormat</a:t>
+              <a:t>hadop</a:t>
             </a:r>
             <a:r>
               <a:rPr lang="en-US" baseline="0" dirty="0" smtClean="0"/>
-              <a:t> </a:t>
+              <a:t> job configuration</a:t>
             </a:r>
           </a:p>
           <a:p>
             <a:r>
               <a:rPr lang="en-US" baseline="0" dirty="0" smtClean="0"/>
-              <a:t>Can split</a:t>
-            </a:r>
-          </a:p>
-          <a:p>
-            <a:r>
-              <a:rPr lang="en-US" baseline="0" dirty="0" smtClean="0"/>
-              <a:t>Can distribute</a:t>
-            </a:r>
-          </a:p>
-          <a:p>
-            <a:r>
-              <a:rPr lang="en-US" baseline="0" dirty="0" smtClean="0"/>
-              <a:t>Can parse </a:t>
-            </a:r>
-          </a:p>
-          <a:p>
-            <a:r>
-              <a:rPr lang="en-US" baseline="0" smtClean="0"/>
-              <a:t>CSV</a:t>
-            </a:r>
+              <a:t>Right now, options hard coded into input format</a:t>
+            </a:r>
+            <a:endParaRPr lang="en-US" dirty="0"/>
           </a:p>
         </p:txBody>
       </p:sp>
@@ -915,7 +960,7 @@
     </p:spTree>
     <p:extLst>
       <p:ext uri="{BB962C8B-B14F-4D97-AF65-F5344CB8AC3E}">
-        <p14:creationId xmlns:p14="http://schemas.microsoft.com/office/powerpoint/2010/main" val="2431220996"/>
+        <p14:creationId xmlns:p14="http://schemas.microsoft.com/office/powerpoint/2010/main" val="1124803109"/>
       </p:ext>
     </p:extLst>
   </p:cSld>
@@ -970,73 +1015,43 @@
           <a:lstStyle/>
           <a:p>
             <a:r>
+              <a:rPr lang="en-US" dirty="0" smtClean="0"/>
+              <a:t>Now… Crunch</a:t>
+            </a:r>
+          </a:p>
+          <a:p>
+            <a:endParaRPr lang="en-US" dirty="0" smtClean="0"/>
+          </a:p>
+          <a:p>
+            <a:r>
+              <a:rPr lang="en-US" dirty="0" smtClean="0"/>
+              <a:t>Crunch takes</a:t>
+            </a:r>
+            <a:r>
               <a:rPr lang="en-US" baseline="0" dirty="0" smtClean="0"/>
-              <a:t>Mention utility class</a:t>
-            </a:r>
-            <a:endParaRPr lang="en-US" baseline="0" dirty="0" smtClean="0"/>
-          </a:p>
-          <a:p>
-            <a:r>
+              <a:t> care of configuration in a sane way. </a:t>
+            </a:r>
+            <a:br>
               <a:rPr lang="en-US" baseline="0" dirty="0" smtClean="0"/>
-              <a:t>This works, currently in content-processing</a:t>
-            </a:r>
-          </a:p>
-          <a:p>
+            </a:br>
             <a:r>
               <a:rPr lang="en-US" baseline="0" dirty="0" smtClean="0"/>
-              <a:t>NOT </a:t>
+              <a:t>Crunch </a:t>
             </a:r>
             <a:r>
               <a:rPr lang="en-US" baseline="0" dirty="0" smtClean="0"/>
-              <a:t>easily configurable. </a:t>
-            </a:r>
-          </a:p>
-          <a:p>
-            <a:endParaRPr lang="en-US" baseline="0" dirty="0" smtClean="0"/>
-          </a:p>
-          <a:p>
+              <a:t>takes </a:t>
+            </a:r>
             <a:r>
               <a:rPr lang="en-US" baseline="0" dirty="0" smtClean="0"/>
-              <a:t>(</a:t>
+              <a:t>configuration </a:t>
             </a:r>
             <a:r>
               <a:rPr lang="en-US" baseline="0" dirty="0" smtClean="0"/>
-              <a:t>tab separated values, file encoding, custom control characters, </a:t>
-            </a:r>
-            <a:r>
-              <a:rPr lang="en-US" baseline="0" dirty="0" err="1" smtClean="0"/>
-              <a:t>etc</a:t>
-            </a:r>
-            <a:r>
-              <a:rPr lang="en-US" baseline="0" dirty="0" smtClean="0"/>
-              <a:t>)</a:t>
-            </a:r>
-          </a:p>
-          <a:p>
-            <a:r>
-              <a:rPr lang="en-US" baseline="0" dirty="0" smtClean="0"/>
-              <a:t>Users must manually set options</a:t>
-            </a:r>
-          </a:p>
-          <a:p>
-            <a:r>
-              <a:rPr lang="en-US" baseline="0" dirty="0" smtClean="0"/>
-              <a:t>In </a:t>
-            </a:r>
-            <a:r>
-              <a:rPr lang="en-US" baseline="0" dirty="0" err="1" smtClean="0"/>
-              <a:t>hadop</a:t>
-            </a:r>
-            <a:r>
-              <a:rPr lang="en-US" baseline="0" dirty="0" smtClean="0"/>
-              <a:t> job configuration</a:t>
-            </a:r>
-          </a:p>
-          <a:p>
-            <a:r>
-              <a:rPr lang="en-US" baseline="0" dirty="0" smtClean="0"/>
-              <a:t>Right now, options hard coded into input format</a:t>
-            </a:r>
+              <a:t>for you and uses input format</a:t>
+            </a:r>
+          </a:p>
+          <a:p>
             <a:endParaRPr lang="en-US" dirty="0"/>
           </a:p>
         </p:txBody>
@@ -1067,7 +1082,7 @@
     </p:spTree>
     <p:extLst>
       <p:ext uri="{BB962C8B-B14F-4D97-AF65-F5344CB8AC3E}">
-        <p14:creationId xmlns:p14="http://schemas.microsoft.com/office/powerpoint/2010/main" val="1124803109"/>
+        <p14:creationId xmlns:p14="http://schemas.microsoft.com/office/powerpoint/2010/main" val="3650223693"/>
       </p:ext>
     </p:extLst>
   </p:cSld>
@@ -1123,42 +1138,29 @@
           <a:p>
             <a:r>
               <a:rPr lang="en-US" dirty="0" smtClean="0"/>
-              <a:t>Now… Crunch</a:t>
-            </a:r>
-          </a:p>
-          <a:p>
-            <a:endParaRPr lang="en-US" dirty="0" smtClean="0"/>
-          </a:p>
-          <a:p>
-            <a:r>
-              <a:rPr lang="en-US" dirty="0" smtClean="0"/>
-              <a:t>Crunch takes</a:t>
+              <a:t>So,</a:t>
             </a:r>
             <a:r>
               <a:rPr lang="en-US" baseline="0" dirty="0" smtClean="0"/>
-              <a:t> care of configuration in a sane way. </a:t>
-            </a:r>
-            <a:br>
+              <a:t> What do we need?</a:t>
+            </a:r>
+          </a:p>
+          <a:p>
+            <a:endParaRPr lang="en-US" baseline="0" dirty="0" smtClean="0"/>
+          </a:p>
+          <a:p>
+            <a:r>
               <a:rPr lang="en-US" baseline="0" dirty="0" smtClean="0"/>
-            </a:br>
+              <a:t>we start with the three classes required for the </a:t>
+            </a:r>
+            <a:r>
+              <a:rPr lang="en-US" baseline="0" dirty="0" err="1" smtClean="0"/>
+              <a:t>hadoop</a:t>
+            </a:r>
             <a:r>
               <a:rPr lang="en-US" baseline="0" dirty="0" smtClean="0"/>
-              <a:t>Crunch </a:t>
-            </a:r>
-            <a:r>
-              <a:rPr lang="en-US" baseline="0" dirty="0" smtClean="0"/>
-              <a:t>takes </a:t>
-            </a:r>
-            <a:r>
-              <a:rPr lang="en-US" baseline="0" dirty="0" smtClean="0"/>
-              <a:t>configuration </a:t>
-            </a:r>
-            <a:r>
-              <a:rPr lang="en-US" baseline="0" dirty="0" smtClean="0"/>
-              <a:t>for you and uses input format</a:t>
-            </a:r>
-          </a:p>
-          <a:p>
+              <a:t> Input Format</a:t>
+            </a:r>
             <a:endParaRPr lang="en-US" dirty="0"/>
           </a:p>
         </p:txBody>
@@ -1189,7 +1191,7 @@
     </p:spTree>
     <p:extLst>
       <p:ext uri="{BB962C8B-B14F-4D97-AF65-F5344CB8AC3E}">
-        <p14:creationId xmlns:p14="http://schemas.microsoft.com/office/powerpoint/2010/main" val="3650223693"/>
+        <p14:creationId xmlns:p14="http://schemas.microsoft.com/office/powerpoint/2010/main" val="2162426175"/>
       </p:ext>
     </p:extLst>
   </p:cSld>
@@ -1245,28 +1247,31 @@
           <a:p>
             <a:r>
               <a:rPr lang="en-US" dirty="0" smtClean="0"/>
-              <a:t>So,</a:t>
+              <a:t>What’s needed is a </a:t>
+            </a:r>
+            <a:r>
+              <a:rPr lang="en-US" dirty="0" err="1" smtClean="0"/>
+              <a:t>CSVFileSource</a:t>
+            </a:r>
+            <a:r>
+              <a:rPr lang="en-US" dirty="0" smtClean="0"/>
+              <a:t>, right?</a:t>
+            </a:r>
+          </a:p>
+          <a:p>
+            <a:r>
+              <a:rPr lang="en-US" dirty="0" smtClean="0"/>
+              <a:t>This class</a:t>
             </a:r>
             <a:r>
               <a:rPr lang="en-US" baseline="0" dirty="0" smtClean="0"/>
-              <a:t> What do we need?</a:t>
-            </a:r>
-          </a:p>
-          <a:p>
-            <a:endParaRPr lang="en-US" baseline="0" dirty="0" smtClean="0"/>
+              <a:t> takes in all sorts of configuration options </a:t>
+            </a:r>
           </a:p>
           <a:p>
             <a:r>
               <a:rPr lang="en-US" baseline="0" dirty="0" smtClean="0"/>
-              <a:t>we start with the three classes required for the </a:t>
-            </a:r>
-            <a:r>
-              <a:rPr lang="en-US" baseline="0" dirty="0" err="1" smtClean="0"/>
-              <a:t>hadoop</a:t>
-            </a:r>
-            <a:r>
-              <a:rPr lang="en-US" baseline="0" dirty="0" smtClean="0"/>
-              <a:t> Input Format</a:t>
+              <a:t>It sets all of these options in the job configuration</a:t>
             </a:r>
             <a:endParaRPr lang="en-US" dirty="0"/>
           </a:p>
@@ -1354,31 +1359,20 @@
           <a:p>
             <a:r>
               <a:rPr lang="en-US" dirty="0" smtClean="0"/>
-              <a:t>What’s needed is a </a:t>
-            </a:r>
-            <a:r>
-              <a:rPr lang="en-US" dirty="0" err="1" smtClean="0"/>
-              <a:t>CSVFileSource</a:t>
-            </a:r>
+              <a:t>It needs to be able to create these</a:t>
+            </a:r>
+            <a:r>
+              <a:rPr lang="en-US" baseline="0" dirty="0" smtClean="0"/>
+              <a:t> other two classes, a “Readable data” and a “file reader factory” class, </a:t>
+            </a:r>
+          </a:p>
+          <a:p>
+            <a:endParaRPr lang="en-US" dirty="0" smtClean="0"/>
+          </a:p>
+          <a:p>
             <a:r>
               <a:rPr lang="en-US" dirty="0" smtClean="0"/>
-              <a:t>, right?</a:t>
-            </a:r>
-          </a:p>
-          <a:p>
-            <a:r>
-              <a:rPr lang="en-US" dirty="0" smtClean="0"/>
-              <a:t>This class</a:t>
-            </a:r>
-            <a:r>
-              <a:rPr lang="en-US" baseline="0" dirty="0" smtClean="0"/>
-              <a:t> takes in all sorts of configuration options </a:t>
-            </a:r>
-          </a:p>
-          <a:p>
-            <a:r>
-              <a:rPr lang="en-US" baseline="0" dirty="0" smtClean="0"/>
-              <a:t>It sets all of these options in the job configuration</a:t>
+              <a:t>NEXT SLIDE</a:t>
             </a:r>
             <a:endParaRPr lang="en-US" dirty="0"/>
           </a:p>
@@ -1466,20 +1460,45 @@
           <a:p>
             <a:r>
               <a:rPr lang="en-US" dirty="0" smtClean="0"/>
-              <a:t>It needs to be able to create these</a:t>
+              <a:t>Both of which are really just a wrapper for a simple </a:t>
+            </a:r>
+            <a:r>
+              <a:rPr lang="en-US" dirty="0" err="1" smtClean="0"/>
+              <a:t>iterable</a:t>
             </a:r>
             <a:r>
               <a:rPr lang="en-US" baseline="0" dirty="0" smtClean="0"/>
-              <a:t> other two classes, a “Readable data” and a “file reader factory” class, </a:t>
-            </a:r>
-          </a:p>
-          <a:p>
-            <a:endParaRPr lang="en-US" dirty="0" smtClean="0"/>
-          </a:p>
-          <a:p>
-            <a:r>
-              <a:rPr lang="en-US" dirty="0" smtClean="0"/>
-              <a:t>NEXT SLIDE</a:t>
+              <a:t> file reader, which is really just another wrapper, for the </a:t>
+            </a:r>
+            <a:r>
+              <a:rPr lang="en-US" baseline="0" dirty="0" err="1" smtClean="0"/>
+              <a:t>CSVLineReader</a:t>
+            </a:r>
+            <a:endParaRPr lang="en-US" baseline="0" dirty="0" smtClean="0"/>
+          </a:p>
+          <a:p>
+            <a:endParaRPr lang="en-US" baseline="0" dirty="0" smtClean="0"/>
+          </a:p>
+          <a:p>
+            <a:r>
+              <a:rPr lang="en-US" baseline="0" dirty="0" smtClean="0"/>
+              <a:t>Honestly, I also could have just made </a:t>
+            </a:r>
+            <a:r>
+              <a:rPr lang="en-US" baseline="0" dirty="0" err="1" smtClean="0"/>
+              <a:t>CSVLineReader</a:t>
+            </a:r>
+            <a:r>
+              <a:rPr lang="en-US" baseline="0" dirty="0" smtClean="0"/>
+              <a:t> an </a:t>
+            </a:r>
+            <a:r>
+              <a:rPr lang="en-US" baseline="0" dirty="0" err="1" smtClean="0"/>
+              <a:t>iterable</a:t>
+            </a:r>
+            <a:r>
+              <a:rPr lang="en-US" baseline="0" dirty="0" smtClean="0"/>
+              <a:t> class, but this seemed much cleaner.</a:t>
             </a:r>
             <a:endParaRPr lang="en-US" dirty="0"/>
           </a:p>
@@ -1565,48 +1584,6 @@
           <a:bodyPr/>
           <a:lstStyle/>
           <a:p>
-            <a:r>
-              <a:rPr lang="en-US" dirty="0" smtClean="0"/>
-              <a:t>Both of which are really just a wrapper for a simple </a:t>
-            </a:r>
-            <a:r>
-              <a:rPr lang="en-US" dirty="0" err="1" smtClean="0"/>
-              <a:t>iterable</a:t>
-            </a:r>
-            <a:r>
-              <a:rPr lang="en-US" baseline="0" dirty="0" smtClean="0"/>
-              <a:t> file reader, which is really just another wrapper, for the </a:t>
-            </a:r>
-            <a:r>
-              <a:rPr lang="en-US" baseline="0" dirty="0" err="1" smtClean="0"/>
-              <a:t>CSVLineReader</a:t>
-            </a:r>
-            <a:endParaRPr lang="en-US" baseline="0" dirty="0" smtClean="0"/>
-          </a:p>
-          <a:p>
-            <a:endParaRPr lang="en-US" baseline="0" dirty="0" smtClean="0"/>
-          </a:p>
-          <a:p>
-            <a:r>
-              <a:rPr lang="en-US" baseline="0" dirty="0" smtClean="0"/>
-              <a:t>Honestly, I also could have just made </a:t>
-            </a:r>
-            <a:r>
-              <a:rPr lang="en-US" baseline="0" dirty="0" err="1" smtClean="0"/>
-              <a:t>CSVLineReader</a:t>
-            </a:r>
-            <a:r>
-              <a:rPr lang="en-US" baseline="0" dirty="0" smtClean="0"/>
-              <a:t> an </a:t>
-            </a:r>
-            <a:r>
-              <a:rPr lang="en-US" baseline="0" dirty="0" err="1" smtClean="0"/>
-              <a:t>iterable</a:t>
-            </a:r>
-            <a:r>
-              <a:rPr lang="en-US" baseline="0" dirty="0" smtClean="0"/>
-              <a:t> class, but this seemed much cleaner.</a:t>
-            </a:r>
             <a:endParaRPr lang="en-US" dirty="0"/>
           </a:p>
         </p:txBody>
@@ -1859,90 +1836,6 @@
 </p:notes>
 </file>
 
-<file path=ppt/notesSlides/notesSlide20.xml><?xml version="1.0" encoding="utf-8"?>
-<p:notes xmlns:a="http://schemas.openxmlformats.org/drawingml/2006/main" xmlns:r="http://schemas.openxmlformats.org/officeDocument/2006/relationships" xmlns:p="http://schemas.openxmlformats.org/presentationml/2006/main">
-  <p:cSld>
-    <p:spTree>
-      <p:nvGrpSpPr>
-        <p:cNvPr id="1" name=""/>
-        <p:cNvGrpSpPr/>
-        <p:nvPr/>
-      </p:nvGrpSpPr>
-      <p:grpSpPr>
-        <a:xfrm>
-          <a:off x="0" y="0"/>
-          <a:ext cx="0" cy="0"/>
-          <a:chOff x="0" y="0"/>
-          <a:chExt cx="0" cy="0"/>
-        </a:xfrm>
-      </p:grpSpPr>
-      <p:sp>
-        <p:nvSpPr>
-          <p:cNvPr id="2" name="Slide Image Placeholder 1"/>
-          <p:cNvSpPr>
-            <a:spLocks noGrp="1" noRot="1" noChangeAspect="1"/>
-          </p:cNvSpPr>
-          <p:nvPr>
-            <p:ph type="sldImg"/>
-          </p:nvPr>
-        </p:nvSpPr>
-        <p:spPr/>
-      </p:sp>
-      <p:sp>
-        <p:nvSpPr>
-          <p:cNvPr id="3" name="Notes Placeholder 2"/>
-          <p:cNvSpPr>
-            <a:spLocks noGrp="1"/>
-          </p:cNvSpPr>
-          <p:nvPr>
-            <p:ph type="body" idx="1"/>
-          </p:nvPr>
-        </p:nvSpPr>
-        <p:spPr/>
-        <p:txBody>
-          <a:bodyPr/>
-          <a:lstStyle/>
-          <a:p>
-            <a:endParaRPr lang="en-US" dirty="0"/>
-          </a:p>
-        </p:txBody>
-      </p:sp>
-      <p:sp>
-        <p:nvSpPr>
-          <p:cNvPr id="4" name="Slide Number Placeholder 3"/>
-          <p:cNvSpPr>
-            <a:spLocks noGrp="1"/>
-          </p:cNvSpPr>
-          <p:nvPr>
-            <p:ph type="sldNum" sz="quarter" idx="10"/>
-          </p:nvPr>
-        </p:nvSpPr>
-        <p:spPr/>
-        <p:txBody>
-          <a:bodyPr/>
-          <a:lstStyle/>
-          <a:p>
-            <a:fld id="{FEB6B4B8-4677-024A-8A3A-899E841B8C05}" type="slidenum">
-              <a:rPr lang="en-US" smtClean="0"/>
-              <a:t>20</a:t>
-            </a:fld>
-            <a:endParaRPr lang="en-US"/>
-          </a:p>
-        </p:txBody>
-      </p:sp>
-    </p:spTree>
-    <p:extLst>
-      <p:ext uri="{BB962C8B-B14F-4D97-AF65-F5344CB8AC3E}">
-        <p14:creationId xmlns:p14="http://schemas.microsoft.com/office/powerpoint/2010/main" val="2162426175"/>
-      </p:ext>
-    </p:extLst>
-  </p:cSld>
-  <p:clrMapOvr>
-    <a:masterClrMapping/>
-  </p:clrMapOvr>
-</p:notes>
-</file>
-
 <file path=ppt/notesSlides/notesSlide3.xml><?xml version="1.0" encoding="utf-8"?>
 <p:notes xmlns:a="http://schemas.openxmlformats.org/drawingml/2006/main" xmlns:r="http://schemas.openxmlformats.org/officeDocument/2006/relationships" xmlns:p="http://schemas.openxmlformats.org/presentationml/2006/main">
   <p:cSld>
@@ -2108,18 +2001,74 @@
           <a:lstStyle/>
           <a:p>
             <a:r>
-              <a:rPr lang="en-US" dirty="0" smtClean="0"/>
-              <a:t>I had</a:t>
-            </a:r>
-            <a:r>
               <a:rPr lang="en-US" baseline="0" dirty="0" smtClean="0"/>
-              <a:t> a </a:t>
-            </a:r>
-            <a:r>
-              <a:rPr lang="en-US" dirty="0" smtClean="0"/>
-              <a:t>problem.</a:t>
-            </a:r>
-            <a:endParaRPr lang="en-US" dirty="0"/>
+              <a:t>Any field in any file can be </a:t>
+            </a:r>
+            <a:r>
+              <a:rPr lang="en-US" baseline="0" dirty="0" smtClean="0"/>
+              <a:t>surrounded </a:t>
+            </a:r>
+            <a:r>
+              <a:rPr lang="en-US" baseline="0" dirty="0" smtClean="0"/>
+              <a:t>by quote, weird stuff, such as NEWLINES</a:t>
+            </a:r>
+            <a:endParaRPr lang="en-US" dirty="0" smtClean="0"/>
+          </a:p>
+          <a:p>
+            <a:r>
+              <a:rPr lang="en-US" dirty="0" err="1" smtClean="0"/>
+              <a:t>Hadoop-TextInputFormats</a:t>
+            </a:r>
+            <a:r>
+              <a:rPr lang="en-US" baseline="0" dirty="0" smtClean="0"/>
+              <a:t> and Crunch-</a:t>
+            </a:r>
+            <a:r>
+              <a:rPr lang="en-US" baseline="0" dirty="0" err="1" smtClean="0"/>
+              <a:t>TextFileSource</a:t>
+            </a:r>
+            <a:r>
+              <a:rPr lang="en-US" baseline="0" dirty="0" smtClean="0"/>
+              <a:t> </a:t>
+            </a:r>
+            <a:r>
+              <a:rPr lang="en-US" baseline="0" dirty="0" smtClean="0"/>
+              <a:t>not VERSATILE</a:t>
+            </a:r>
+            <a:endParaRPr lang="en-US" baseline="0" dirty="0" smtClean="0"/>
+          </a:p>
+          <a:p>
+            <a:r>
+              <a:rPr lang="en-US" baseline="0" dirty="0" smtClean="0"/>
+              <a:t>They read line-by-</a:t>
+            </a:r>
+            <a:r>
+              <a:rPr lang="en-US" baseline="0" dirty="0" smtClean="0"/>
+              <a:t>line</a:t>
+            </a:r>
+          </a:p>
+          <a:p>
+            <a:r>
+              <a:rPr lang="en-US" baseline="0" dirty="0" smtClean="0"/>
+              <a:t>CSV = too much complexity</a:t>
+            </a:r>
+          </a:p>
+          <a:p>
+            <a:endParaRPr lang="en-US" baseline="0" dirty="0" smtClean="0"/>
+          </a:p>
+          <a:p>
+            <a:r>
+              <a:rPr lang="en-US" baseline="0" dirty="0" smtClean="0"/>
+              <a:t>Not good</a:t>
+            </a:r>
+            <a:r>
+              <a:rPr lang="en-US" baseline="0" dirty="0" smtClean="0"/>
+              <a:t>, eventually realized: </a:t>
+            </a:r>
+            <a:r>
+              <a:rPr lang="en-US" baseline="0" dirty="0" smtClean="0"/>
+              <a:t>will need to write my own.</a:t>
+            </a:r>
           </a:p>
         </p:txBody>
       </p:sp>
@@ -2149,7 +2098,7 @@
     </p:spTree>
     <p:extLst>
       <p:ext uri="{BB962C8B-B14F-4D97-AF65-F5344CB8AC3E}">
-        <p14:creationId xmlns:p14="http://schemas.microsoft.com/office/powerpoint/2010/main" val="2359017888"/>
+        <p14:creationId xmlns:p14="http://schemas.microsoft.com/office/powerpoint/2010/main" val="1083352987"/>
       </p:ext>
     </p:extLst>
   </p:cSld>
@@ -2204,73 +2153,56 @@
           <a:lstStyle/>
           <a:p>
             <a:r>
+              <a:rPr lang="en-US" dirty="0" smtClean="0"/>
+              <a:t>If</a:t>
+            </a:r>
+            <a:r>
               <a:rPr lang="en-US" baseline="0" dirty="0" smtClean="0"/>
-              <a:t>Any field in any file can be </a:t>
+              <a:t> you have had any </a:t>
+            </a:r>
+            <a:r>
+              <a:rPr lang="en-US" baseline="0" dirty="0" err="1" smtClean="0"/>
+              <a:t>hadoop</a:t>
             </a:r>
             <a:r>
               <a:rPr lang="en-US" baseline="0" dirty="0" smtClean="0"/>
-              <a:t>surrounded </a:t>
-            </a:r>
+              <a:t> training, you’ve probably seen this picture</a:t>
+            </a:r>
+          </a:p>
+          <a:p>
+            <a:endParaRPr lang="en-US" baseline="0" dirty="0" smtClean="0"/>
+          </a:p>
+          <a:p>
             <a:r>
               <a:rPr lang="en-US" baseline="0" dirty="0" smtClean="0"/>
-              <a:t>by quote, weird stuff, such as NEWLINES</a:t>
-            </a:r>
-            <a:endParaRPr lang="en-US" dirty="0" smtClean="0"/>
-          </a:p>
-          <a:p>
-            <a:r>
-              <a:rPr lang="en-US" dirty="0" err="1" smtClean="0"/>
-              <a:t>Hadoop-TextInputFormats</a:t>
-            </a:r>
+              <a:t>Map-reduce flow from input file to processed output file</a:t>
+            </a:r>
+          </a:p>
+          <a:p>
+            <a:endParaRPr lang="en-US" baseline="0" dirty="0" smtClean="0"/>
+          </a:p>
+          <a:p>
             <a:r>
               <a:rPr lang="en-US" baseline="0" dirty="0" smtClean="0"/>
-              <a:t> and Crunch-</a:t>
-            </a:r>
-            <a:r>
-              <a:rPr lang="en-US" baseline="0" dirty="0" err="1" smtClean="0"/>
-              <a:t>TextFileSource</a:t>
-            </a:r>
+              <a:t>I was interested in the first three rows</a:t>
+            </a:r>
+          </a:p>
+          <a:p>
             <a:r>
               <a:rPr lang="en-US" baseline="0" dirty="0" smtClean="0"/>
-              <a:t> </a:t>
-            </a:r>
+              <a:t>Input format</a:t>
+            </a:r>
+          </a:p>
+          <a:p>
             <a:r>
               <a:rPr lang="en-US" baseline="0" dirty="0" smtClean="0"/>
-              <a:t>not VERSATILE</a:t>
-            </a:r>
-            <a:endParaRPr lang="en-US" baseline="0" dirty="0" smtClean="0"/>
+              <a:t>Split files</a:t>
+            </a:r>
           </a:p>
           <a:p>
             <a:r>
               <a:rPr lang="en-US" baseline="0" dirty="0" smtClean="0"/>
-              <a:t>They read line-by-</a:t>
-            </a:r>
-            <a:r>
-              <a:rPr lang="en-US" baseline="0" dirty="0" smtClean="0"/>
-              <a:t>line</a:t>
-            </a:r>
-          </a:p>
-          <a:p>
-            <a:r>
-              <a:rPr lang="en-US" baseline="0" dirty="0" smtClean="0"/>
-              <a:t>CSV = too much complexity</a:t>
-            </a:r>
-          </a:p>
-          <a:p>
-            <a:endParaRPr lang="en-US" baseline="0" dirty="0" smtClean="0"/>
-          </a:p>
-          <a:p>
-            <a:r>
-              <a:rPr lang="en-US" baseline="0" dirty="0" smtClean="0"/>
-              <a:t>Not good</a:t>
-            </a:r>
-            <a:r>
-              <a:rPr lang="en-US" baseline="0" dirty="0" smtClean="0"/>
-              <a:t>, eventually realized: </a:t>
-            </a:r>
-            <a:r>
-              <a:rPr lang="en-US" baseline="0" dirty="0" smtClean="0"/>
-              <a:t>will need to write my own.</a:t>
+              <a:t>Record readers</a:t>
             </a:r>
           </a:p>
         </p:txBody>
@@ -2301,7 +2233,7 @@
     </p:spTree>
     <p:extLst>
       <p:ext uri="{BB962C8B-B14F-4D97-AF65-F5344CB8AC3E}">
-        <p14:creationId xmlns:p14="http://schemas.microsoft.com/office/powerpoint/2010/main" val="1083352987"/>
+        <p14:creationId xmlns:p14="http://schemas.microsoft.com/office/powerpoint/2010/main" val="3810325905"/>
       </p:ext>
     </p:extLst>
   </p:cSld>
@@ -2355,58 +2287,7 @@
           <a:bodyPr/>
           <a:lstStyle/>
           <a:p>
-            <a:r>
-              <a:rPr lang="en-US" dirty="0" smtClean="0"/>
-              <a:t>If</a:t>
-            </a:r>
-            <a:r>
-              <a:rPr lang="en-US" baseline="0" dirty="0" smtClean="0"/>
-              <a:t> you have had any </a:t>
-            </a:r>
-            <a:r>
-              <a:rPr lang="en-US" baseline="0" dirty="0" err="1" smtClean="0"/>
-              <a:t>hadoop</a:t>
-            </a:r>
-            <a:r>
-              <a:rPr lang="en-US" baseline="0" dirty="0" smtClean="0"/>
-              <a:t> training, you’ve probably seen this picture</a:t>
-            </a:r>
-          </a:p>
-          <a:p>
-            <a:endParaRPr lang="en-US" baseline="0" dirty="0" smtClean="0"/>
-          </a:p>
-          <a:p>
-            <a:r>
-              <a:rPr lang="en-US" baseline="0" dirty="0" smtClean="0"/>
-              <a:t>Map-reduce flow from input file to processed output file</a:t>
-            </a:r>
-          </a:p>
-          <a:p>
-            <a:endParaRPr lang="en-US" baseline="0" dirty="0" smtClean="0"/>
-          </a:p>
-          <a:p>
-            <a:r>
-              <a:rPr lang="en-US" baseline="0" dirty="0" smtClean="0"/>
-              <a:t>I was interested in the first three rows</a:t>
-            </a:r>
-          </a:p>
-          <a:p>
-            <a:r>
-              <a:rPr lang="en-US" baseline="0" dirty="0" smtClean="0"/>
-              <a:t>Input format</a:t>
-            </a:r>
-          </a:p>
-          <a:p>
-            <a:r>
-              <a:rPr lang="en-US" baseline="0" dirty="0" smtClean="0"/>
-              <a:t>Split files</a:t>
-            </a:r>
-          </a:p>
-          <a:p>
-            <a:r>
-              <a:rPr lang="en-US" baseline="0" dirty="0" smtClean="0"/>
-              <a:t>Record readers</a:t>
-            </a:r>
+            <a:endParaRPr lang="en-US" dirty="0"/>
           </a:p>
         </p:txBody>
       </p:sp>
@@ -2436,7 +2317,7 @@
     </p:spTree>
     <p:extLst>
       <p:ext uri="{BB962C8B-B14F-4D97-AF65-F5344CB8AC3E}">
-        <p14:creationId xmlns:p14="http://schemas.microsoft.com/office/powerpoint/2010/main" val="3810325905"/>
+        <p14:creationId xmlns:p14="http://schemas.microsoft.com/office/powerpoint/2010/main" val="975263106"/>
       </p:ext>
     </p:extLst>
   </p:cSld>
@@ -2490,7 +2371,36 @@
           <a:bodyPr/>
           <a:lstStyle/>
           <a:p>
-            <a:endParaRPr lang="en-US" dirty="0"/>
+            <a:r>
+              <a:rPr lang="en-US" dirty="0" smtClean="0"/>
+              <a:t>Calculates </a:t>
+            </a:r>
+            <a:r>
+              <a:rPr lang="en-US" dirty="0"/>
+              <a:t>split points for each file </a:t>
+            </a:r>
+            <a:endParaRPr lang="en-US" dirty="0" smtClean="0"/>
+          </a:p>
+          <a:p>
+            <a:r>
+              <a:rPr lang="en-US" dirty="0" smtClean="0"/>
+              <a:t>by </a:t>
+            </a:r>
+            <a:r>
+              <a:rPr lang="en-US" dirty="0"/>
+              <a:t>jumping over split-size-number-of-bytes and </a:t>
+            </a:r>
+            <a:endParaRPr lang="en-US" dirty="0" smtClean="0"/>
+          </a:p>
+          <a:p>
+            <a:r>
+              <a:rPr lang="en-US" dirty="0" smtClean="0"/>
+              <a:t>then </a:t>
+            </a:r>
+            <a:r>
+              <a:rPr lang="en-US" dirty="0"/>
+              <a:t>searching for the end of a CSV record</a:t>
+            </a:r>
           </a:p>
         </p:txBody>
       </p:sp>
@@ -2520,7 +2430,7 @@
     </p:spTree>
     <p:extLst>
       <p:ext uri="{BB962C8B-B14F-4D97-AF65-F5344CB8AC3E}">
-        <p14:creationId xmlns:p14="http://schemas.microsoft.com/office/powerpoint/2010/main" val="975263106"/>
+        <p14:creationId xmlns:p14="http://schemas.microsoft.com/office/powerpoint/2010/main" val="3209472612"/>
       </p:ext>
     </p:extLst>
   </p:cSld>
@@ -2576,33 +2486,37 @@
           <a:p>
             <a:r>
               <a:rPr lang="en-US" dirty="0" smtClean="0"/>
-              <a:t>Calculates </a:t>
-            </a:r>
-            <a:r>
-              <a:rPr lang="en-US" dirty="0"/>
-              <a:t>split points for each file </a:t>
-            </a:r>
-            <a:endParaRPr lang="en-US" dirty="0" smtClean="0"/>
+              <a:t>Example from before</a:t>
+            </a:r>
           </a:p>
           <a:p>
             <a:r>
               <a:rPr lang="en-US" dirty="0" smtClean="0"/>
-              <a:t>by </a:t>
-            </a:r>
-            <a:r>
-              <a:rPr lang="en-US" dirty="0"/>
-              <a:t>jumping over split-size-number-of-bytes and </a:t>
-            </a:r>
-            <a:endParaRPr lang="en-US" dirty="0" smtClean="0"/>
-          </a:p>
-          <a:p>
-            <a:r>
-              <a:rPr lang="en-US" dirty="0" smtClean="0"/>
-              <a:t>then </a:t>
-            </a:r>
-            <a:r>
-              <a:rPr lang="en-US" dirty="0"/>
-              <a:t>searching for the end of a CSV record</a:t>
+              <a:t>Line-by-line processing marks</a:t>
+            </a:r>
+            <a:r>
+              <a:rPr lang="en-US" baseline="0" dirty="0" smtClean="0"/>
+              <a:t> first two split places</a:t>
+            </a:r>
+          </a:p>
+          <a:p>
+            <a:r>
+              <a:rPr lang="en-US" baseline="0" dirty="0" smtClean="0"/>
+              <a:t>Third place is bad</a:t>
+            </a:r>
+          </a:p>
+          <a:p>
+            <a:r>
+              <a:rPr lang="en-US" baseline="0" dirty="0" smtClean="0"/>
+              <a:t>CSV </a:t>
+            </a:r>
+            <a:r>
+              <a:rPr lang="en-US" baseline="0" dirty="0" err="1" smtClean="0"/>
+              <a:t>InputFormat</a:t>
+            </a:r>
+            <a:r>
+              <a:rPr lang="en-US" baseline="0" dirty="0" smtClean="0"/>
+              <a:t> is able to skip to end and mark</a:t>
             </a:r>
           </a:p>
         </p:txBody>
@@ -2633,7 +2547,7 @@
     </p:spTree>
     <p:extLst>
       <p:ext uri="{BB962C8B-B14F-4D97-AF65-F5344CB8AC3E}">
-        <p14:creationId xmlns:p14="http://schemas.microsoft.com/office/powerpoint/2010/main" val="3209472612"/>
+        <p14:creationId xmlns:p14="http://schemas.microsoft.com/office/powerpoint/2010/main" val="2946084152"/>
       </p:ext>
     </p:extLst>
   </p:cSld>
@@ -2689,38 +2603,27 @@
           <a:p>
             <a:r>
               <a:rPr lang="en-US" dirty="0" smtClean="0"/>
-              <a:t>Example from before</a:t>
-            </a:r>
+              <a:t>Record readers</a:t>
+            </a:r>
+          </a:p>
+          <a:p>
+            <a:endParaRPr lang="en-US" dirty="0" smtClean="0"/>
           </a:p>
           <a:p>
             <a:r>
               <a:rPr lang="en-US" dirty="0" smtClean="0"/>
-              <a:t>Line-by-line processing marks</a:t>
-            </a:r>
-            <a:r>
-              <a:rPr lang="en-US" baseline="0" dirty="0" smtClean="0"/>
-              <a:t> first two split places</a:t>
-            </a:r>
-          </a:p>
-          <a:p>
-            <a:r>
-              <a:rPr lang="en-US" baseline="0" dirty="0" smtClean="0"/>
-              <a:t>Third place is bad</a:t>
-            </a:r>
-          </a:p>
-          <a:p>
-            <a:r>
-              <a:rPr lang="en-US" baseline="0" dirty="0" smtClean="0"/>
-              <a:t>CSV </a:t>
-            </a:r>
-            <a:r>
-              <a:rPr lang="en-US" baseline="0" dirty="0" err="1" smtClean="0"/>
-              <a:t>InputFormat</a:t>
-            </a:r>
-            <a:r>
-              <a:rPr lang="en-US" baseline="0" dirty="0" smtClean="0"/>
-              <a:t> is able to skip to end and mark</a:t>
-            </a:r>
+              <a:t>Read their split</a:t>
+            </a:r>
+          </a:p>
+          <a:p>
+            <a:endParaRPr lang="en-US" dirty="0" smtClean="0"/>
+          </a:p>
+          <a:p>
+            <a:r>
+              <a:rPr lang="en-US" dirty="0" smtClean="0"/>
+              <a:t>Parse raw data into “Records”</a:t>
+            </a:r>
+            <a:endParaRPr lang="en-US" dirty="0"/>
           </a:p>
         </p:txBody>
       </p:sp>
@@ -2750,7 +2653,7 @@
     </p:spTree>
     <p:extLst>
       <p:ext uri="{BB962C8B-B14F-4D97-AF65-F5344CB8AC3E}">
-        <p14:creationId xmlns:p14="http://schemas.microsoft.com/office/powerpoint/2010/main" val="2946084152"/>
+        <p14:creationId xmlns:p14="http://schemas.microsoft.com/office/powerpoint/2010/main" val="1944978979"/>
       </p:ext>
     </p:extLst>
   </p:cSld>
@@ -6463,126 +6366,66 @@
           <a:p>
             <a:r>
               <a:rPr lang="en-US" dirty="0" smtClean="0"/>
-              <a:t>Record Reader</a:t>
+              <a:t>CSV Record Reader</a:t>
             </a:r>
             <a:endParaRPr lang="en-US" dirty="0"/>
           </a:p>
         </p:txBody>
       </p:sp>
-      <p:pic>
-        <p:nvPicPr>
-          <p:cNvPr id="4" name="Content Placeholder 3"/>
-          <p:cNvPicPr>
-            <a:picLocks noGrp="1" noChangeAspect="1"/>
-          </p:cNvPicPr>
+      <p:sp>
+        <p:nvSpPr>
+          <p:cNvPr id="3" name="Content Placeholder 2"/>
+          <p:cNvSpPr>
+            <a:spLocks noGrp="1"/>
+          </p:cNvSpPr>
           <p:nvPr>
             <p:ph idx="1"/>
           </p:nvPr>
-        </p:nvPicPr>
-        <p:blipFill rotWithShape="1">
-          <a:blip r:embed="rId3"/>
-          <a:srcRect l="-50974" r="-50974"/>
-          <a:stretch/>
-        </p:blipFill>
-        <p:spPr>
-          <a:xfrm>
-            <a:off x="2751352" y="1600201"/>
-            <a:ext cx="8042276" cy="4343400"/>
-          </a:xfrm>
-        </p:spPr>
-      </p:pic>
-      <p:sp>
-        <p:nvSpPr>
-          <p:cNvPr id="5" name="TextBox 4"/>
-          <p:cNvSpPr txBox="1"/>
-          <p:nvPr/>
-        </p:nvSpPr>
-        <p:spPr>
-          <a:xfrm>
-            <a:off x="675824" y="1600201"/>
-            <a:ext cx="4054936" cy="2862323"/>
-          </a:xfrm>
-          <a:prstGeom prst="rect">
-            <a:avLst/>
-          </a:prstGeom>
-          <a:noFill/>
-        </p:spPr>
-        <p:txBody>
-          <a:bodyPr wrap="square" rtlCol="0">
-            <a:spAutoFit/>
+        </p:nvSpPr>
+        <p:spPr/>
+        <p:txBody>
+          <a:bodyPr>
+            <a:normAutofit/>
           </a:bodyPr>
           <a:lstStyle/>
           <a:p>
-            <a:pPr algn="ctr"/>
-            <a:r>
-              <a:rPr lang="en-US" b="1" dirty="0" smtClean="0"/>
-              <a:t>Record Readers have </a:t>
-            </a:r>
-            <a:r>
-              <a:rPr lang="en-US" b="1" dirty="0"/>
-              <a:t>two main responsibilities</a:t>
-            </a:r>
-          </a:p>
-          <a:p>
-            <a:pPr algn="ctr"/>
+            <a:r>
+              <a:rPr lang="en-US" dirty="0" smtClean="0"/>
+              <a:t>This class is essentially an iterator over the portion of CSV file which it is assigned </a:t>
+            </a:r>
+            <a:r>
+              <a:rPr lang="en-US" dirty="0" smtClean="0"/>
+              <a:t>to</a:t>
+            </a:r>
+          </a:p>
+          <a:p>
             <a:endParaRPr lang="en-US" dirty="0" smtClean="0"/>
           </a:p>
           <a:p>
-            <a:pPr algn="ctr"/>
-            <a:endParaRPr lang="en-US" dirty="0"/>
-          </a:p>
-          <a:p>
-            <a:pPr algn="ctr"/>
             <a:r>
               <a:rPr lang="en-US" dirty="0" smtClean="0"/>
-              <a:t>1. Read </a:t>
-            </a:r>
-            <a:r>
-              <a:rPr lang="en-US" b="1" dirty="0" smtClean="0"/>
-              <a:t>one </a:t>
-            </a:r>
-            <a:r>
-              <a:rPr lang="en-US" b="1" dirty="0" smtClean="0"/>
-              <a:t>split </a:t>
-            </a:r>
+              <a:t>It opens an input stream to the file, seeks to its assigned split position</a:t>
+            </a:r>
+          </a:p>
+          <a:p>
+            <a:endParaRPr lang="en-US" dirty="0" smtClean="0"/>
+          </a:p>
+          <a:p>
             <a:r>
               <a:rPr lang="en-US" dirty="0" smtClean="0"/>
-              <a:t>worth of information. </a:t>
-            </a:r>
-          </a:p>
-          <a:p>
-            <a:pPr algn="ctr"/>
-            <a:endParaRPr lang="en-US" dirty="0" smtClean="0"/>
-          </a:p>
-          <a:p>
-            <a:pPr algn="ctr"/>
-            <a:endParaRPr lang="en-US" dirty="0"/>
-          </a:p>
-          <a:p>
-            <a:pPr algn="ctr"/>
+              <a:t>Immediately begins parsing records until </a:t>
+            </a:r>
             <a:r>
               <a:rPr lang="en-US" dirty="0" smtClean="0"/>
-              <a:t>2. Parse the </a:t>
+              <a:t>the end of the split </a:t>
             </a:r>
             <a:r>
               <a:rPr lang="en-US" dirty="0" smtClean="0"/>
-              <a:t>raw data </a:t>
+              <a:t>or file </a:t>
             </a:r>
             <a:r>
               <a:rPr lang="en-US" dirty="0" smtClean="0"/>
-              <a:t>into </a:t>
-            </a:r>
-            <a:r>
-              <a:rPr lang="en-US" dirty="0" smtClean="0"/>
-              <a:t>“</a:t>
-            </a:r>
-            <a:r>
-              <a:rPr lang="en-US" b="1" dirty="0" smtClean="0"/>
-              <a:t>records</a:t>
-            </a:r>
-            <a:r>
-              <a:rPr lang="en-US" dirty="0" smtClean="0"/>
-              <a:t>”</a:t>
+              <a:t>is reached</a:t>
             </a:r>
             <a:endParaRPr lang="en-US" dirty="0"/>
           </a:p>
@@ -6591,7 +6434,7 @@
     </p:spTree>
     <p:extLst>
       <p:ext uri="{BB962C8B-B14F-4D97-AF65-F5344CB8AC3E}">
-        <p14:creationId xmlns:p14="http://schemas.microsoft.com/office/powerpoint/2010/main" val="3983780737"/>
+        <p14:creationId xmlns:p14="http://schemas.microsoft.com/office/powerpoint/2010/main" val="3917898086"/>
       </p:ext>
     </p:extLst>
   </p:cSld>
@@ -6642,75 +6485,35 @@
           <a:p>
             <a:r>
               <a:rPr lang="en-US" dirty="0" smtClean="0"/>
-              <a:t>CSV Record Reader</a:t>
+              <a:t>Results of Record Reading</a:t>
             </a:r>
             <a:endParaRPr lang="en-US" dirty="0"/>
           </a:p>
         </p:txBody>
       </p:sp>
-      <p:sp>
-        <p:nvSpPr>
-          <p:cNvPr id="3" name="Content Placeholder 2"/>
-          <p:cNvSpPr>
-            <a:spLocks noGrp="1"/>
-          </p:cNvSpPr>
+      <p:pic>
+        <p:nvPicPr>
+          <p:cNvPr id="4" name="Content Placeholder 3"/>
+          <p:cNvPicPr>
+            <a:picLocks noGrp="1" noChangeAspect="1"/>
+          </p:cNvPicPr>
           <p:nvPr>
             <p:ph idx="1"/>
           </p:nvPr>
-        </p:nvSpPr>
-        <p:spPr/>
-        <p:txBody>
-          <a:bodyPr>
-            <a:normAutofit/>
-          </a:bodyPr>
-          <a:lstStyle/>
-          <a:p>
-            <a:r>
-              <a:rPr lang="en-US" dirty="0" smtClean="0"/>
-              <a:t>This class is essentially an iterator over the portion of CSV file which it is assigned </a:t>
-            </a:r>
-            <a:r>
-              <a:rPr lang="en-US" dirty="0" smtClean="0"/>
-              <a:t>to</a:t>
-            </a:r>
-          </a:p>
-          <a:p>
-            <a:endParaRPr lang="en-US" dirty="0" smtClean="0"/>
-          </a:p>
-          <a:p>
-            <a:r>
-              <a:rPr lang="en-US" dirty="0" smtClean="0"/>
-              <a:t>It opens an input stream to the file, seeks to its assigned split position</a:t>
-            </a:r>
-          </a:p>
-          <a:p>
-            <a:endParaRPr lang="en-US" dirty="0" smtClean="0"/>
-          </a:p>
-          <a:p>
-            <a:r>
-              <a:rPr lang="en-US" dirty="0" smtClean="0"/>
-              <a:t>Immediately begins parsing records until </a:t>
-            </a:r>
-            <a:r>
-              <a:rPr lang="en-US" dirty="0" smtClean="0"/>
-              <a:t>the end of the split </a:t>
-            </a:r>
-            <a:r>
-              <a:rPr lang="en-US" dirty="0" smtClean="0"/>
-              <a:t>or file </a:t>
-            </a:r>
-            <a:r>
-              <a:rPr lang="en-US" dirty="0" smtClean="0"/>
-              <a:t>is reached</a:t>
-            </a:r>
-            <a:endParaRPr lang="en-US" dirty="0"/>
-          </a:p>
-        </p:txBody>
-      </p:sp>
+        </p:nvPicPr>
+        <p:blipFill>
+          <a:blip r:embed="rId3"/>
+          <a:srcRect t="598" b="598"/>
+          <a:stretch>
+            <a:fillRect/>
+          </a:stretch>
+        </p:blipFill>
+        <p:spPr/>
+      </p:pic>
     </p:spTree>
     <p:extLst>
       <p:ext uri="{BB962C8B-B14F-4D97-AF65-F5344CB8AC3E}">
-        <p14:creationId xmlns:p14="http://schemas.microsoft.com/office/powerpoint/2010/main" val="3917898086"/>
+        <p14:creationId xmlns:p14="http://schemas.microsoft.com/office/powerpoint/2010/main" val="2835411807"/>
       </p:ext>
     </p:extLst>
   </p:cSld>
@@ -6760,85 +6563,6 @@
           <a:lstStyle/>
           <a:p>
             <a:r>
-              <a:rPr lang="en-US" dirty="0" smtClean="0"/>
-              <a:t>Results of Record Reading</a:t>
-            </a:r>
-            <a:endParaRPr lang="en-US" dirty="0"/>
-          </a:p>
-        </p:txBody>
-      </p:sp>
-      <p:pic>
-        <p:nvPicPr>
-          <p:cNvPr id="4" name="Content Placeholder 3"/>
-          <p:cNvPicPr>
-            <a:picLocks noGrp="1" noChangeAspect="1"/>
-          </p:cNvPicPr>
-          <p:nvPr>
-            <p:ph idx="1"/>
-          </p:nvPr>
-        </p:nvPicPr>
-        <p:blipFill>
-          <a:blip r:embed="rId3"/>
-          <a:srcRect t="598" b="598"/>
-          <a:stretch>
-            <a:fillRect/>
-          </a:stretch>
-        </p:blipFill>
-        <p:spPr/>
-      </p:pic>
-    </p:spTree>
-    <p:extLst>
-      <p:ext uri="{BB962C8B-B14F-4D97-AF65-F5344CB8AC3E}">
-        <p14:creationId xmlns:p14="http://schemas.microsoft.com/office/powerpoint/2010/main" val="2835411807"/>
-      </p:ext>
-    </p:extLst>
-  </p:cSld>
-  <p:clrMapOvr>
-    <a:masterClrMapping/>
-  </p:clrMapOvr>
-  <p:timing>
-    <p:tnLst>
-      <p:par>
-        <p:cTn xmlns:p14="http://schemas.microsoft.com/office/powerpoint/2010/main" id="1" dur="indefinite" restart="never" nodeType="tmRoot"/>
-      </p:par>
-    </p:tnLst>
-  </p:timing>
-</p:sld>
-</file>
-
-<file path=ppt/slides/slide13.xml><?xml version="1.0" encoding="utf-8"?>
-<p:sld xmlns:a="http://schemas.openxmlformats.org/drawingml/2006/main" xmlns:r="http://schemas.openxmlformats.org/officeDocument/2006/relationships" xmlns:p="http://schemas.openxmlformats.org/presentationml/2006/main">
-  <p:cSld>
-    <p:spTree>
-      <p:nvGrpSpPr>
-        <p:cNvPr id="1" name=""/>
-        <p:cNvGrpSpPr/>
-        <p:nvPr/>
-      </p:nvGrpSpPr>
-      <p:grpSpPr>
-        <a:xfrm>
-          <a:off x="0" y="0"/>
-          <a:ext cx="0" cy="0"/>
-          <a:chOff x="0" y="0"/>
-          <a:chExt cx="0" cy="0"/>
-        </a:xfrm>
-      </p:grpSpPr>
-      <p:sp>
-        <p:nvSpPr>
-          <p:cNvPr id="2" name="Title 1"/>
-          <p:cNvSpPr>
-            <a:spLocks noGrp="1"/>
-          </p:cNvSpPr>
-          <p:nvPr>
-            <p:ph type="title"/>
-          </p:nvPr>
-        </p:nvSpPr>
-        <p:spPr/>
-        <p:txBody>
-          <a:bodyPr/>
-          <a:lstStyle/>
-          <a:p>
-            <a:r>
               <a:rPr lang="en-US" dirty="0" err="1" smtClean="0"/>
               <a:t>Hadoop</a:t>
             </a:r>
@@ -6891,7 +6615,7 @@
 </p:sld>
 </file>
 
-<file path=ppt/slides/slide14.xml><?xml version="1.0" encoding="utf-8"?>
+<file path=ppt/slides/slide13.xml><?xml version="1.0" encoding="utf-8"?>
 <p:sld xmlns:a="http://schemas.openxmlformats.org/drawingml/2006/main" xmlns:r="http://schemas.openxmlformats.org/officeDocument/2006/relationships" xmlns:p="http://schemas.openxmlformats.org/presentationml/2006/main">
   <p:cSld>
     <p:spTree>
@@ -7064,6 +6788,91 @@
 </p:sld>
 </file>
 
+<file path=ppt/slides/slide14.xml><?xml version="1.0" encoding="utf-8"?>
+<p:sld xmlns:a="http://schemas.openxmlformats.org/drawingml/2006/main" xmlns:r="http://schemas.openxmlformats.org/officeDocument/2006/relationships" xmlns:p="http://schemas.openxmlformats.org/presentationml/2006/main">
+  <p:cSld>
+    <p:spTree>
+      <p:nvGrpSpPr>
+        <p:cNvPr id="1" name=""/>
+        <p:cNvGrpSpPr/>
+        <p:nvPr/>
+      </p:nvGrpSpPr>
+      <p:grpSpPr>
+        <a:xfrm>
+          <a:off x="0" y="0"/>
+          <a:ext cx="0" cy="0"/>
+          <a:chOff x="0" y="0"/>
+          <a:chExt cx="0" cy="0"/>
+        </a:xfrm>
+      </p:grpSpPr>
+      <p:sp>
+        <p:nvSpPr>
+          <p:cNvPr id="2" name="Title 1"/>
+          <p:cNvSpPr>
+            <a:spLocks noGrp="1"/>
+          </p:cNvSpPr>
+          <p:nvPr>
+            <p:ph type="title"/>
+          </p:nvPr>
+        </p:nvSpPr>
+        <p:spPr/>
+        <p:txBody>
+          <a:bodyPr/>
+          <a:lstStyle/>
+          <a:p>
+            <a:r>
+              <a:rPr lang="en-US" dirty="0" err="1" smtClean="0"/>
+              <a:t>Hadoop</a:t>
+            </a:r>
+            <a:endParaRPr lang="en-US" dirty="0"/>
+          </a:p>
+        </p:txBody>
+      </p:sp>
+      <p:pic>
+        <p:nvPicPr>
+          <p:cNvPr id="8" name="Content Placeholder 7" descr="crunch1.png"/>
+          <p:cNvPicPr>
+            <a:picLocks noGrp="1" noChangeAspect="1"/>
+          </p:cNvPicPr>
+          <p:nvPr>
+            <p:ph idx="1"/>
+          </p:nvPr>
+        </p:nvPicPr>
+        <p:blipFill>
+          <a:blip r:embed="rId3">
+            <a:extLst>
+              <a:ext uri="{28A0092B-C50C-407E-A947-70E740481C1C}">
+                <a14:useLocalDpi xmlns:a14="http://schemas.microsoft.com/office/drawing/2010/main" val="0"/>
+              </a:ext>
+            </a:extLst>
+          </a:blip>
+          <a:srcRect t="13995" b="13995"/>
+          <a:stretch>
+            <a:fillRect/>
+          </a:stretch>
+        </p:blipFill>
+        <p:spPr/>
+      </p:pic>
+    </p:spTree>
+    <p:extLst>
+      <p:ext uri="{BB962C8B-B14F-4D97-AF65-F5344CB8AC3E}">
+        <p14:creationId xmlns:p14="http://schemas.microsoft.com/office/powerpoint/2010/main" val="1078988367"/>
+      </p:ext>
+    </p:extLst>
+  </p:cSld>
+  <p:clrMapOvr>
+    <a:masterClrMapping/>
+  </p:clrMapOvr>
+  <p:timing>
+    <p:tnLst>
+      <p:par>
+        <p:cTn xmlns:p14="http://schemas.microsoft.com/office/powerpoint/2010/main" id="1" dur="indefinite" restart="never" nodeType="tmRoot"/>
+      </p:par>
+    </p:tnLst>
+  </p:timing>
+</p:sld>
+</file>
+
 <file path=ppt/slides/slide15.xml><?xml version="1.0" encoding="utf-8"?>
 <p:sld xmlns:a="http://schemas.openxmlformats.org/drawingml/2006/main" xmlns:r="http://schemas.openxmlformats.org/officeDocument/2006/relationships" xmlns:p="http://schemas.openxmlformats.org/presentationml/2006/main">
   <p:cSld>
@@ -7097,8 +6906,8 @@
           <a:lstStyle/>
           <a:p>
             <a:r>
-              <a:rPr lang="en-US" dirty="0" err="1" smtClean="0"/>
-              <a:t>Hadoop</a:t>
+              <a:rPr lang="en-US" dirty="0" smtClean="0"/>
+              <a:t>Crunch…</a:t>
             </a:r>
             <a:endParaRPr lang="en-US" dirty="0"/>
           </a:p>
@@ -7106,7 +6915,7 @@
       </p:sp>
       <p:pic>
         <p:nvPicPr>
-          <p:cNvPr id="8" name="Content Placeholder 7" descr="crunch1.png"/>
+          <p:cNvPr id="4" name="Content Placeholder 3" descr="crunch2.png"/>
           <p:cNvPicPr>
             <a:picLocks noGrp="1" noChangeAspect="1"/>
           </p:cNvPicPr>
@@ -7132,7 +6941,7 @@
     </p:spTree>
     <p:extLst>
       <p:ext uri="{BB962C8B-B14F-4D97-AF65-F5344CB8AC3E}">
-        <p14:creationId xmlns:p14="http://schemas.microsoft.com/office/powerpoint/2010/main" val="1078988367"/>
+        <p14:creationId xmlns:p14="http://schemas.microsoft.com/office/powerpoint/2010/main" val="1872974171"/>
       </p:ext>
     </p:extLst>
   </p:cSld>
@@ -7183,7 +6992,7 @@
           <a:p>
             <a:r>
               <a:rPr lang="en-US" dirty="0" smtClean="0"/>
-              <a:t>Crunch…</a:t>
+              <a:t>More Crunch…</a:t>
             </a:r>
             <a:endParaRPr lang="en-US" dirty="0"/>
           </a:p>
@@ -7191,7 +7000,7 @@
       </p:sp>
       <p:pic>
         <p:nvPicPr>
-          <p:cNvPr id="4" name="Content Placeholder 3" descr="crunch2.png"/>
+          <p:cNvPr id="5" name="Content Placeholder 4" descr="crunch3.png"/>
           <p:cNvPicPr>
             <a:picLocks noGrp="1" noChangeAspect="1"/>
           </p:cNvPicPr>
@@ -7217,7 +7026,7 @@
     </p:spTree>
     <p:extLst>
       <p:ext uri="{BB962C8B-B14F-4D97-AF65-F5344CB8AC3E}">
-        <p14:creationId xmlns:p14="http://schemas.microsoft.com/office/powerpoint/2010/main" val="1872974171"/>
+        <p14:creationId xmlns:p14="http://schemas.microsoft.com/office/powerpoint/2010/main" val="1487018436"/>
       </p:ext>
     </p:extLst>
   </p:cSld>
@@ -7268,7 +7077,7 @@
           <a:p>
             <a:r>
               <a:rPr lang="en-US" dirty="0" smtClean="0"/>
-              <a:t>More Crunch…</a:t>
+              <a:t>Crunch File Source</a:t>
             </a:r>
             <a:endParaRPr lang="en-US" dirty="0"/>
           </a:p>
@@ -7276,7 +7085,7 @@
       </p:sp>
       <p:pic>
         <p:nvPicPr>
-          <p:cNvPr id="5" name="Content Placeholder 4" descr="crunch3.png"/>
+          <p:cNvPr id="4" name="Content Placeholder 3" descr="crunch4.png"/>
           <p:cNvPicPr>
             <a:picLocks noGrp="1" noChangeAspect="1"/>
           </p:cNvPicPr>
@@ -7302,7 +7111,7 @@
     </p:spTree>
     <p:extLst>
       <p:ext uri="{BB962C8B-B14F-4D97-AF65-F5344CB8AC3E}">
-        <p14:creationId xmlns:p14="http://schemas.microsoft.com/office/powerpoint/2010/main" val="1487018436"/>
+        <p14:creationId xmlns:p14="http://schemas.microsoft.com/office/powerpoint/2010/main" val="3773733087"/>
       </p:ext>
     </p:extLst>
   </p:cSld>
@@ -7353,41 +7162,112 @@
           <a:p>
             <a:r>
               <a:rPr lang="en-US" dirty="0" smtClean="0"/>
-              <a:t>Crunch File Source</a:t>
+              <a:t>Summary</a:t>
             </a:r>
             <a:endParaRPr lang="en-US" dirty="0"/>
           </a:p>
         </p:txBody>
       </p:sp>
-      <p:pic>
-        <p:nvPicPr>
-          <p:cNvPr id="4" name="Content Placeholder 3" descr="crunch4.png"/>
-          <p:cNvPicPr>
-            <a:picLocks noGrp="1" noChangeAspect="1"/>
-          </p:cNvPicPr>
+      <p:sp>
+        <p:nvSpPr>
+          <p:cNvPr id="3" name="Content Placeholder 2"/>
+          <p:cNvSpPr>
+            <a:spLocks noGrp="1"/>
+          </p:cNvSpPr>
           <p:nvPr>
             <p:ph idx="1"/>
           </p:nvPr>
-        </p:nvPicPr>
-        <p:blipFill>
-          <a:blip r:embed="rId3">
-            <a:extLst>
-              <a:ext uri="{28A0092B-C50C-407E-A947-70E740481C1C}">
-                <a14:useLocalDpi xmlns:a14="http://schemas.microsoft.com/office/drawing/2010/main" val="0"/>
-              </a:ext>
-            </a:extLst>
-          </a:blip>
-          <a:srcRect t="13995" b="13995"/>
-          <a:stretch>
-            <a:fillRect/>
-          </a:stretch>
-        </p:blipFill>
-        <p:spPr/>
-      </p:pic>
+        </p:nvSpPr>
+        <p:spPr/>
+        <p:txBody>
+          <a:bodyPr>
+            <a:normAutofit/>
+          </a:bodyPr>
+          <a:lstStyle/>
+          <a:p>
+            <a:r>
+              <a:rPr lang="en-US" dirty="0"/>
+              <a:t>An Input Format </a:t>
+            </a:r>
+            <a:r>
+              <a:rPr lang="en-US" b="1" dirty="0"/>
+              <a:t>splits an input file </a:t>
+            </a:r>
+            <a:r>
+              <a:rPr lang="en-US" dirty="0"/>
+              <a:t>and also creates and </a:t>
+            </a:r>
+            <a:r>
+              <a:rPr lang="en-US" b="1" dirty="0"/>
+              <a:t>configures a Record Reader</a:t>
+            </a:r>
+            <a:r>
+              <a:rPr lang="en-US" dirty="0" smtClean="0"/>
+              <a:t>.</a:t>
+            </a:r>
+          </a:p>
+          <a:p>
+            <a:pPr marL="0" indent="0">
+              <a:buNone/>
+            </a:pPr>
+            <a:endParaRPr lang="en-US" b="1" dirty="0" smtClean="0"/>
+          </a:p>
+          <a:p>
+            <a:r>
+              <a:rPr lang="en-US" dirty="0" smtClean="0"/>
+              <a:t>A Record Reader </a:t>
+            </a:r>
+            <a:r>
+              <a:rPr lang="en-US" b="1" dirty="0" smtClean="0"/>
+              <a:t>iterates through a file’s records </a:t>
+            </a:r>
+            <a:r>
+              <a:rPr lang="en-US" dirty="0" smtClean="0"/>
+              <a:t>and returns them</a:t>
+            </a:r>
+            <a:r>
+              <a:rPr lang="en-US" dirty="0" smtClean="0"/>
+              <a:t>.</a:t>
+            </a:r>
+          </a:p>
+          <a:p>
+            <a:endParaRPr lang="en-US" dirty="0" smtClean="0"/>
+          </a:p>
+          <a:p>
+            <a:r>
+              <a:rPr lang="en-US" dirty="0" smtClean="0"/>
+              <a:t>A </a:t>
+            </a:r>
+            <a:r>
+              <a:rPr lang="en-US" dirty="0"/>
+              <a:t>File Source </a:t>
+            </a:r>
+            <a:r>
+              <a:rPr lang="en-US" b="1" dirty="0"/>
+              <a:t>marks an Input Format for use </a:t>
+            </a:r>
+            <a:r>
+              <a:rPr lang="en-US" dirty="0"/>
+              <a:t>in a job and </a:t>
+            </a:r>
+            <a:r>
+              <a:rPr lang="en-US" b="1" dirty="0"/>
+              <a:t>takes care of configuration</a:t>
+            </a:r>
+            <a:r>
+              <a:rPr lang="en-US" dirty="0"/>
+              <a:t>.</a:t>
+            </a:r>
+          </a:p>
+          <a:p>
+            <a:endParaRPr lang="en-US" dirty="0"/>
+          </a:p>
+        </p:txBody>
+      </p:sp>
     </p:spTree>
     <p:extLst>
       <p:ext uri="{BB962C8B-B14F-4D97-AF65-F5344CB8AC3E}">
-        <p14:creationId xmlns:p14="http://schemas.microsoft.com/office/powerpoint/2010/main" val="3773733087"/>
+        <p14:creationId xmlns:p14="http://schemas.microsoft.com/office/powerpoint/2010/main" val="3790336936"/>
       </p:ext>
     </p:extLst>
   </p:cSld>
@@ -7438,7 +7318,7 @@
           <a:p>
             <a:r>
               <a:rPr lang="en-US" dirty="0" smtClean="0"/>
-              <a:t>Summary</a:t>
+              <a:t>What I learned</a:t>
             </a:r>
             <a:endParaRPr lang="en-US" dirty="0"/>
           </a:p>
@@ -7457,83 +7337,79 @@
         <p:spPr/>
         <p:txBody>
           <a:bodyPr>
-            <a:normAutofit/>
+            <a:normAutofit fontScale="92500"/>
           </a:bodyPr>
           <a:lstStyle/>
           <a:p>
             <a:r>
+              <a:rPr lang="en-US" dirty="0" smtClean="0"/>
+              <a:t>CSV Files are weird</a:t>
+            </a:r>
+          </a:p>
+          <a:p>
+            <a:r>
+              <a:rPr lang="en-US" dirty="0" smtClean="0"/>
+              <a:t>Inside every Crunch File Source is a good </a:t>
+            </a:r>
+            <a:r>
+              <a:rPr lang="en-US" dirty="0" err="1" smtClean="0"/>
+              <a:t>Hadoop</a:t>
+            </a:r>
+            <a:r>
+              <a:rPr lang="en-US" dirty="0" smtClean="0"/>
+              <a:t> Input Format. </a:t>
+            </a:r>
+          </a:p>
+          <a:p>
+            <a:r>
               <a:rPr lang="en-US" dirty="0"/>
-              <a:t>An Input Format </a:t>
-            </a:r>
-            <a:r>
-              <a:rPr lang="en-US" b="1" dirty="0"/>
-              <a:t>splits an input file </a:t>
+              <a:t>Creating an </a:t>
+            </a:r>
+            <a:r>
+              <a:rPr lang="en-US" dirty="0" smtClean="0"/>
+              <a:t>Input Format </a:t>
             </a:r>
             <a:r>
               <a:rPr lang="en-US" dirty="0"/>
-              <a:t>and also creates and </a:t>
-            </a:r>
-            <a:r>
-              <a:rPr lang="en-US" b="1" dirty="0"/>
-              <a:t>configures a Record Reader</a:t>
+              <a:t>around a file source isn’t incredibly hard, if you know your source </a:t>
             </a:r>
             <a:r>
               <a:rPr lang="en-US" dirty="0" smtClean="0"/>
-              <a:t>.</a:t>
-            </a:r>
-          </a:p>
-          <a:p>
-            <a:pPr marL="0" indent="0">
-              <a:buNone/>
-            </a:pPr>
-            <a:endParaRPr lang="en-US" b="1" dirty="0" smtClean="0"/>
+              <a:t>well</a:t>
+            </a:r>
+            <a:r>
+              <a:rPr lang="en-US" dirty="0"/>
+              <a:t>. </a:t>
+            </a:r>
+            <a:endParaRPr lang="en-US" dirty="0" smtClean="0"/>
           </a:p>
           <a:p>
             <a:r>
               <a:rPr lang="en-US" dirty="0" smtClean="0"/>
-              <a:t>A Record Reader </a:t>
-            </a:r>
-            <a:r>
-              <a:rPr lang="en-US" b="1" dirty="0" smtClean="0"/>
-              <a:t>iterates through a file’s records </a:t>
-            </a:r>
-            <a:r>
-              <a:rPr lang="en-US" dirty="0" smtClean="0"/>
-              <a:t>and returns them</a:t>
-            </a:r>
-            <a:r>
-              <a:rPr lang="en-US" dirty="0" smtClean="0"/>
-              <a:t>.</a:t>
-            </a:r>
+              <a:t>Knowing a source well means knowing where it can be split for distribution and how it can be broken into records.</a:t>
+            </a:r>
+          </a:p>
+          <a:p>
+            <a:r>
+              <a:rPr lang="en-US" dirty="0"/>
+              <a:t>Slides: </a:t>
+            </a:r>
+            <a:r>
+              <a:rPr lang="en-US" dirty="0">
+                <a:hlinkClick r:id="rId3"/>
+              </a:rPr>
+              <a:t>https://github.com/champgm/Big-Data-</a:t>
+            </a:r>
+            <a:r>
+              <a:rPr lang="en-US" dirty="0" smtClean="0">
+                <a:hlinkClick r:id="rId3"/>
+              </a:rPr>
+              <a:t>Talk</a:t>
+            </a:r>
+            <a:endParaRPr lang="en-US" dirty="0"/>
           </a:p>
           <a:p>
             <a:endParaRPr lang="en-US" dirty="0" smtClean="0"/>
-          </a:p>
-          <a:p>
-            <a:r>
-              <a:rPr lang="en-US" dirty="0" smtClean="0"/>
-              <a:t>A </a:t>
-            </a:r>
-            <a:r>
-              <a:rPr lang="en-US" dirty="0"/>
-              <a:t>File Source </a:t>
-            </a:r>
-            <a:r>
-              <a:rPr lang="en-US" b="1" dirty="0"/>
-              <a:t>marks an Input Format for use </a:t>
-            </a:r>
-            <a:r>
-              <a:rPr lang="en-US" dirty="0"/>
-              <a:t>in a job and </a:t>
-            </a:r>
-            <a:r>
-              <a:rPr lang="en-US" b="1" dirty="0"/>
-              <a:t>takes care of configuration</a:t>
-            </a:r>
-            <a:r>
-              <a:rPr lang="en-US" dirty="0"/>
-              <a:t>.</a:t>
-            </a:r>
           </a:p>
           <a:p>
             <a:endParaRPr lang="en-US" dirty="0"/>
@@ -7543,7 +7419,7 @@
     </p:spTree>
     <p:extLst>
       <p:ext uri="{BB962C8B-B14F-4D97-AF65-F5344CB8AC3E}">
-        <p14:creationId xmlns:p14="http://schemas.microsoft.com/office/powerpoint/2010/main" val="3790336936"/>
+        <p14:creationId xmlns:p14="http://schemas.microsoft.com/office/powerpoint/2010/main" val="2386879755"/>
       </p:ext>
     </p:extLst>
   </p:cSld>
@@ -7654,158 +7530,6 @@
     <p:extLst>
       <p:ext uri="{BB962C8B-B14F-4D97-AF65-F5344CB8AC3E}">
         <p14:creationId xmlns:p14="http://schemas.microsoft.com/office/powerpoint/2010/main" val="2543813438"/>
-      </p:ext>
-    </p:extLst>
-  </p:cSld>
-  <p:clrMapOvr>
-    <a:masterClrMapping/>
-  </p:clrMapOvr>
-  <p:timing>
-    <p:tnLst>
-      <p:par>
-        <p:cTn xmlns:p14="http://schemas.microsoft.com/office/powerpoint/2010/main" id="1" dur="indefinite" restart="never" nodeType="tmRoot"/>
-      </p:par>
-    </p:tnLst>
-  </p:timing>
-</p:sld>
-</file>
-
-<file path=ppt/slides/slide20.xml><?xml version="1.0" encoding="utf-8"?>
-<p:sld xmlns:a="http://schemas.openxmlformats.org/drawingml/2006/main" xmlns:r="http://schemas.openxmlformats.org/officeDocument/2006/relationships" xmlns:p="http://schemas.openxmlformats.org/presentationml/2006/main">
-  <p:cSld>
-    <p:spTree>
-      <p:nvGrpSpPr>
-        <p:cNvPr id="1" name=""/>
-        <p:cNvGrpSpPr/>
-        <p:nvPr/>
-      </p:nvGrpSpPr>
-      <p:grpSpPr>
-        <a:xfrm>
-          <a:off x="0" y="0"/>
-          <a:ext cx="0" cy="0"/>
-          <a:chOff x="0" y="0"/>
-          <a:chExt cx="0" cy="0"/>
-        </a:xfrm>
-      </p:grpSpPr>
-      <p:sp>
-        <p:nvSpPr>
-          <p:cNvPr id="2" name="Title 1"/>
-          <p:cNvSpPr>
-            <a:spLocks noGrp="1"/>
-          </p:cNvSpPr>
-          <p:nvPr>
-            <p:ph type="title"/>
-          </p:nvPr>
-        </p:nvSpPr>
-        <p:spPr/>
-        <p:txBody>
-          <a:bodyPr/>
-          <a:lstStyle/>
-          <a:p>
-            <a:r>
-              <a:rPr lang="en-US" dirty="0" smtClean="0"/>
-              <a:t>What I learned</a:t>
-            </a:r>
-            <a:endParaRPr lang="en-US" dirty="0"/>
-          </a:p>
-        </p:txBody>
-      </p:sp>
-      <p:sp>
-        <p:nvSpPr>
-          <p:cNvPr id="3" name="Content Placeholder 2"/>
-          <p:cNvSpPr>
-            <a:spLocks noGrp="1"/>
-          </p:cNvSpPr>
-          <p:nvPr>
-            <p:ph idx="1"/>
-          </p:nvPr>
-        </p:nvSpPr>
-        <p:spPr/>
-        <p:txBody>
-          <a:bodyPr>
-            <a:normAutofit fontScale="92500"/>
-          </a:bodyPr>
-          <a:lstStyle/>
-          <a:p>
-            <a:r>
-              <a:rPr lang="en-US" dirty="0" smtClean="0"/>
-              <a:t>CSV Files are weird</a:t>
-            </a:r>
-          </a:p>
-          <a:p>
-            <a:r>
-              <a:rPr lang="en-US" dirty="0" smtClean="0"/>
-              <a:t>Inside every Crunch File Source is a good </a:t>
-            </a:r>
-            <a:r>
-              <a:rPr lang="en-US" dirty="0" err="1" smtClean="0"/>
-              <a:t>Hadoop</a:t>
-            </a:r>
-            <a:r>
-              <a:rPr lang="en-US" dirty="0" smtClean="0"/>
-              <a:t> Input Format. </a:t>
-            </a:r>
-          </a:p>
-          <a:p>
-            <a:r>
-              <a:rPr lang="en-US" dirty="0"/>
-              <a:t>Creating an </a:t>
-            </a:r>
-            <a:r>
-              <a:rPr lang="en-US" dirty="0" smtClean="0"/>
-              <a:t>Input Format </a:t>
-            </a:r>
-            <a:r>
-              <a:rPr lang="en-US" dirty="0"/>
-              <a:t>around a file source isn’t incredibly hard, if you know your source </a:t>
-            </a:r>
-            <a:r>
-              <a:rPr lang="en-US" dirty="0" smtClean="0"/>
-              <a:t>well</a:t>
-            </a:r>
-            <a:r>
-              <a:rPr lang="en-US" dirty="0"/>
-              <a:t>. </a:t>
-            </a:r>
-            <a:endParaRPr lang="en-US" dirty="0" smtClean="0"/>
-          </a:p>
-          <a:p>
-            <a:r>
-              <a:rPr lang="en-US" dirty="0" smtClean="0"/>
-              <a:t>Knowing a source well means knowing where it can be split for distribution and how it can be broken into records.</a:t>
-            </a:r>
-          </a:p>
-          <a:p>
-            <a:r>
-              <a:rPr lang="en-US" dirty="0"/>
-              <a:t>Slides: </a:t>
-            </a:r>
-            <a:r>
-              <a:rPr lang="en-US" dirty="0">
-                <a:hlinkClick r:id="rId3"/>
-              </a:rPr>
-              <a:t>https://github.com/champgm/Big-Data-</a:t>
-            </a:r>
-            <a:r>
-              <a:rPr lang="en-US" dirty="0" smtClean="0">
-                <a:hlinkClick r:id="rId3"/>
-              </a:rPr>
-              <a:t>Talk</a:t>
-            </a:r>
-            <a:endParaRPr lang="en-US" dirty="0"/>
-          </a:p>
-          <a:p>
-            <a:endParaRPr lang="en-US" dirty="0" smtClean="0"/>
-          </a:p>
-          <a:p>
-            <a:endParaRPr lang="en-US" dirty="0"/>
-          </a:p>
-        </p:txBody>
-      </p:sp>
-    </p:spTree>
-    <p:extLst>
-      <p:ext uri="{BB962C8B-B14F-4D97-AF65-F5344CB8AC3E}">
-        <p14:creationId xmlns:p14="http://schemas.microsoft.com/office/powerpoint/2010/main" val="2386879755"/>
       </p:ext>
     </p:extLst>
   </p:cSld>
@@ -7939,104 +7663,6 @@
           <a:p>
             <a:r>
               <a:rPr lang="en-US" dirty="0" smtClean="0"/>
-              <a:t>The Problem</a:t>
-            </a:r>
-            <a:endParaRPr lang="en-US" dirty="0"/>
-          </a:p>
-        </p:txBody>
-      </p:sp>
-      <p:sp>
-        <p:nvSpPr>
-          <p:cNvPr id="3" name="Content Placeholder 2"/>
-          <p:cNvSpPr>
-            <a:spLocks noGrp="1"/>
-          </p:cNvSpPr>
-          <p:nvPr>
-            <p:ph idx="1"/>
-          </p:nvPr>
-        </p:nvSpPr>
-        <p:spPr/>
-        <p:txBody>
-          <a:bodyPr/>
-          <a:lstStyle/>
-          <a:p>
-            <a:pPr marL="0" indent="0" algn="ctr">
-              <a:buNone/>
-            </a:pPr>
-            <a:endParaRPr lang="en-US" dirty="0" smtClean="0"/>
-          </a:p>
-          <a:p>
-            <a:pPr marL="0" indent="0" algn="ctr">
-              <a:buNone/>
-            </a:pPr>
-            <a:r>
-              <a:rPr lang="en-US" dirty="0" smtClean="0"/>
-              <a:t>CSV files are weird.</a:t>
-            </a:r>
-            <a:endParaRPr lang="en-US" dirty="0"/>
-          </a:p>
-          <a:p>
-            <a:pPr marL="0" indent="0">
-              <a:buNone/>
-            </a:pPr>
-            <a:endParaRPr lang="en-US" dirty="0"/>
-          </a:p>
-        </p:txBody>
-      </p:sp>
-    </p:spTree>
-    <p:extLst>
-      <p:ext uri="{BB962C8B-B14F-4D97-AF65-F5344CB8AC3E}">
-        <p14:creationId xmlns:p14="http://schemas.microsoft.com/office/powerpoint/2010/main" val="2306654227"/>
-      </p:ext>
-    </p:extLst>
-  </p:cSld>
-  <p:clrMapOvr>
-    <a:masterClrMapping/>
-  </p:clrMapOvr>
-  <p:timing>
-    <p:tnLst>
-      <p:par>
-        <p:cTn xmlns:p14="http://schemas.microsoft.com/office/powerpoint/2010/main" id="1" dur="indefinite" restart="never" nodeType="tmRoot"/>
-      </p:par>
-    </p:tnLst>
-  </p:timing>
-</p:sld>
-</file>
-
-<file path=ppt/slides/slide5.xml><?xml version="1.0" encoding="utf-8"?>
-<p:sld xmlns:a="http://schemas.openxmlformats.org/drawingml/2006/main" xmlns:r="http://schemas.openxmlformats.org/officeDocument/2006/relationships" xmlns:p="http://schemas.openxmlformats.org/presentationml/2006/main">
-  <p:cSld>
-    <p:spTree>
-      <p:nvGrpSpPr>
-        <p:cNvPr id="1" name=""/>
-        <p:cNvGrpSpPr/>
-        <p:nvPr/>
-      </p:nvGrpSpPr>
-      <p:grpSpPr>
-        <a:xfrm>
-          <a:off x="0" y="0"/>
-          <a:ext cx="0" cy="0"/>
-          <a:chOff x="0" y="0"/>
-          <a:chExt cx="0" cy="0"/>
-        </a:xfrm>
-      </p:grpSpPr>
-      <p:sp>
-        <p:nvSpPr>
-          <p:cNvPr id="2" name="Title 1"/>
-          <p:cNvSpPr>
-            <a:spLocks noGrp="1"/>
-          </p:cNvSpPr>
-          <p:nvPr>
-            <p:ph type="title"/>
-          </p:nvPr>
-        </p:nvSpPr>
-        <p:spPr/>
-        <p:txBody>
-          <a:bodyPr/>
-          <a:lstStyle/>
-          <a:p>
-            <a:r>
-              <a:rPr lang="en-US" dirty="0" smtClean="0"/>
               <a:t>How So?</a:t>
             </a:r>
             <a:endParaRPr lang="en-US" dirty="0"/>
@@ -8157,7 +7783,7 @@
 </p:sld>
 </file>
 
-<file path=ppt/slides/slide6.xml><?xml version="1.0" encoding="utf-8"?>
+<file path=ppt/slides/slide5.xml><?xml version="1.0" encoding="utf-8"?>
 <p:sld xmlns:a="http://schemas.openxmlformats.org/drawingml/2006/main" xmlns:r="http://schemas.openxmlformats.org/officeDocument/2006/relationships" xmlns:p="http://schemas.openxmlformats.org/presentationml/2006/main">
   <p:cSld>
     <p:spTree>
@@ -8268,6 +7894,167 @@
 </p:sld>
 </file>
 
+<file path=ppt/slides/slide6.xml><?xml version="1.0" encoding="utf-8"?>
+<p:sld xmlns:a="http://schemas.openxmlformats.org/drawingml/2006/main" xmlns:r="http://schemas.openxmlformats.org/officeDocument/2006/relationships" xmlns:p="http://schemas.openxmlformats.org/presentationml/2006/main">
+  <p:cSld>
+    <p:spTree>
+      <p:nvGrpSpPr>
+        <p:cNvPr id="1" name=""/>
+        <p:cNvGrpSpPr/>
+        <p:nvPr/>
+      </p:nvGrpSpPr>
+      <p:grpSpPr>
+        <a:xfrm>
+          <a:off x="0" y="0"/>
+          <a:ext cx="0" cy="0"/>
+          <a:chOff x="0" y="0"/>
+          <a:chExt cx="0" cy="0"/>
+        </a:xfrm>
+      </p:grpSpPr>
+      <p:sp>
+        <p:nvSpPr>
+          <p:cNvPr id="2" name="Title 1"/>
+          <p:cNvSpPr>
+            <a:spLocks noGrp="1"/>
+          </p:cNvSpPr>
+          <p:nvPr>
+            <p:ph type="title"/>
+          </p:nvPr>
+        </p:nvSpPr>
+        <p:spPr/>
+        <p:txBody>
+          <a:bodyPr/>
+          <a:lstStyle/>
+          <a:p>
+            <a:r>
+              <a:rPr lang="en-US" dirty="0" smtClean="0"/>
+              <a:t>Input Format</a:t>
+            </a:r>
+            <a:endParaRPr lang="en-US" dirty="0"/>
+          </a:p>
+        </p:txBody>
+      </p:sp>
+      <p:pic>
+        <p:nvPicPr>
+          <p:cNvPr id="6" name="Content Placeholder 5" descr="Screen Shot 2014-06-11 at 8.30.05 AM.png"/>
+          <p:cNvPicPr>
+            <a:picLocks noGrp="1" noChangeAspect="1"/>
+          </p:cNvPicPr>
+          <p:nvPr>
+            <p:ph idx="1"/>
+          </p:nvPr>
+        </p:nvPicPr>
+        <p:blipFill rotWithShape="1">
+          <a:blip r:embed="rId3">
+            <a:extLst>
+              <a:ext uri="{28A0092B-C50C-407E-A947-70E740481C1C}">
+                <a14:useLocalDpi xmlns:a14="http://schemas.microsoft.com/office/drawing/2010/main" val="0"/>
+              </a:ext>
+            </a:extLst>
+          </a:blip>
+          <a:srcRect l="-108864" t="1" b="-30452"/>
+          <a:stretch/>
+        </p:blipFill>
+        <p:spPr/>
+      </p:pic>
+      <p:sp>
+        <p:nvSpPr>
+          <p:cNvPr id="7" name="TextBox 6"/>
+          <p:cNvSpPr txBox="1"/>
+          <p:nvPr/>
+        </p:nvSpPr>
+        <p:spPr>
+          <a:xfrm>
+            <a:off x="549275" y="1859797"/>
+            <a:ext cx="4065957" cy="2585323"/>
+          </a:xfrm>
+          <a:prstGeom prst="rect">
+            <a:avLst/>
+          </a:prstGeom>
+          <a:noFill/>
+        </p:spPr>
+        <p:txBody>
+          <a:bodyPr wrap="square" rtlCol="0">
+            <a:spAutoFit/>
+          </a:bodyPr>
+          <a:lstStyle/>
+          <a:p>
+            <a:pPr algn="ctr"/>
+            <a:r>
+              <a:rPr lang="en-US" b="1" dirty="0" smtClean="0"/>
+              <a:t>Input Formats </a:t>
+            </a:r>
+            <a:r>
+              <a:rPr lang="en-US" b="1" dirty="0" smtClean="0"/>
+              <a:t>have two main responsibilities</a:t>
+            </a:r>
+          </a:p>
+          <a:p>
+            <a:endParaRPr lang="en-US" dirty="0"/>
+          </a:p>
+          <a:p>
+            <a:endParaRPr lang="en-US" dirty="0" smtClean="0"/>
+          </a:p>
+          <a:p>
+            <a:endParaRPr lang="en-US" dirty="0"/>
+          </a:p>
+          <a:p>
+            <a:pPr algn="ctr"/>
+            <a:r>
+              <a:rPr lang="en-US" b="1" dirty="0" smtClean="0"/>
+              <a:t>1. </a:t>
+            </a:r>
+            <a:r>
+              <a:rPr lang="en-US" dirty="0" smtClean="0"/>
+              <a:t>Split data intelligently     </a:t>
+            </a:r>
+          </a:p>
+          <a:p>
+            <a:pPr algn="ctr"/>
+            <a:endParaRPr lang="en-US" dirty="0" smtClean="0"/>
+          </a:p>
+          <a:p>
+            <a:pPr algn="ctr"/>
+            <a:r>
+              <a:rPr lang="en-US" b="1" dirty="0" smtClean="0"/>
+              <a:t>2. </a:t>
+            </a:r>
+            <a:r>
+              <a:rPr lang="en-US" dirty="0" smtClean="0"/>
+              <a:t>Create a </a:t>
+            </a:r>
+            <a:r>
+              <a:rPr lang="en-US" dirty="0" err="1" smtClean="0"/>
+              <a:t>RecordReader</a:t>
+            </a:r>
+            <a:r>
+              <a:rPr lang="en-US" dirty="0" smtClean="0"/>
+              <a:t> for each split            </a:t>
+            </a:r>
+            <a:endParaRPr lang="en-US" dirty="0"/>
+          </a:p>
+        </p:txBody>
+      </p:sp>
+    </p:spTree>
+    <p:extLst>
+      <p:ext uri="{BB962C8B-B14F-4D97-AF65-F5344CB8AC3E}">
+        <p14:creationId xmlns:p14="http://schemas.microsoft.com/office/powerpoint/2010/main" val="1778131829"/>
+      </p:ext>
+    </p:extLst>
+  </p:cSld>
+  <p:clrMapOvr>
+    <a:masterClrMapping/>
+  </p:clrMapOvr>
+  <p:timing>
+    <p:tnLst>
+      <p:par>
+        <p:cTn xmlns:p14="http://schemas.microsoft.com/office/powerpoint/2010/main" id="1" dur="indefinite" restart="never" nodeType="tmRoot"/>
+      </p:par>
+    </p:tnLst>
+  </p:timing>
+</p:sld>
+</file>
+
 <file path=ppt/slides/slide7.xml><?xml version="1.0" encoding="utf-8"?>
 <p:sld xmlns:a="http://schemas.openxmlformats.org/drawingml/2006/main" xmlns:r="http://schemas.openxmlformats.org/officeDocument/2006/relationships" xmlns:p="http://schemas.openxmlformats.org/presentationml/2006/main">
   <p:cSld>
@@ -8302,108 +8089,47 @@
           <a:p>
             <a:r>
               <a:rPr lang="en-US" dirty="0" smtClean="0"/>
-              <a:t>Input Format</a:t>
+              <a:t>CSV Input Format</a:t>
             </a:r>
             <a:endParaRPr lang="en-US" dirty="0"/>
           </a:p>
         </p:txBody>
       </p:sp>
-      <p:pic>
-        <p:nvPicPr>
-          <p:cNvPr id="6" name="Content Placeholder 5" descr="Screen Shot 2014-06-11 at 8.30.05 AM.png"/>
-          <p:cNvPicPr>
-            <a:picLocks noGrp="1" noChangeAspect="1"/>
-          </p:cNvPicPr>
+      <p:sp>
+        <p:nvSpPr>
+          <p:cNvPr id="3" name="Content Placeholder 2"/>
+          <p:cNvSpPr>
+            <a:spLocks noGrp="1"/>
+          </p:cNvSpPr>
           <p:nvPr>
             <p:ph idx="1"/>
           </p:nvPr>
-        </p:nvPicPr>
-        <p:blipFill rotWithShape="1">
-          <a:blip r:embed="rId3">
-            <a:extLst>
-              <a:ext uri="{28A0092B-C50C-407E-A947-70E740481C1C}">
-                <a14:useLocalDpi xmlns:a14="http://schemas.microsoft.com/office/drawing/2010/main" val="0"/>
-              </a:ext>
-            </a:extLst>
-          </a:blip>
-          <a:srcRect l="-108864" t="1" b="-30452"/>
-          <a:stretch/>
-        </p:blipFill>
-        <p:spPr/>
-      </p:pic>
-      <p:sp>
-        <p:nvSpPr>
-          <p:cNvPr id="7" name="TextBox 6"/>
-          <p:cNvSpPr txBox="1"/>
-          <p:nvPr/>
-        </p:nvSpPr>
-        <p:spPr>
-          <a:xfrm>
-            <a:off x="549275" y="1859797"/>
-            <a:ext cx="4065957" cy="2585323"/>
-          </a:xfrm>
-          <a:prstGeom prst="rect">
-            <a:avLst/>
-          </a:prstGeom>
-          <a:noFill/>
-        </p:spPr>
-        <p:txBody>
-          <a:bodyPr wrap="square" rtlCol="0">
-            <a:spAutoFit/>
-          </a:bodyPr>
-          <a:lstStyle/>
-          <a:p>
-            <a:pPr algn="ctr"/>
-            <a:r>
-              <a:rPr lang="en-US" b="1" dirty="0" smtClean="0"/>
-              <a:t>Input Formats </a:t>
-            </a:r>
-            <a:r>
-              <a:rPr lang="en-US" b="1" dirty="0" smtClean="0"/>
-              <a:t>have two main responsibilities</a:t>
-            </a:r>
-          </a:p>
-          <a:p>
-            <a:endParaRPr lang="en-US" dirty="0"/>
+        </p:nvSpPr>
+        <p:spPr/>
+        <p:txBody>
+          <a:bodyPr/>
+          <a:lstStyle/>
+          <a:p>
+            <a:r>
+              <a:rPr lang="en-US" dirty="0" smtClean="0"/>
+              <a:t>Start </a:t>
+            </a:r>
+            <a:r>
+              <a:rPr lang="en-US" dirty="0" smtClean="0"/>
+              <a:t>at the beginning of the file and seek ahead an amount determined by a desired “split size”</a:t>
+            </a:r>
           </a:p>
           <a:p>
             <a:endParaRPr lang="en-US" dirty="0" smtClean="0"/>
           </a:p>
           <a:p>
-            <a:endParaRPr lang="en-US" dirty="0"/>
-          </a:p>
-          <a:p>
-            <a:pPr algn="ctr"/>
-            <a:r>
-              <a:rPr lang="en-US" b="1" dirty="0" smtClean="0"/>
-              <a:t>1. </a:t>
-            </a:r>
             <a:r>
               <a:rPr lang="en-US" dirty="0" smtClean="0"/>
-              <a:t>Split data intelligently     </a:t>
-            </a:r>
-          </a:p>
-          <a:p>
-            <a:pPr algn="ctr"/>
-            <a:endParaRPr lang="en-US" dirty="0" smtClean="0"/>
-          </a:p>
-          <a:p>
-            <a:pPr algn="ctr"/>
-            <a:r>
-              <a:rPr lang="en-US" b="1" dirty="0" smtClean="0"/>
-              <a:t>2. </a:t>
+              <a:t>Use </a:t>
             </a:r>
             <a:r>
               <a:rPr lang="en-US" dirty="0" smtClean="0"/>
-              <a:t>Create a </a:t>
-            </a:r>
-            <a:r>
-              <a:rPr lang="en-US" dirty="0" err="1" smtClean="0"/>
-              <a:t>RecordReader</a:t>
-            </a:r>
-            <a:r>
-              <a:rPr lang="en-US" dirty="0" smtClean="0"/>
-              <a:t> for each split            </a:t>
+              <a:t>a CSV utility class to determine if it is inside a CSV record (seek to the end if so) and mark the file for splitting</a:t>
             </a:r>
             <a:endParaRPr lang="en-US" dirty="0"/>
           </a:p>
@@ -8412,7 +8138,7 @@
     </p:spTree>
     <p:extLst>
       <p:ext uri="{BB962C8B-B14F-4D97-AF65-F5344CB8AC3E}">
-        <p14:creationId xmlns:p14="http://schemas.microsoft.com/office/powerpoint/2010/main" val="1778131829"/>
+        <p14:creationId xmlns:p14="http://schemas.microsoft.com/office/powerpoint/2010/main" val="3475192536"/>
       </p:ext>
     </p:extLst>
   </p:cSld>
@@ -8463,7 +8189,7 @@
           <a:p>
             <a:r>
               <a:rPr lang="en-US" dirty="0" smtClean="0"/>
-              <a:t>CSV Input Format</a:t>
+              <a:t>Where can we split this?</a:t>
             </a:r>
             <a:endParaRPr lang="en-US" dirty="0"/>
           </a:p>
@@ -8484,35 +8210,47 @@
           <a:bodyPr/>
           <a:lstStyle/>
           <a:p>
-            <a:r>
-              <a:rPr lang="en-US" dirty="0" smtClean="0"/>
-              <a:t>Start </a:t>
-            </a:r>
-            <a:r>
-              <a:rPr lang="en-US" dirty="0" smtClean="0"/>
-              <a:t>at the beginning of the file and seek ahead an amount determined by a desired “split size”</a:t>
-            </a:r>
-          </a:p>
-          <a:p>
+            <a:pPr marL="0" indent="0">
+              <a:buNone/>
+            </a:pPr>
             <a:endParaRPr lang="en-US" dirty="0" smtClean="0"/>
           </a:p>
           <a:p>
-            <a:r>
-              <a:rPr lang="en-US" dirty="0" smtClean="0"/>
-              <a:t>Use </a:t>
-            </a:r>
-            <a:r>
-              <a:rPr lang="en-US" dirty="0" smtClean="0"/>
-              <a:t>a CSV utility class to determine if it is inside a CSV record (seek to the end if so) and mark the file for splitting</a:t>
-            </a:r>
+            <a:pPr marL="0" indent="0">
+              <a:buNone/>
+            </a:pPr>
             <a:endParaRPr lang="en-US" dirty="0"/>
           </a:p>
         </p:txBody>
       </p:sp>
+      <p:pic>
+        <p:nvPicPr>
+          <p:cNvPr id="4" name="Picture 3"/>
+          <p:cNvPicPr>
+            <a:picLocks noChangeAspect="1"/>
+          </p:cNvPicPr>
+          <p:nvPr/>
+        </p:nvPicPr>
+        <p:blipFill>
+          <a:blip r:embed="rId3"/>
+          <a:stretch>
+            <a:fillRect/>
+          </a:stretch>
+        </p:blipFill>
+        <p:spPr>
+          <a:xfrm>
+            <a:off x="549275" y="1993153"/>
+            <a:ext cx="16639477" cy="2749235"/>
+          </a:xfrm>
+          <a:prstGeom prst="rect">
+            <a:avLst/>
+          </a:prstGeom>
+        </p:spPr>
+      </p:pic>
     </p:spTree>
     <p:extLst>
       <p:ext uri="{BB962C8B-B14F-4D97-AF65-F5344CB8AC3E}">
-        <p14:creationId xmlns:p14="http://schemas.microsoft.com/office/powerpoint/2010/main" val="3475192536"/>
+        <p14:creationId xmlns:p14="http://schemas.microsoft.com/office/powerpoint/2010/main" val="1710177070"/>
       </p:ext>
     </p:extLst>
   </p:cSld>
@@ -8563,68 +8301,135 @@
           <a:p>
             <a:r>
               <a:rPr lang="en-US" dirty="0" smtClean="0"/>
-              <a:t>Where can we split this?</a:t>
-            </a:r>
-            <a:endParaRPr lang="en-US" dirty="0"/>
-          </a:p>
-        </p:txBody>
-      </p:sp>
-      <p:sp>
-        <p:nvSpPr>
-          <p:cNvPr id="3" name="Content Placeholder 2"/>
-          <p:cNvSpPr>
-            <a:spLocks noGrp="1"/>
-          </p:cNvSpPr>
-          <p:nvPr>
-            <p:ph idx="1"/>
-          </p:nvPr>
-        </p:nvSpPr>
-        <p:spPr/>
-        <p:txBody>
-          <a:bodyPr/>
-          <a:lstStyle/>
-          <a:p>
-            <a:pPr marL="0" indent="0">
-              <a:buNone/>
-            </a:pPr>
-            <a:endParaRPr lang="en-US" dirty="0" smtClean="0"/>
-          </a:p>
-          <a:p>
-            <a:pPr marL="0" indent="0">
-              <a:buNone/>
-            </a:pPr>
+              <a:t>Record Reader</a:t>
+            </a:r>
             <a:endParaRPr lang="en-US" dirty="0"/>
           </a:p>
         </p:txBody>
       </p:sp>
       <p:pic>
         <p:nvPicPr>
-          <p:cNvPr id="4" name="Picture 3"/>
+          <p:cNvPr id="4" name="Content Placeholder 3"/>
           <p:cNvPicPr>
-            <a:picLocks noChangeAspect="1"/>
+            <a:picLocks noGrp="1" noChangeAspect="1"/>
           </p:cNvPicPr>
-          <p:nvPr/>
+          <p:nvPr>
+            <p:ph idx="1"/>
+          </p:nvPr>
         </p:nvPicPr>
-        <p:blipFill>
+        <p:blipFill rotWithShape="1">
           <a:blip r:embed="rId3"/>
-          <a:stretch>
-            <a:fillRect/>
-          </a:stretch>
+          <a:srcRect l="-50974" r="-50974"/>
+          <a:stretch/>
         </p:blipFill>
         <p:spPr>
           <a:xfrm>
-            <a:off x="549275" y="1993153"/>
-            <a:ext cx="16639477" cy="2749235"/>
+            <a:off x="2751352" y="1600201"/>
+            <a:ext cx="8042276" cy="4343400"/>
+          </a:xfrm>
+        </p:spPr>
+      </p:pic>
+      <p:sp>
+        <p:nvSpPr>
+          <p:cNvPr id="5" name="TextBox 4"/>
+          <p:cNvSpPr txBox="1"/>
+          <p:nvPr/>
+        </p:nvSpPr>
+        <p:spPr>
+          <a:xfrm>
+            <a:off x="675824" y="1600201"/>
+            <a:ext cx="4054936" cy="2862323"/>
           </a:xfrm>
           <a:prstGeom prst="rect">
             <a:avLst/>
           </a:prstGeom>
+          <a:noFill/>
         </p:spPr>
-      </p:pic>
+        <p:txBody>
+          <a:bodyPr wrap="square" rtlCol="0">
+            <a:spAutoFit/>
+          </a:bodyPr>
+          <a:lstStyle/>
+          <a:p>
+            <a:pPr algn="ctr"/>
+            <a:r>
+              <a:rPr lang="en-US" b="1" dirty="0" smtClean="0"/>
+              <a:t>Record Readers have </a:t>
+            </a:r>
+            <a:r>
+              <a:rPr lang="en-US" b="1" dirty="0"/>
+              <a:t>two main responsibilities</a:t>
+            </a:r>
+          </a:p>
+          <a:p>
+            <a:pPr algn="ctr"/>
+            <a:endParaRPr lang="en-US" dirty="0" smtClean="0"/>
+          </a:p>
+          <a:p>
+            <a:pPr algn="ctr"/>
+            <a:endParaRPr lang="en-US" dirty="0"/>
+          </a:p>
+          <a:p>
+            <a:pPr algn="ctr"/>
+            <a:r>
+              <a:rPr lang="en-US" dirty="0" smtClean="0"/>
+              <a:t>1. Read </a:t>
+            </a:r>
+            <a:r>
+              <a:rPr lang="en-US" b="1" dirty="0" smtClean="0"/>
+              <a:t>one </a:t>
+            </a:r>
+            <a:r>
+              <a:rPr lang="en-US" b="1" dirty="0" smtClean="0"/>
+              <a:t>split </a:t>
+            </a:r>
+            <a:r>
+              <a:rPr lang="en-US" dirty="0" smtClean="0"/>
+              <a:t>worth of information. </a:t>
+            </a:r>
+          </a:p>
+          <a:p>
+            <a:pPr algn="ctr"/>
+            <a:endParaRPr lang="en-US" dirty="0" smtClean="0"/>
+          </a:p>
+          <a:p>
+            <a:pPr algn="ctr"/>
+            <a:endParaRPr lang="en-US" dirty="0"/>
+          </a:p>
+          <a:p>
+            <a:pPr algn="ctr"/>
+            <a:r>
+              <a:rPr lang="en-US" dirty="0" smtClean="0"/>
+              <a:t>2. Parse the </a:t>
+            </a:r>
+            <a:r>
+              <a:rPr lang="en-US" dirty="0" smtClean="0"/>
+              <a:t>raw data </a:t>
+            </a:r>
+            <a:r>
+              <a:rPr lang="en-US" dirty="0" smtClean="0"/>
+              <a:t>into </a:t>
+            </a:r>
+            <a:r>
+              <a:rPr lang="en-US" dirty="0" smtClean="0"/>
+              <a:t>“</a:t>
+            </a:r>
+            <a:r>
+              <a:rPr lang="en-US" b="1" dirty="0" smtClean="0"/>
+              <a:t>records</a:t>
+            </a:r>
+            <a:r>
+              <a:rPr lang="en-US" dirty="0" smtClean="0"/>
+              <a:t>”</a:t>
+            </a:r>
+            <a:endParaRPr lang="en-US" dirty="0"/>
+          </a:p>
+        </p:txBody>
+      </p:sp>
     </p:spTree>
     <p:extLst>
       <p:ext uri="{BB962C8B-B14F-4D97-AF65-F5344CB8AC3E}">
-        <p14:creationId xmlns:p14="http://schemas.microsoft.com/office/powerpoint/2010/main" val="1710177070"/>
+        <p14:creationId xmlns:p14="http://schemas.microsoft.com/office/powerpoint/2010/main" val="3983780737"/>
       </p:ext>
     </p:extLst>
   </p:cSld>

--- a/BigDataTalk.pptx
+++ b/BigDataTalk.pptx
@@ -1754,30 +1754,75 @@
           <a:p>
             <a:r>
               <a:rPr lang="en-US" dirty="0" smtClean="0"/>
+              <a:t>Almost a year ago</a:t>
+            </a:r>
+          </a:p>
+          <a:p>
+            <a:r>
+              <a:rPr lang="en-US" dirty="0" smtClean="0"/>
               <a:t>End</a:t>
             </a:r>
             <a:r>
               <a:rPr lang="en-US" baseline="0" dirty="0" smtClean="0"/>
-              <a:t> of iteration, pick JIRA</a:t>
-            </a:r>
-          </a:p>
-          <a:p>
+              <a:t> </a:t>
+            </a:r>
             <a:r>
               <a:rPr lang="en-US" baseline="0" dirty="0" smtClean="0"/>
-              <a:t>Nathan (manager) was out of town</a:t>
-            </a:r>
-          </a:p>
-          <a:p>
+              <a:t>of </a:t>
+            </a:r>
             <a:r>
               <a:rPr lang="en-US" baseline="0" dirty="0" smtClean="0"/>
-              <a:t>Cache CSV files in HDFS </a:t>
+              <a:t>iteration</a:t>
             </a:r>
           </a:p>
           <a:p>
             <a:r>
               <a:rPr lang="en-US" baseline="0" dirty="0" smtClean="0"/>
-              <a:t>process them with crunch instead of utility node</a:t>
-            </a:r>
+              <a:t>Nathan </a:t>
+            </a:r>
+            <a:r>
+              <a:rPr lang="en-US" baseline="0" dirty="0" smtClean="0"/>
+              <a:t>(manager) was out of </a:t>
+            </a:r>
+            <a:r>
+              <a:rPr lang="en-US" baseline="0" dirty="0" smtClean="0"/>
+              <a:t>town, pick JIRA</a:t>
+            </a:r>
+          </a:p>
+          <a:p>
+            <a:r>
+              <a:rPr lang="en-US" baseline="0" dirty="0" smtClean="0"/>
+              <a:t>Cache </a:t>
+            </a:r>
+            <a:r>
+              <a:rPr lang="en-US" baseline="0" dirty="0" smtClean="0"/>
+              <a:t>CSV files in HDFS </a:t>
+            </a:r>
+          </a:p>
+          <a:p>
+            <a:r>
+              <a:rPr lang="en-US" baseline="0" dirty="0" smtClean="0"/>
+              <a:t>process them with crunch instead of utility </a:t>
+            </a:r>
+            <a:r>
+              <a:rPr lang="en-US" baseline="0" dirty="0" smtClean="0"/>
+              <a:t>node</a:t>
+            </a:r>
+          </a:p>
+          <a:p>
+            <a:r>
+              <a:rPr lang="en-US" baseline="0" dirty="0" smtClean="0"/>
+              <a:t>Good to learn HDFS, </a:t>
+            </a:r>
+            <a:r>
+              <a:rPr lang="en-US" baseline="0" dirty="0" err="1" smtClean="0"/>
+              <a:t>Hadoop</a:t>
+            </a:r>
+            <a:r>
+              <a:rPr lang="en-US" baseline="0" dirty="0" smtClean="0"/>
+              <a:t>, Crunch</a:t>
+            </a:r>
+            <a:endParaRPr lang="en-US" baseline="0" dirty="0" smtClean="0"/>
           </a:p>
           <a:p>
             <a:r>
@@ -6307,8 +6352,40 @@
             </a:r>
             <a:r>
               <a:rPr lang="en-US" dirty="0"/>
-              <a:t>CSV files</a:t>
-            </a:r>
+              <a:t>CSV </a:t>
+            </a:r>
+            <a:r>
+              <a:rPr lang="en-US" dirty="0" smtClean="0"/>
+              <a:t>files</a:t>
+            </a:r>
+          </a:p>
+          <a:p>
+            <a:pPr marL="0" indent="0" algn="ctr">
+              <a:buNone/>
+            </a:pPr>
+            <a:endParaRPr lang="en-US" dirty="0"/>
+          </a:p>
+          <a:p>
+            <a:pPr marL="0" indent="0" algn="ctr">
+              <a:buNone/>
+            </a:pPr>
+            <a:endParaRPr lang="en-US" dirty="0" smtClean="0"/>
+          </a:p>
+          <a:p>
+            <a:pPr marL="0" indent="0" algn="ctr">
+              <a:buNone/>
+            </a:pPr>
+            <a:endParaRPr lang="en-US" dirty="0"/>
+          </a:p>
+          <a:p>
+            <a:pPr marL="0" indent="0" algn="ctr">
+              <a:buNone/>
+            </a:pPr>
+            <a:r>
+              <a:rPr lang="en-US" smtClean="0"/>
+              <a:t>Mac Champion</a:t>
+            </a:r>
+            <a:endParaRPr lang="en-US" dirty="0"/>
           </a:p>
         </p:txBody>
       </p:sp>
@@ -7663,7 +7740,7 @@
           <a:p>
             <a:r>
               <a:rPr lang="en-US" dirty="0" smtClean="0"/>
-              <a:t>How So?</a:t>
+              <a:t>CSV Files Are Weird</a:t>
             </a:r>
             <a:endParaRPr lang="en-US" dirty="0"/>
           </a:p>
